--- a/charts.pptx
+++ b/charts.pptx
@@ -7,8 +7,11 @@
   <p:sldIdLst>
     <p:sldId id="256" r:id="rId2"/>
     <p:sldId id="259" r:id="rId3"/>
-    <p:sldId id="257" r:id="rId4"/>
-    <p:sldId id="258" r:id="rId5"/>
+    <p:sldId id="260" r:id="rId4"/>
+    <p:sldId id="261" r:id="rId5"/>
+    <p:sldId id="257" r:id="rId6"/>
+    <p:sldId id="258" r:id="rId7"/>
+    <p:sldId id="262" r:id="rId8"/>
   </p:sldIdLst>
   <p:sldSz cx="12192000" cy="6858000"/>
   <p:notesSz cx="6858000" cy="9144000"/>
@@ -118,7 +121,7 @@
 <file path=ppt/revisionInfo.xml><?xml version="1.0" encoding="utf-8"?>
 <p1510:revInfo xmlns:a="http://schemas.openxmlformats.org/drawingml/2006/main" xmlns:r="http://schemas.openxmlformats.org/officeDocument/2006/relationships" xmlns:p1510="http://schemas.microsoft.com/office/powerpoint/2015/10/main">
   <p1510:revLst>
-    <p1510:client id="{1EE791AB-A3F4-43AE-8C14-EF0AF2588D33}" v="67" dt="2023-08-17T07:18:30.957"/>
+    <p1510:client id="{CBEAD0FA-57FD-4ECA-87B3-1EC8A8ACAE0C}" v="17" dt="2023-08-21T05:43:45.281"/>
   </p1510:revLst>
 </p1510:revInfo>
 </file>
@@ -930,6 +933,377 @@
       </pc:sldChg>
     </pc:docChg>
   </pc:docChgLst>
+  <pc:docChgLst>
+    <pc:chgData name="#LIN ZIXING#" userId="b682326b-d409-4ce0-bd6c-0bd08875c27e" providerId="ADAL" clId="{CBEAD0FA-57FD-4ECA-87B3-1EC8A8ACAE0C}"/>
+    <pc:docChg chg="undo custSel addSld delSld modSld">
+      <pc:chgData name="#LIN ZIXING#" userId="b682326b-d409-4ce0-bd6c-0bd08875c27e" providerId="ADAL" clId="{CBEAD0FA-57FD-4ECA-87B3-1EC8A8ACAE0C}" dt="2023-08-21T05:43:55.093" v="154" actId="14100"/>
+      <pc:docMkLst>
+        <pc:docMk/>
+      </pc:docMkLst>
+      <pc:sldChg chg="addSp delSp modSp mod">
+        <pc:chgData name="#LIN ZIXING#" userId="b682326b-d409-4ce0-bd6c-0bd08875c27e" providerId="ADAL" clId="{CBEAD0FA-57FD-4ECA-87B3-1EC8A8ACAE0C}" dt="2023-08-21T05:04:00.524" v="17" actId="478"/>
+        <pc:sldMkLst>
+          <pc:docMk/>
+          <pc:sldMk cId="1977575010" sldId="256"/>
+        </pc:sldMkLst>
+        <pc:picChg chg="add del mod">
+          <ac:chgData name="#LIN ZIXING#" userId="b682326b-d409-4ce0-bd6c-0bd08875c27e" providerId="ADAL" clId="{CBEAD0FA-57FD-4ECA-87B3-1EC8A8ACAE0C}" dt="2023-08-21T05:04:00.121" v="16" actId="22"/>
+          <ac:picMkLst>
+            <pc:docMk/>
+            <pc:sldMk cId="1977575010" sldId="256"/>
+            <ac:picMk id="3" creationId="{B0F21183-39AB-2948-F061-C2BBABE39FF1}"/>
+          </ac:picMkLst>
+        </pc:picChg>
+        <pc:picChg chg="add del">
+          <ac:chgData name="#LIN ZIXING#" userId="b682326b-d409-4ce0-bd6c-0bd08875c27e" providerId="ADAL" clId="{CBEAD0FA-57FD-4ECA-87B3-1EC8A8ACAE0C}" dt="2023-08-21T05:04:00.524" v="17" actId="478"/>
+          <ac:picMkLst>
+            <pc:docMk/>
+            <pc:sldMk cId="1977575010" sldId="256"/>
+            <ac:picMk id="55" creationId="{82634720-1F4D-6F4D-FF41-17ABAF5F541C}"/>
+          </ac:picMkLst>
+        </pc:picChg>
+      </pc:sldChg>
+      <pc:sldChg chg="addSp modSp mod">
+        <pc:chgData name="#LIN ZIXING#" userId="b682326b-d409-4ce0-bd6c-0bd08875c27e" providerId="ADAL" clId="{CBEAD0FA-57FD-4ECA-87B3-1EC8A8ACAE0C}" dt="2023-08-21T05:06:08.937" v="35" actId="693"/>
+        <pc:sldMkLst>
+          <pc:docMk/>
+          <pc:sldMk cId="3794784425" sldId="259"/>
+        </pc:sldMkLst>
+        <pc:spChg chg="mod">
+          <ac:chgData name="#LIN ZIXING#" userId="b682326b-d409-4ce0-bd6c-0bd08875c27e" providerId="ADAL" clId="{CBEAD0FA-57FD-4ECA-87B3-1EC8A8ACAE0C}" dt="2023-08-21T05:05:23.034" v="22" actId="14100"/>
+          <ac:spMkLst>
+            <pc:docMk/>
+            <pc:sldMk cId="3794784425" sldId="259"/>
+            <ac:spMk id="6" creationId="{9528CE54-9BD9-C32E-AC07-02610C7713D3}"/>
+          </ac:spMkLst>
+        </pc:spChg>
+        <pc:picChg chg="mod">
+          <ac:chgData name="#LIN ZIXING#" userId="b682326b-d409-4ce0-bd6c-0bd08875c27e" providerId="ADAL" clId="{CBEAD0FA-57FD-4ECA-87B3-1EC8A8ACAE0C}" dt="2023-08-21T05:05:41.223" v="29" actId="1076"/>
+          <ac:picMkLst>
+            <pc:docMk/>
+            <pc:sldMk cId="3794784425" sldId="259"/>
+            <ac:picMk id="2052" creationId="{3CA1B907-3443-EBAF-2E1E-C2D867D0D600}"/>
+          </ac:picMkLst>
+        </pc:picChg>
+        <pc:cxnChg chg="add mod">
+          <ac:chgData name="#LIN ZIXING#" userId="b682326b-d409-4ce0-bd6c-0bd08875c27e" providerId="ADAL" clId="{CBEAD0FA-57FD-4ECA-87B3-1EC8A8ACAE0C}" dt="2023-08-21T05:06:08.937" v="35" actId="693"/>
+          <ac:cxnSpMkLst>
+            <pc:docMk/>
+            <pc:sldMk cId="3794784425" sldId="259"/>
+            <ac:cxnSpMk id="3" creationId="{DF9D0CD3-E47B-51C5-A94B-249FB778751A}"/>
+          </ac:cxnSpMkLst>
+        </pc:cxnChg>
+        <pc:cxnChg chg="mod">
+          <ac:chgData name="#LIN ZIXING#" userId="b682326b-d409-4ce0-bd6c-0bd08875c27e" providerId="ADAL" clId="{CBEAD0FA-57FD-4ECA-87B3-1EC8A8ACAE0C}" dt="2023-08-21T05:05:23.034" v="22" actId="14100"/>
+          <ac:cxnSpMkLst>
+            <pc:docMk/>
+            <pc:sldMk cId="3794784425" sldId="259"/>
+            <ac:cxnSpMk id="5" creationId="{CD2F693F-2334-1D32-ED3D-C6C5161372BD}"/>
+          </ac:cxnSpMkLst>
+        </pc:cxnChg>
+        <pc:cxnChg chg="add mod">
+          <ac:chgData name="#LIN ZIXING#" userId="b682326b-d409-4ce0-bd6c-0bd08875c27e" providerId="ADAL" clId="{CBEAD0FA-57FD-4ECA-87B3-1EC8A8ACAE0C}" dt="2023-08-21T05:06:08.937" v="35" actId="693"/>
+          <ac:cxnSpMkLst>
+            <pc:docMk/>
+            <pc:sldMk cId="3794784425" sldId="259"/>
+            <ac:cxnSpMk id="11" creationId="{42E63AA5-1855-8B17-EB26-A616C5A07927}"/>
+          </ac:cxnSpMkLst>
+        </pc:cxnChg>
+        <pc:cxnChg chg="add mod">
+          <ac:chgData name="#LIN ZIXING#" userId="b682326b-d409-4ce0-bd6c-0bd08875c27e" providerId="ADAL" clId="{CBEAD0FA-57FD-4ECA-87B3-1EC8A8ACAE0C}" dt="2023-08-21T05:06:08.937" v="35" actId="693"/>
+          <ac:cxnSpMkLst>
+            <pc:docMk/>
+            <pc:sldMk cId="3794784425" sldId="259"/>
+            <ac:cxnSpMk id="16" creationId="{C46BF8D6-EE70-B202-26F1-41A20F6C94D5}"/>
+          </ac:cxnSpMkLst>
+        </pc:cxnChg>
+        <pc:cxnChg chg="add mod">
+          <ac:chgData name="#LIN ZIXING#" userId="b682326b-d409-4ce0-bd6c-0bd08875c27e" providerId="ADAL" clId="{CBEAD0FA-57FD-4ECA-87B3-1EC8A8ACAE0C}" dt="2023-08-21T05:06:08.937" v="35" actId="693"/>
+          <ac:cxnSpMkLst>
+            <pc:docMk/>
+            <pc:sldMk cId="3794784425" sldId="259"/>
+            <ac:cxnSpMk id="19" creationId="{EC8859B2-DD02-4F8F-478C-816C165C8A95}"/>
+          </ac:cxnSpMkLst>
+        </pc:cxnChg>
+      </pc:sldChg>
+      <pc:sldChg chg="add">
+        <pc:chgData name="#LIN ZIXING#" userId="b682326b-d409-4ce0-bd6c-0bd08875c27e" providerId="ADAL" clId="{CBEAD0FA-57FD-4ECA-87B3-1EC8A8ACAE0C}" dt="2023-08-21T05:04:02.343" v="18"/>
+        <pc:sldMkLst>
+          <pc:docMk/>
+          <pc:sldMk cId="638531902" sldId="260"/>
+        </pc:sldMkLst>
+      </pc:sldChg>
+      <pc:sldChg chg="add del">
+        <pc:chgData name="#LIN ZIXING#" userId="b682326b-d409-4ce0-bd6c-0bd08875c27e" providerId="ADAL" clId="{CBEAD0FA-57FD-4ECA-87B3-1EC8A8ACAE0C}" dt="2023-08-21T05:03:57.364" v="9"/>
+        <pc:sldMkLst>
+          <pc:docMk/>
+          <pc:sldMk cId="3546796468" sldId="260"/>
+        </pc:sldMkLst>
+      </pc:sldChg>
+      <pc:sldChg chg="add">
+        <pc:chgData name="#LIN ZIXING#" userId="b682326b-d409-4ce0-bd6c-0bd08875c27e" providerId="ADAL" clId="{CBEAD0FA-57FD-4ECA-87B3-1EC8A8ACAE0C}" dt="2023-08-21T05:04:02.343" v="18"/>
+        <pc:sldMkLst>
+          <pc:docMk/>
+          <pc:sldMk cId="1680486596" sldId="261"/>
+        </pc:sldMkLst>
+      </pc:sldChg>
+      <pc:sldChg chg="addSp delSp modSp add mod">
+        <pc:chgData name="#LIN ZIXING#" userId="b682326b-d409-4ce0-bd6c-0bd08875c27e" providerId="ADAL" clId="{CBEAD0FA-57FD-4ECA-87B3-1EC8A8ACAE0C}" dt="2023-08-21T05:43:55.093" v="154" actId="14100"/>
+        <pc:sldMkLst>
+          <pc:docMk/>
+          <pc:sldMk cId="82365901" sldId="262"/>
+        </pc:sldMkLst>
+        <pc:spChg chg="add del mod">
+          <ac:chgData name="#LIN ZIXING#" userId="b682326b-d409-4ce0-bd6c-0bd08875c27e" providerId="ADAL" clId="{CBEAD0FA-57FD-4ECA-87B3-1EC8A8ACAE0C}" dt="2023-08-21T05:43:20.968" v="127" actId="1076"/>
+          <ac:spMkLst>
+            <pc:docMk/>
+            <pc:sldMk cId="82365901" sldId="262"/>
+            <ac:spMk id="2" creationId="{941209F3-5137-462A-9F8B-DC192F18B489}"/>
+          </ac:spMkLst>
+        </pc:spChg>
+        <pc:spChg chg="add del mod">
+          <ac:chgData name="#LIN ZIXING#" userId="b682326b-d409-4ce0-bd6c-0bd08875c27e" providerId="ADAL" clId="{CBEAD0FA-57FD-4ECA-87B3-1EC8A8ACAE0C}" dt="2023-08-21T05:43:20.968" v="127" actId="1076"/>
+          <ac:spMkLst>
+            <pc:docMk/>
+            <pc:sldMk cId="82365901" sldId="262"/>
+            <ac:spMk id="3" creationId="{E65CFDBD-23D6-196E-65BA-2AF35C436D74}"/>
+          </ac:spMkLst>
+        </pc:spChg>
+        <pc:spChg chg="add del mod">
+          <ac:chgData name="#LIN ZIXING#" userId="b682326b-d409-4ce0-bd6c-0bd08875c27e" providerId="ADAL" clId="{CBEAD0FA-57FD-4ECA-87B3-1EC8A8ACAE0C}" dt="2023-08-21T05:43:20.968" v="127" actId="1076"/>
+          <ac:spMkLst>
+            <pc:docMk/>
+            <pc:sldMk cId="82365901" sldId="262"/>
+            <ac:spMk id="4" creationId="{9D600F29-E346-2C2A-9EB6-2BB8AE52614A}"/>
+          </ac:spMkLst>
+        </pc:spChg>
+        <pc:spChg chg="mod">
+          <ac:chgData name="#LIN ZIXING#" userId="b682326b-d409-4ce0-bd6c-0bd08875c27e" providerId="ADAL" clId="{CBEAD0FA-57FD-4ECA-87B3-1EC8A8ACAE0C}" dt="2023-08-21T05:43:20.968" v="127" actId="1076"/>
+          <ac:spMkLst>
+            <pc:docMk/>
+            <pc:sldMk cId="82365901" sldId="262"/>
+            <ac:spMk id="5" creationId="{B0290712-EB9B-5FF2-B955-4AB6F0A71869}"/>
+          </ac:spMkLst>
+        </pc:spChg>
+        <pc:spChg chg="mod">
+          <ac:chgData name="#LIN ZIXING#" userId="b682326b-d409-4ce0-bd6c-0bd08875c27e" providerId="ADAL" clId="{CBEAD0FA-57FD-4ECA-87B3-1EC8A8ACAE0C}" dt="2023-08-21T05:43:20.968" v="127" actId="1076"/>
+          <ac:spMkLst>
+            <pc:docMk/>
+            <pc:sldMk cId="82365901" sldId="262"/>
+            <ac:spMk id="6" creationId="{4C61354D-DC76-EDDD-7CD9-08E6D274C8BC}"/>
+          </ac:spMkLst>
+        </pc:spChg>
+        <pc:spChg chg="del mod">
+          <ac:chgData name="#LIN ZIXING#" userId="b682326b-d409-4ce0-bd6c-0bd08875c27e" providerId="ADAL" clId="{CBEAD0FA-57FD-4ECA-87B3-1EC8A8ACAE0C}" dt="2023-08-21T05:13:26.792" v="66" actId="478"/>
+          <ac:spMkLst>
+            <pc:docMk/>
+            <pc:sldMk cId="82365901" sldId="262"/>
+            <ac:spMk id="7" creationId="{B8F2F96E-783F-476C-701F-F7D08D74DBEF}"/>
+          </ac:spMkLst>
+        </pc:spChg>
+        <pc:spChg chg="add del mod">
+          <ac:chgData name="#LIN ZIXING#" userId="b682326b-d409-4ce0-bd6c-0bd08875c27e" providerId="ADAL" clId="{CBEAD0FA-57FD-4ECA-87B3-1EC8A8ACAE0C}" dt="2023-08-21T05:13:44.008" v="73" actId="478"/>
+          <ac:spMkLst>
+            <pc:docMk/>
+            <pc:sldMk cId="82365901" sldId="262"/>
+            <ac:spMk id="8" creationId="{8E1D89D5-62E3-EFEC-859C-B9226E24CC07}"/>
+          </ac:spMkLst>
+        </pc:spChg>
+        <pc:spChg chg="mod">
+          <ac:chgData name="#LIN ZIXING#" userId="b682326b-d409-4ce0-bd6c-0bd08875c27e" providerId="ADAL" clId="{CBEAD0FA-57FD-4ECA-87B3-1EC8A8ACAE0C}" dt="2023-08-21T05:43:20.968" v="127" actId="1076"/>
+          <ac:spMkLst>
+            <pc:docMk/>
+            <pc:sldMk cId="82365901" sldId="262"/>
+            <ac:spMk id="9" creationId="{F3F0439A-0F14-4462-6CDA-DED1F7EAC713}"/>
+          </ac:spMkLst>
+        </pc:spChg>
+        <pc:spChg chg="add del mod">
+          <ac:chgData name="#LIN ZIXING#" userId="b682326b-d409-4ce0-bd6c-0bd08875c27e" providerId="ADAL" clId="{CBEAD0FA-57FD-4ECA-87B3-1EC8A8ACAE0C}" dt="2023-08-21T05:43:20.968" v="127" actId="1076"/>
+          <ac:spMkLst>
+            <pc:docMk/>
+            <pc:sldMk cId="82365901" sldId="262"/>
+            <ac:spMk id="10" creationId="{5A92E93C-BAFF-4506-CA54-2DE363E9878E}"/>
+          </ac:spMkLst>
+        </pc:spChg>
+        <pc:spChg chg="add del mod">
+          <ac:chgData name="#LIN ZIXING#" userId="b682326b-d409-4ce0-bd6c-0bd08875c27e" providerId="ADAL" clId="{CBEAD0FA-57FD-4ECA-87B3-1EC8A8ACAE0C}" dt="2023-08-21T05:43:20.968" v="127" actId="1076"/>
+          <ac:spMkLst>
+            <pc:docMk/>
+            <pc:sldMk cId="82365901" sldId="262"/>
+            <ac:spMk id="13" creationId="{04EDB6A8-A4F6-3DFA-7D67-7DA9DCCF9771}"/>
+          </ac:spMkLst>
+        </pc:spChg>
+        <pc:spChg chg="del mod">
+          <ac:chgData name="#LIN ZIXING#" userId="b682326b-d409-4ce0-bd6c-0bd08875c27e" providerId="ADAL" clId="{CBEAD0FA-57FD-4ECA-87B3-1EC8A8ACAE0C}" dt="2023-08-21T05:14:07.971" v="80" actId="478"/>
+          <ac:spMkLst>
+            <pc:docMk/>
+            <pc:sldMk cId="82365901" sldId="262"/>
+            <ac:spMk id="18" creationId="{5FD97A84-0159-B961-1645-5C91A27AD1DC}"/>
+          </ac:spMkLst>
+        </pc:spChg>
+        <pc:spChg chg="add del mod">
+          <ac:chgData name="#LIN ZIXING#" userId="b682326b-d409-4ce0-bd6c-0bd08875c27e" providerId="ADAL" clId="{CBEAD0FA-57FD-4ECA-87B3-1EC8A8ACAE0C}" dt="2023-08-21T05:14:59.238" v="92" actId="478"/>
+          <ac:spMkLst>
+            <pc:docMk/>
+            <pc:sldMk cId="82365901" sldId="262"/>
+            <ac:spMk id="21" creationId="{DBB6918C-3A3B-04B3-D45C-5AF99FEEEBEC}"/>
+          </ac:spMkLst>
+        </pc:spChg>
+        <pc:spChg chg="mod">
+          <ac:chgData name="#LIN ZIXING#" userId="b682326b-d409-4ce0-bd6c-0bd08875c27e" providerId="ADAL" clId="{CBEAD0FA-57FD-4ECA-87B3-1EC8A8ACAE0C}" dt="2023-08-21T05:43:20.968" v="127" actId="1076"/>
+          <ac:spMkLst>
+            <pc:docMk/>
+            <pc:sldMk cId="82365901" sldId="262"/>
+            <ac:spMk id="27" creationId="{B15426AF-F03B-8CAD-A918-E40CD5B6613D}"/>
+          </ac:spMkLst>
+        </pc:spChg>
+        <pc:spChg chg="mod">
+          <ac:chgData name="#LIN ZIXING#" userId="b682326b-d409-4ce0-bd6c-0bd08875c27e" providerId="ADAL" clId="{CBEAD0FA-57FD-4ECA-87B3-1EC8A8ACAE0C}" dt="2023-08-21T05:43:20.968" v="127" actId="1076"/>
+          <ac:spMkLst>
+            <pc:docMk/>
+            <pc:sldMk cId="82365901" sldId="262"/>
+            <ac:spMk id="36" creationId="{C284001E-6529-FAD9-E067-BCA2EE6C0379}"/>
+          </ac:spMkLst>
+        </pc:spChg>
+        <pc:spChg chg="mod">
+          <ac:chgData name="#LIN ZIXING#" userId="b682326b-d409-4ce0-bd6c-0bd08875c27e" providerId="ADAL" clId="{CBEAD0FA-57FD-4ECA-87B3-1EC8A8ACAE0C}" dt="2023-08-21T05:43:20.968" v="127" actId="1076"/>
+          <ac:spMkLst>
+            <pc:docMk/>
+            <pc:sldMk cId="82365901" sldId="262"/>
+            <ac:spMk id="37" creationId="{3F3BD31A-8F96-53A5-A75A-73BFE99F74F8}"/>
+          </ac:spMkLst>
+        </pc:spChg>
+        <pc:spChg chg="add mod">
+          <ac:chgData name="#LIN ZIXING#" userId="b682326b-d409-4ce0-bd6c-0bd08875c27e" providerId="ADAL" clId="{CBEAD0FA-57FD-4ECA-87B3-1EC8A8ACAE0C}" dt="2023-08-21T05:43:41.238" v="153" actId="1036"/>
+          <ac:spMkLst>
+            <pc:docMk/>
+            <pc:sldMk cId="82365901" sldId="262"/>
+            <ac:spMk id="45" creationId="{C349EC9F-5142-5830-1DEF-53FD964E2A1B}"/>
+          </ac:spMkLst>
+        </pc:spChg>
+        <pc:picChg chg="del">
+          <ac:chgData name="#LIN ZIXING#" userId="b682326b-d409-4ce0-bd6c-0bd08875c27e" providerId="ADAL" clId="{CBEAD0FA-57FD-4ECA-87B3-1EC8A8ACAE0C}" dt="2023-08-21T05:11:28.626" v="37" actId="478"/>
+          <ac:picMkLst>
+            <pc:docMk/>
+            <pc:sldMk cId="82365901" sldId="262"/>
+            <ac:picMk id="55" creationId="{82634720-1F4D-6F4D-FF41-17ABAF5F541C}"/>
+          </ac:picMkLst>
+        </pc:picChg>
+        <pc:picChg chg="del">
+          <ac:chgData name="#LIN ZIXING#" userId="b682326b-d409-4ce0-bd6c-0bd08875c27e" providerId="ADAL" clId="{CBEAD0FA-57FD-4ECA-87B3-1EC8A8ACAE0C}" dt="2023-08-21T05:11:28.626" v="37" actId="478"/>
+          <ac:picMkLst>
+            <pc:docMk/>
+            <pc:sldMk cId="82365901" sldId="262"/>
+            <ac:picMk id="57" creationId="{1DA668C3-2122-1B54-AA23-AFE610DD7747}"/>
+          </ac:picMkLst>
+        </pc:picChg>
+        <pc:picChg chg="del">
+          <ac:chgData name="#LIN ZIXING#" userId="b682326b-d409-4ce0-bd6c-0bd08875c27e" providerId="ADAL" clId="{CBEAD0FA-57FD-4ECA-87B3-1EC8A8ACAE0C}" dt="2023-08-21T05:11:28.626" v="37" actId="478"/>
+          <ac:picMkLst>
+            <pc:docMk/>
+            <pc:sldMk cId="82365901" sldId="262"/>
+            <ac:picMk id="61" creationId="{F00C7E67-BDDD-75D5-FE35-55D9A524286F}"/>
+          </ac:picMkLst>
+        </pc:picChg>
+        <pc:picChg chg="del">
+          <ac:chgData name="#LIN ZIXING#" userId="b682326b-d409-4ce0-bd6c-0bd08875c27e" providerId="ADAL" clId="{CBEAD0FA-57FD-4ECA-87B3-1EC8A8ACAE0C}" dt="2023-08-21T05:11:28.626" v="37" actId="478"/>
+          <ac:picMkLst>
+            <pc:docMk/>
+            <pc:sldMk cId="82365901" sldId="262"/>
+            <ac:picMk id="1030" creationId="{3A20705B-7F7B-34AC-9AED-EA99531FB7AB}"/>
+          </ac:picMkLst>
+        </pc:picChg>
+        <pc:cxnChg chg="add del mod">
+          <ac:chgData name="#LIN ZIXING#" userId="b682326b-d409-4ce0-bd6c-0bd08875c27e" providerId="ADAL" clId="{CBEAD0FA-57FD-4ECA-87B3-1EC8A8ACAE0C}" dt="2023-08-21T05:13:30.276" v="69" actId="478"/>
+          <ac:cxnSpMkLst>
+            <pc:docMk/>
+            <pc:sldMk cId="82365901" sldId="262"/>
+            <ac:cxnSpMk id="11" creationId="{99A88C75-DE8E-A9A4-8326-295ED1BD927E}"/>
+          </ac:cxnSpMkLst>
+        </pc:cxnChg>
+        <pc:cxnChg chg="mod ord">
+          <ac:chgData name="#LIN ZIXING#" userId="b682326b-d409-4ce0-bd6c-0bd08875c27e" providerId="ADAL" clId="{CBEAD0FA-57FD-4ECA-87B3-1EC8A8ACAE0C}" dt="2023-08-21T05:43:20.968" v="127" actId="1076"/>
+          <ac:cxnSpMkLst>
+            <pc:docMk/>
+            <pc:sldMk cId="82365901" sldId="262"/>
+            <ac:cxnSpMk id="12" creationId="{20B76AC2-BCC6-5452-C2E5-429EDBCE9EA8}"/>
+          </ac:cxnSpMkLst>
+        </pc:cxnChg>
+        <pc:cxnChg chg="del mod">
+          <ac:chgData name="#LIN ZIXING#" userId="b682326b-d409-4ce0-bd6c-0bd08875c27e" providerId="ADAL" clId="{CBEAD0FA-57FD-4ECA-87B3-1EC8A8ACAE0C}" dt="2023-08-21T05:14:06.883" v="79" actId="478"/>
+          <ac:cxnSpMkLst>
+            <pc:docMk/>
+            <pc:sldMk cId="82365901" sldId="262"/>
+            <ac:cxnSpMk id="15" creationId="{754B8258-7642-3E93-B632-3C9DAF783D26}"/>
+          </ac:cxnSpMkLst>
+        </pc:cxnChg>
+        <pc:cxnChg chg="mod">
+          <ac:chgData name="#LIN ZIXING#" userId="b682326b-d409-4ce0-bd6c-0bd08875c27e" providerId="ADAL" clId="{CBEAD0FA-57FD-4ECA-87B3-1EC8A8ACAE0C}" dt="2023-08-21T05:43:20.968" v="127" actId="1076"/>
+          <ac:cxnSpMkLst>
+            <pc:docMk/>
+            <pc:sldMk cId="82365901" sldId="262"/>
+            <ac:cxnSpMk id="16" creationId="{FD3D807E-4633-E226-A9B8-26202F22DA74}"/>
+          </ac:cxnSpMkLst>
+        </pc:cxnChg>
+        <pc:cxnChg chg="add del mod">
+          <ac:chgData name="#LIN ZIXING#" userId="b682326b-d409-4ce0-bd6c-0bd08875c27e" providerId="ADAL" clId="{CBEAD0FA-57FD-4ECA-87B3-1EC8A8ACAE0C}" dt="2023-08-21T05:14:27.472" v="85" actId="478"/>
+          <ac:cxnSpMkLst>
+            <pc:docMk/>
+            <pc:sldMk cId="82365901" sldId="262"/>
+            <ac:cxnSpMk id="17" creationId="{3DB60BC5-18D8-8CD4-C1CD-A1C85EF42E84}"/>
+          </ac:cxnSpMkLst>
+        </pc:cxnChg>
+        <pc:cxnChg chg="mod ord">
+          <ac:chgData name="#LIN ZIXING#" userId="b682326b-d409-4ce0-bd6c-0bd08875c27e" providerId="ADAL" clId="{CBEAD0FA-57FD-4ECA-87B3-1EC8A8ACAE0C}" dt="2023-08-21T05:43:20.968" v="127" actId="1076"/>
+          <ac:cxnSpMkLst>
+            <pc:docMk/>
+            <pc:sldMk cId="82365901" sldId="262"/>
+            <ac:cxnSpMk id="20" creationId="{18A00980-4004-123B-5E2D-2EAC2C57EABE}"/>
+          </ac:cxnSpMkLst>
+        </pc:cxnChg>
+        <pc:cxnChg chg="mod">
+          <ac:chgData name="#LIN ZIXING#" userId="b682326b-d409-4ce0-bd6c-0bd08875c27e" providerId="ADAL" clId="{CBEAD0FA-57FD-4ECA-87B3-1EC8A8ACAE0C}" dt="2023-08-21T05:43:20.968" v="127" actId="1076"/>
+          <ac:cxnSpMkLst>
+            <pc:docMk/>
+            <pc:sldMk cId="82365901" sldId="262"/>
+            <ac:cxnSpMk id="23" creationId="{A19B92FF-12C2-1AA2-20B7-CD7CA5A432B8}"/>
+          </ac:cxnSpMkLst>
+        </pc:cxnChg>
+        <pc:cxnChg chg="add mod">
+          <ac:chgData name="#LIN ZIXING#" userId="b682326b-d409-4ce0-bd6c-0bd08875c27e" providerId="ADAL" clId="{CBEAD0FA-57FD-4ECA-87B3-1EC8A8ACAE0C}" dt="2023-08-21T05:43:20.968" v="127" actId="1076"/>
+          <ac:cxnSpMkLst>
+            <pc:docMk/>
+            <pc:sldMk cId="82365901" sldId="262"/>
+            <ac:cxnSpMk id="30" creationId="{3674E190-05E2-C8F6-856E-0B4D8EDD3A05}"/>
+          </ac:cxnSpMkLst>
+        </pc:cxnChg>
+        <pc:cxnChg chg="mod">
+          <ac:chgData name="#LIN ZIXING#" userId="b682326b-d409-4ce0-bd6c-0bd08875c27e" providerId="ADAL" clId="{CBEAD0FA-57FD-4ECA-87B3-1EC8A8ACAE0C}" dt="2023-08-21T05:43:20.968" v="127" actId="1076"/>
+          <ac:cxnSpMkLst>
+            <pc:docMk/>
+            <pc:sldMk cId="82365901" sldId="262"/>
+            <ac:cxnSpMk id="31" creationId="{E4218904-9C15-05CF-0C59-D4F3700A6A35}"/>
+          </ac:cxnSpMkLst>
+        </pc:cxnChg>
+        <pc:cxnChg chg="add mod">
+          <ac:chgData name="#LIN ZIXING#" userId="b682326b-d409-4ce0-bd6c-0bd08875c27e" providerId="ADAL" clId="{CBEAD0FA-57FD-4ECA-87B3-1EC8A8ACAE0C}" dt="2023-08-21T05:43:55.093" v="154" actId="14100"/>
+          <ac:cxnSpMkLst>
+            <pc:docMk/>
+            <pc:sldMk cId="82365901" sldId="262"/>
+            <ac:cxnSpMk id="42" creationId="{ADFD0359-52A8-F14D-D4CC-973E3BD897EC}"/>
+          </ac:cxnSpMkLst>
+        </pc:cxnChg>
+        <pc:cxnChg chg="add mod">
+          <ac:chgData name="#LIN ZIXING#" userId="b682326b-d409-4ce0-bd6c-0bd08875c27e" providerId="ADAL" clId="{CBEAD0FA-57FD-4ECA-87B3-1EC8A8ACAE0C}" dt="2023-08-21T05:43:41.238" v="153" actId="1036"/>
+          <ac:cxnSpMkLst>
+            <pc:docMk/>
+            <pc:sldMk cId="82365901" sldId="262"/>
+            <ac:cxnSpMk id="46" creationId="{5E2E104D-E6A9-179F-18D3-FFA94E1B76AD}"/>
+          </ac:cxnSpMkLst>
+        </pc:cxnChg>
+      </pc:sldChg>
+    </pc:docChg>
+  </pc:docChgLst>
 </pc:chgInfo>
 </file>
 
@@ -1082,7 +1456,7 @@
           <a:p>
             <a:fld id="{A53997E3-8EF7-47DF-AEC5-A3040086A0AD}" type="datetimeFigureOut">
               <a:rPr lang="en-SG" smtClean="0"/>
-              <a:t>17/8/2023</a:t>
+              <a:t>21/8/2023</a:t>
             </a:fld>
             <a:endParaRPr lang="en-SG"/>
           </a:p>
@@ -1282,7 +1656,7 @@
           <a:p>
             <a:fld id="{A53997E3-8EF7-47DF-AEC5-A3040086A0AD}" type="datetimeFigureOut">
               <a:rPr lang="en-SG" smtClean="0"/>
-              <a:t>17/8/2023</a:t>
+              <a:t>21/8/2023</a:t>
             </a:fld>
             <a:endParaRPr lang="en-SG"/>
           </a:p>
@@ -1492,7 +1866,7 @@
           <a:p>
             <a:fld id="{A53997E3-8EF7-47DF-AEC5-A3040086A0AD}" type="datetimeFigureOut">
               <a:rPr lang="en-SG" smtClean="0"/>
-              <a:t>17/8/2023</a:t>
+              <a:t>21/8/2023</a:t>
             </a:fld>
             <a:endParaRPr lang="en-SG"/>
           </a:p>
@@ -1692,7 +2066,7 @@
           <a:p>
             <a:fld id="{A53997E3-8EF7-47DF-AEC5-A3040086A0AD}" type="datetimeFigureOut">
               <a:rPr lang="en-SG" smtClean="0"/>
-              <a:t>17/8/2023</a:t>
+              <a:t>21/8/2023</a:t>
             </a:fld>
             <a:endParaRPr lang="en-SG"/>
           </a:p>
@@ -1968,7 +2342,7 @@
           <a:p>
             <a:fld id="{A53997E3-8EF7-47DF-AEC5-A3040086A0AD}" type="datetimeFigureOut">
               <a:rPr lang="en-SG" smtClean="0"/>
-              <a:t>17/8/2023</a:t>
+              <a:t>21/8/2023</a:t>
             </a:fld>
             <a:endParaRPr lang="en-SG"/>
           </a:p>
@@ -2236,7 +2610,7 @@
           <a:p>
             <a:fld id="{A53997E3-8EF7-47DF-AEC5-A3040086A0AD}" type="datetimeFigureOut">
               <a:rPr lang="en-SG" smtClean="0"/>
-              <a:t>17/8/2023</a:t>
+              <a:t>21/8/2023</a:t>
             </a:fld>
             <a:endParaRPr lang="en-SG"/>
           </a:p>
@@ -2651,7 +3025,7 @@
           <a:p>
             <a:fld id="{A53997E3-8EF7-47DF-AEC5-A3040086A0AD}" type="datetimeFigureOut">
               <a:rPr lang="en-SG" smtClean="0"/>
-              <a:t>17/8/2023</a:t>
+              <a:t>21/8/2023</a:t>
             </a:fld>
             <a:endParaRPr lang="en-SG"/>
           </a:p>
@@ -2793,7 +3167,7 @@
           <a:p>
             <a:fld id="{A53997E3-8EF7-47DF-AEC5-A3040086A0AD}" type="datetimeFigureOut">
               <a:rPr lang="en-SG" smtClean="0"/>
-              <a:t>17/8/2023</a:t>
+              <a:t>21/8/2023</a:t>
             </a:fld>
             <a:endParaRPr lang="en-SG"/>
           </a:p>
@@ -2906,7 +3280,7 @@
           <a:p>
             <a:fld id="{A53997E3-8EF7-47DF-AEC5-A3040086A0AD}" type="datetimeFigureOut">
               <a:rPr lang="en-SG" smtClean="0"/>
-              <a:t>17/8/2023</a:t>
+              <a:t>21/8/2023</a:t>
             </a:fld>
             <a:endParaRPr lang="en-SG"/>
           </a:p>
@@ -3219,7 +3593,7 @@
           <a:p>
             <a:fld id="{A53997E3-8EF7-47DF-AEC5-A3040086A0AD}" type="datetimeFigureOut">
               <a:rPr lang="en-SG" smtClean="0"/>
-              <a:t>17/8/2023</a:t>
+              <a:t>21/8/2023</a:t>
             </a:fld>
             <a:endParaRPr lang="en-SG"/>
           </a:p>
@@ -3508,7 +3882,7 @@
           <a:p>
             <a:fld id="{A53997E3-8EF7-47DF-AEC5-A3040086A0AD}" type="datetimeFigureOut">
               <a:rPr lang="en-SG" smtClean="0"/>
-              <a:t>17/8/2023</a:t>
+              <a:t>21/8/2023</a:t>
             </a:fld>
             <a:endParaRPr lang="en-SG"/>
           </a:p>
@@ -3751,7 +4125,7 @@
           <a:p>
             <a:fld id="{A53997E3-8EF7-47DF-AEC5-A3040086A0AD}" type="datetimeFigureOut">
               <a:rPr lang="en-SG" smtClean="0"/>
-              <a:t>17/8/2023</a:t>
+              <a:t>21/8/2023</a:t>
             </a:fld>
             <a:endParaRPr lang="en-SG"/>
           </a:p>
@@ -5566,8 +5940,8 @@
         </p:nvCxnSpPr>
         <p:spPr>
           <a:xfrm>
-            <a:off x="1550722" y="4098107"/>
-            <a:ext cx="1123105" cy="0"/>
+            <a:off x="1550721" y="4098107"/>
+            <a:ext cx="1123106" cy="0"/>
           </a:xfrm>
           <a:prstGeom prst="straightConnector1">
             <a:avLst/>
@@ -5608,8 +5982,8 @@
         </p:nvSpPr>
         <p:spPr>
           <a:xfrm>
-            <a:off x="0" y="3849626"/>
-            <a:ext cx="1550722" cy="496962"/>
+            <a:off x="140222" y="3849626"/>
+            <a:ext cx="1410499" cy="496962"/>
           </a:xfrm>
           <a:prstGeom prst="rect">
             <a:avLst/>
@@ -6254,7 +6628,7 @@
         </p:blipFill>
         <p:spPr bwMode="auto">
           <a:xfrm>
-            <a:off x="6802705" y="1665223"/>
+            <a:off x="6802705" y="1623837"/>
             <a:ext cx="1562259" cy="1055527"/>
           </a:xfrm>
           <a:prstGeom prst="rect">
@@ -6429,6 +6803,189 @@
           </a:extLst>
         </p:spPr>
       </p:pic>
+      <p:cxnSp>
+        <p:nvCxnSpPr>
+          <p:cNvPr id="3" name="Straight Arrow Connector 2">
+            <a:extLst>
+              <a:ext uri="{FF2B5EF4-FFF2-40B4-BE49-F238E27FC236}">
+                <a16:creationId xmlns:a16="http://schemas.microsoft.com/office/drawing/2014/main" id="{DF9D0CD3-E47B-51C5-A94B-249FB778751A}"/>
+              </a:ext>
+            </a:extLst>
+          </p:cNvPr>
+          <p:cNvCxnSpPr>
+            <a:cxnSpLocks/>
+            <a:stCxn id="6" idx="0"/>
+            <a:endCxn id="40" idx="2"/>
+          </p:cNvCxnSpPr>
+          <p:nvPr/>
+        </p:nvCxnSpPr>
+        <p:spPr>
+          <a:xfrm flipV="1">
+            <a:off x="845472" y="2630417"/>
+            <a:ext cx="1" cy="1219209"/>
+          </a:xfrm>
+          <a:prstGeom prst="straightConnector1">
+            <a:avLst/>
+          </a:prstGeom>
+          <a:ln>
+            <a:solidFill>
+              <a:schemeClr val="tx1"/>
+            </a:solidFill>
+            <a:prstDash val="dashDot"/>
+            <a:tailEnd type="triangle"/>
+          </a:ln>
+        </p:spPr>
+        <p:style>
+          <a:lnRef idx="1">
+            <a:schemeClr val="accent1"/>
+          </a:lnRef>
+          <a:fillRef idx="0">
+            <a:schemeClr val="accent1"/>
+          </a:fillRef>
+          <a:effectRef idx="0">
+            <a:schemeClr val="accent1"/>
+          </a:effectRef>
+          <a:fontRef idx="minor">
+            <a:schemeClr val="tx1"/>
+          </a:fontRef>
+        </p:style>
+      </p:cxnSp>
+      <p:cxnSp>
+        <p:nvCxnSpPr>
+          <p:cNvPr id="11" name="Straight Arrow Connector 10">
+            <a:extLst>
+              <a:ext uri="{FF2B5EF4-FFF2-40B4-BE49-F238E27FC236}">
+                <a16:creationId xmlns:a16="http://schemas.microsoft.com/office/drawing/2014/main" id="{42E63AA5-1855-8B17-EB26-A616C5A07927}"/>
+              </a:ext>
+            </a:extLst>
+          </p:cNvPr>
+          <p:cNvCxnSpPr>
+            <a:cxnSpLocks/>
+          </p:cNvCxnSpPr>
+          <p:nvPr/>
+        </p:nvCxnSpPr>
+        <p:spPr>
+          <a:xfrm flipV="1">
+            <a:off x="4777994" y="2608649"/>
+            <a:ext cx="0" cy="1475404"/>
+          </a:xfrm>
+          <a:prstGeom prst="straightConnector1">
+            <a:avLst/>
+          </a:prstGeom>
+          <a:ln>
+            <a:solidFill>
+              <a:schemeClr val="tx1"/>
+            </a:solidFill>
+            <a:prstDash val="dashDot"/>
+            <a:tailEnd type="triangle"/>
+          </a:ln>
+        </p:spPr>
+        <p:style>
+          <a:lnRef idx="1">
+            <a:schemeClr val="accent1"/>
+          </a:lnRef>
+          <a:fillRef idx="0">
+            <a:schemeClr val="accent1"/>
+          </a:fillRef>
+          <a:effectRef idx="0">
+            <a:schemeClr val="accent1"/>
+          </a:effectRef>
+          <a:fontRef idx="minor">
+            <a:schemeClr val="tx1"/>
+          </a:fontRef>
+        </p:style>
+      </p:cxnSp>
+      <p:cxnSp>
+        <p:nvCxnSpPr>
+          <p:cNvPr id="16" name="Straight Arrow Connector 15">
+            <a:extLst>
+              <a:ext uri="{FF2B5EF4-FFF2-40B4-BE49-F238E27FC236}">
+                <a16:creationId xmlns:a16="http://schemas.microsoft.com/office/drawing/2014/main" id="{C46BF8D6-EE70-B202-26F1-41A20F6C94D5}"/>
+              </a:ext>
+            </a:extLst>
+          </p:cNvPr>
+          <p:cNvCxnSpPr>
+            <a:cxnSpLocks/>
+          </p:cNvCxnSpPr>
+          <p:nvPr/>
+        </p:nvCxnSpPr>
+        <p:spPr>
+          <a:xfrm flipV="1">
+            <a:off x="7517075" y="2641368"/>
+            <a:ext cx="0" cy="1464090"/>
+          </a:xfrm>
+          <a:prstGeom prst="straightConnector1">
+            <a:avLst/>
+          </a:prstGeom>
+          <a:ln>
+            <a:solidFill>
+              <a:schemeClr val="tx1"/>
+            </a:solidFill>
+            <a:prstDash val="dashDot"/>
+            <a:tailEnd type="triangle"/>
+          </a:ln>
+        </p:spPr>
+        <p:style>
+          <a:lnRef idx="1">
+            <a:schemeClr val="accent1"/>
+          </a:lnRef>
+          <a:fillRef idx="0">
+            <a:schemeClr val="accent1"/>
+          </a:fillRef>
+          <a:effectRef idx="0">
+            <a:schemeClr val="accent1"/>
+          </a:effectRef>
+          <a:fontRef idx="minor">
+            <a:schemeClr val="tx1"/>
+          </a:fontRef>
+        </p:style>
+      </p:cxnSp>
+      <p:cxnSp>
+        <p:nvCxnSpPr>
+          <p:cNvPr id="19" name="Straight Arrow Connector 18">
+            <a:extLst>
+              <a:ext uri="{FF2B5EF4-FFF2-40B4-BE49-F238E27FC236}">
+                <a16:creationId xmlns:a16="http://schemas.microsoft.com/office/drawing/2014/main" id="{EC8859B2-DD02-4F8F-478C-816C165C8A95}"/>
+              </a:ext>
+            </a:extLst>
+          </p:cNvPr>
+          <p:cNvCxnSpPr>
+            <a:cxnSpLocks/>
+            <a:endCxn id="48" idx="2"/>
+          </p:cNvCxnSpPr>
+          <p:nvPr/>
+        </p:nvCxnSpPr>
+        <p:spPr>
+          <a:xfrm flipV="1">
+            <a:off x="11082762" y="2691864"/>
+            <a:ext cx="0" cy="1287012"/>
+          </a:xfrm>
+          <a:prstGeom prst="straightConnector1">
+            <a:avLst/>
+          </a:prstGeom>
+          <a:ln>
+            <a:solidFill>
+              <a:schemeClr val="tx1"/>
+            </a:solidFill>
+            <a:prstDash val="dashDot"/>
+            <a:tailEnd type="triangle"/>
+          </a:ln>
+        </p:spPr>
+        <p:style>
+          <a:lnRef idx="1">
+            <a:schemeClr val="accent1"/>
+          </a:lnRef>
+          <a:fillRef idx="0">
+            <a:schemeClr val="accent1"/>
+          </a:fillRef>
+          <a:effectRef idx="0">
+            <a:schemeClr val="accent1"/>
+          </a:effectRef>
+          <a:fontRef idx="minor">
+            <a:schemeClr val="tx1"/>
+          </a:fontRef>
+        </p:style>
+      </p:cxnSp>
     </p:spTree>
     <p:extLst>
       <p:ext uri="{BB962C8B-B14F-4D97-AF65-F5344CB8AC3E}">
@@ -6461,10 +7018,10 @@
       </p:grpSpPr>
       <p:sp>
         <p:nvSpPr>
-          <p:cNvPr id="4" name="Rectangle 3">
-            <a:extLst>
-              <a:ext uri="{FF2B5EF4-FFF2-40B4-BE49-F238E27FC236}">
-                <a16:creationId xmlns:a16="http://schemas.microsoft.com/office/drawing/2014/main" id="{4192B43C-5D18-CCEF-E90E-B2EBFB85CE4C}"/>
+          <p:cNvPr id="5" name="Rectangle 4">
+            <a:extLst>
+              <a:ext uri="{FF2B5EF4-FFF2-40B4-BE49-F238E27FC236}">
+                <a16:creationId xmlns:a16="http://schemas.microsoft.com/office/drawing/2014/main" id="{B0290712-EB9B-5FF2-B955-4AB6F0A71869}"/>
               </a:ext>
             </a:extLst>
           </p:cNvPr>
@@ -6473,8 +7030,8 @@
         </p:nvSpPr>
         <p:spPr>
           <a:xfrm>
-            <a:off x="1634988" y="1510747"/>
-            <a:ext cx="8830915" cy="3240156"/>
+            <a:off x="2748137" y="4195054"/>
+            <a:ext cx="1273453" cy="725557"/>
           </a:xfrm>
           <a:prstGeom prst="rect">
             <a:avLst/>
@@ -6509,117 +7066,17 @@
           <a:lstStyle/>
           <a:p>
             <a:pPr algn="ctr"/>
-            <a:endParaRPr lang="en-US" b="1" dirty="0">
-              <a:solidFill>
-                <a:sysClr val="windowText" lastClr="000000"/>
-              </a:solidFill>
-              <a:latin typeface="Times New Roman" panose="02020603050405020304" pitchFamily="18" charset="0"/>
-              <a:cs typeface="Times New Roman" panose="02020603050405020304" pitchFamily="18" charset="0"/>
-            </a:endParaRPr>
-          </a:p>
-          <a:p>
-            <a:pPr algn="ctr"/>
-            <a:endParaRPr lang="en-US" b="1" dirty="0">
-              <a:solidFill>
-                <a:sysClr val="windowText" lastClr="000000"/>
-              </a:solidFill>
-              <a:latin typeface="Times New Roman" panose="02020603050405020304" pitchFamily="18" charset="0"/>
-              <a:cs typeface="Times New Roman" panose="02020603050405020304" pitchFamily="18" charset="0"/>
-            </a:endParaRPr>
-          </a:p>
-          <a:p>
-            <a:pPr algn="ctr"/>
-            <a:endParaRPr lang="en-US" b="1" dirty="0">
-              <a:solidFill>
-                <a:sysClr val="windowText" lastClr="000000"/>
-              </a:solidFill>
-              <a:latin typeface="Times New Roman" panose="02020603050405020304" pitchFamily="18" charset="0"/>
-              <a:cs typeface="Times New Roman" panose="02020603050405020304" pitchFamily="18" charset="0"/>
-            </a:endParaRPr>
-          </a:p>
-          <a:p>
-            <a:pPr algn="ctr"/>
-            <a:endParaRPr lang="en-US" b="1" dirty="0">
-              <a:solidFill>
-                <a:sysClr val="windowText" lastClr="000000"/>
-              </a:solidFill>
-              <a:latin typeface="Times New Roman" panose="02020603050405020304" pitchFamily="18" charset="0"/>
-              <a:cs typeface="Times New Roman" panose="02020603050405020304" pitchFamily="18" charset="0"/>
-            </a:endParaRPr>
-          </a:p>
-          <a:p>
-            <a:pPr algn="ctr"/>
-            <a:endParaRPr lang="en-US" b="1" dirty="0">
-              <a:solidFill>
-                <a:sysClr val="windowText" lastClr="000000"/>
-              </a:solidFill>
-              <a:latin typeface="Times New Roman" panose="02020603050405020304" pitchFamily="18" charset="0"/>
-              <a:cs typeface="Times New Roman" panose="02020603050405020304" pitchFamily="18" charset="0"/>
-            </a:endParaRPr>
-          </a:p>
-          <a:p>
-            <a:pPr algn="ctr"/>
-            <a:endParaRPr lang="en-US" b="1" dirty="0">
-              <a:solidFill>
-                <a:sysClr val="windowText" lastClr="000000"/>
-              </a:solidFill>
-              <a:latin typeface="Times New Roman" panose="02020603050405020304" pitchFamily="18" charset="0"/>
-              <a:cs typeface="Times New Roman" panose="02020603050405020304" pitchFamily="18" charset="0"/>
-            </a:endParaRPr>
-          </a:p>
-          <a:p>
-            <a:pPr algn="ctr"/>
-            <a:endParaRPr lang="en-US" b="1" dirty="0">
-              <a:solidFill>
-                <a:sysClr val="windowText" lastClr="000000"/>
-              </a:solidFill>
-              <a:latin typeface="Times New Roman" panose="02020603050405020304" pitchFamily="18" charset="0"/>
-              <a:cs typeface="Times New Roman" panose="02020603050405020304" pitchFamily="18" charset="0"/>
-            </a:endParaRPr>
-          </a:p>
-          <a:p>
-            <a:pPr algn="ctr"/>
-            <a:endParaRPr lang="en-US" b="1" dirty="0">
-              <a:solidFill>
-                <a:sysClr val="windowText" lastClr="000000"/>
-              </a:solidFill>
-              <a:latin typeface="Times New Roman" panose="02020603050405020304" pitchFamily="18" charset="0"/>
-              <a:cs typeface="Times New Roman" panose="02020603050405020304" pitchFamily="18" charset="0"/>
-            </a:endParaRPr>
-          </a:p>
-          <a:p>
-            <a:pPr algn="ctr"/>
-            <a:endParaRPr lang="en-US" b="1" dirty="0">
-              <a:solidFill>
-                <a:sysClr val="windowText" lastClr="000000"/>
-              </a:solidFill>
-              <a:latin typeface="Times New Roman" panose="02020603050405020304" pitchFamily="18" charset="0"/>
-              <a:cs typeface="Times New Roman" panose="02020603050405020304" pitchFamily="18" charset="0"/>
-            </a:endParaRPr>
-          </a:p>
-          <a:p>
-            <a:pPr algn="ctr"/>
-            <a:endParaRPr lang="en-US" b="1" dirty="0">
-              <a:solidFill>
-                <a:sysClr val="windowText" lastClr="000000"/>
-              </a:solidFill>
-              <a:latin typeface="Times New Roman" panose="02020603050405020304" pitchFamily="18" charset="0"/>
-              <a:cs typeface="Times New Roman" panose="02020603050405020304" pitchFamily="18" charset="0"/>
-            </a:endParaRPr>
-          </a:p>
-          <a:p>
-            <a:pPr algn="ctr"/>
-            <a:r>
-              <a:rPr lang="en-US" b="1" dirty="0">
+            <a:r>
+              <a:rPr lang="en-US" sz="1400" b="1" dirty="0">
                 <a:solidFill>
                   <a:sysClr val="windowText" lastClr="000000"/>
                 </a:solidFill>
                 <a:latin typeface="Times New Roman" panose="02020603050405020304" pitchFamily="18" charset="0"/>
                 <a:cs typeface="Times New Roman" panose="02020603050405020304" pitchFamily="18" charset="0"/>
               </a:rPr>
-              <a:t>Image Processing Module</a:t>
-            </a:r>
-            <a:endParaRPr lang="en-SG" b="1" dirty="0">
+              <a:t>Semantic Segmentation</a:t>
+            </a:r>
+            <a:endParaRPr lang="en-SG" sz="1400" b="1" dirty="0">
               <a:solidFill>
                 <a:sysClr val="windowText" lastClr="000000"/>
               </a:solidFill>
@@ -6631,10 +7088,10 @@
       </p:sp>
       <p:sp>
         <p:nvSpPr>
-          <p:cNvPr id="5" name="Rectangle 4">
-            <a:extLst>
-              <a:ext uri="{FF2B5EF4-FFF2-40B4-BE49-F238E27FC236}">
-                <a16:creationId xmlns:a16="http://schemas.microsoft.com/office/drawing/2014/main" id="{6854801F-F710-4605-A688-5A471EE3A4FF}"/>
+          <p:cNvPr id="6" name="Rectangle 5">
+            <a:extLst>
+              <a:ext uri="{FF2B5EF4-FFF2-40B4-BE49-F238E27FC236}">
+                <a16:creationId xmlns:a16="http://schemas.microsoft.com/office/drawing/2014/main" id="{4C61354D-DC76-EDDD-7CD9-08E6D274C8BC}"/>
               </a:ext>
             </a:extLst>
           </p:cNvPr>
@@ -6643,8 +7100,8 @@
         </p:nvSpPr>
         <p:spPr>
           <a:xfrm>
-            <a:off x="1855312" y="2817738"/>
-            <a:ext cx="1888434" cy="725557"/>
+            <a:off x="7997129" y="4200863"/>
+            <a:ext cx="1634853" cy="704253"/>
           </a:xfrm>
           <a:prstGeom prst="rect">
             <a:avLst/>
@@ -6680,16 +7137,16 @@
           <a:p>
             <a:pPr algn="ctr"/>
             <a:r>
-              <a:rPr lang="en-US" b="1" dirty="0">
+              <a:rPr lang="en-US" sz="1400" b="1" dirty="0">
                 <a:solidFill>
                   <a:sysClr val="windowText" lastClr="000000"/>
                 </a:solidFill>
                 <a:latin typeface="Times New Roman" panose="02020603050405020304" pitchFamily="18" charset="0"/>
                 <a:cs typeface="Times New Roman" panose="02020603050405020304" pitchFamily="18" charset="0"/>
               </a:rPr>
-              <a:t>LSeg</a:t>
-            </a:r>
-            <a:endParaRPr lang="en-SG" b="1" dirty="0">
+              <a:t>Visual Grounding Module</a:t>
+            </a:r>
+            <a:endParaRPr lang="en-SG" sz="1400" b="1" dirty="0">
               <a:solidFill>
                 <a:sysClr val="windowText" lastClr="000000"/>
               </a:solidFill>
@@ -6701,10 +7158,10 @@
       </p:sp>
       <p:sp>
         <p:nvSpPr>
-          <p:cNvPr id="6" name="Rectangle 5">
-            <a:extLst>
-              <a:ext uri="{FF2B5EF4-FFF2-40B4-BE49-F238E27FC236}">
-                <a16:creationId xmlns:a16="http://schemas.microsoft.com/office/drawing/2014/main" id="{52159D5D-2D5F-42C9-9275-AC0D094D2271}"/>
+          <p:cNvPr id="7" name="Rectangle 6">
+            <a:extLst>
+              <a:ext uri="{FF2B5EF4-FFF2-40B4-BE49-F238E27FC236}">
+                <a16:creationId xmlns:a16="http://schemas.microsoft.com/office/drawing/2014/main" id="{B8F2F96E-783F-476C-701F-F7D08D74DBEF}"/>
               </a:ext>
             </a:extLst>
           </p:cNvPr>
@@ -6713,8 +7170,662 @@
         </p:nvSpPr>
         <p:spPr>
           <a:xfrm>
-            <a:off x="5241242" y="2117032"/>
-            <a:ext cx="5105396" cy="2126975"/>
+            <a:off x="354227" y="4195053"/>
+            <a:ext cx="1273452" cy="725557"/>
+          </a:xfrm>
+          <a:prstGeom prst="rect">
+            <a:avLst/>
+          </a:prstGeom>
+          <a:noFill/>
+          <a:ln>
+            <a:noFill/>
+          </a:ln>
+        </p:spPr>
+        <p:style>
+          <a:lnRef idx="2">
+            <a:schemeClr val="accent1">
+              <a:shade val="15000"/>
+            </a:schemeClr>
+          </a:lnRef>
+          <a:fillRef idx="1">
+            <a:schemeClr val="accent1"/>
+          </a:fillRef>
+          <a:effectRef idx="0">
+            <a:schemeClr val="accent1"/>
+          </a:effectRef>
+          <a:fontRef idx="minor">
+            <a:schemeClr val="lt1"/>
+          </a:fontRef>
+        </p:style>
+        <p:txBody>
+          <a:bodyPr rtlCol="0" anchor="ctr"/>
+          <a:lstStyle/>
+          <a:p>
+            <a:pPr algn="ctr"/>
+            <a:r>
+              <a:rPr lang="en-US" sz="1200" b="1" dirty="0">
+                <a:solidFill>
+                  <a:sysClr val="windowText" lastClr="000000"/>
+                </a:solidFill>
+                <a:latin typeface="Times New Roman" panose="02020603050405020304" pitchFamily="18" charset="0"/>
+                <a:cs typeface="Times New Roman" panose="02020603050405020304" pitchFamily="18" charset="0"/>
+              </a:rPr>
+              <a:t>Input Sentence</a:t>
+            </a:r>
+            <a:endParaRPr lang="en-SG" sz="1200" b="1" dirty="0">
+              <a:solidFill>
+                <a:sysClr val="windowText" lastClr="000000"/>
+              </a:solidFill>
+              <a:latin typeface="Times New Roman" panose="02020603050405020304" pitchFamily="18" charset="0"/>
+              <a:cs typeface="Times New Roman" panose="02020603050405020304" pitchFamily="18" charset="0"/>
+            </a:endParaRPr>
+          </a:p>
+        </p:txBody>
+      </p:sp>
+      <p:sp>
+        <p:nvSpPr>
+          <p:cNvPr id="8" name="Rectangle 7">
+            <a:extLst>
+              <a:ext uri="{FF2B5EF4-FFF2-40B4-BE49-F238E27FC236}">
+                <a16:creationId xmlns:a16="http://schemas.microsoft.com/office/drawing/2014/main" id="{8E1D89D5-62E3-EFEC-859C-B9226E24CC07}"/>
+              </a:ext>
+            </a:extLst>
+          </p:cNvPr>
+          <p:cNvSpPr/>
+          <p:nvPr/>
+        </p:nvSpPr>
+        <p:spPr>
+          <a:xfrm>
+            <a:off x="457655" y="3455307"/>
+            <a:ext cx="1138638" cy="725557"/>
+          </a:xfrm>
+          <a:prstGeom prst="rect">
+            <a:avLst/>
+          </a:prstGeom>
+          <a:noFill/>
+          <a:ln>
+            <a:noFill/>
+          </a:ln>
+        </p:spPr>
+        <p:style>
+          <a:lnRef idx="2">
+            <a:schemeClr val="accent1">
+              <a:shade val="15000"/>
+            </a:schemeClr>
+          </a:lnRef>
+          <a:fillRef idx="1">
+            <a:schemeClr val="accent1"/>
+          </a:fillRef>
+          <a:effectRef idx="0">
+            <a:schemeClr val="accent1"/>
+          </a:effectRef>
+          <a:fontRef idx="minor">
+            <a:schemeClr val="lt1"/>
+          </a:fontRef>
+        </p:style>
+        <p:txBody>
+          <a:bodyPr rtlCol="0" anchor="ctr"/>
+          <a:lstStyle/>
+          <a:p>
+            <a:pPr algn="ctr"/>
+            <a:r>
+              <a:rPr lang="en-US" sz="1200" b="1" dirty="0">
+                <a:solidFill>
+                  <a:sysClr val="windowText" lastClr="000000"/>
+                </a:solidFill>
+                <a:latin typeface="Times New Roman" panose="02020603050405020304" pitchFamily="18" charset="0"/>
+                <a:cs typeface="Times New Roman" panose="02020603050405020304" pitchFamily="18" charset="0"/>
+              </a:rPr>
+              <a:t>Input Image</a:t>
+            </a:r>
+            <a:endParaRPr lang="en-SG" sz="1200" b="1" dirty="0">
+              <a:solidFill>
+                <a:sysClr val="windowText" lastClr="000000"/>
+              </a:solidFill>
+              <a:latin typeface="Times New Roman" panose="02020603050405020304" pitchFamily="18" charset="0"/>
+              <a:cs typeface="Times New Roman" panose="02020603050405020304" pitchFamily="18" charset="0"/>
+            </a:endParaRPr>
+          </a:p>
+        </p:txBody>
+      </p:sp>
+      <p:cxnSp>
+        <p:nvCxnSpPr>
+          <p:cNvPr id="12" name="Connector: Elbow 11">
+            <a:extLst>
+              <a:ext uri="{FF2B5EF4-FFF2-40B4-BE49-F238E27FC236}">
+                <a16:creationId xmlns:a16="http://schemas.microsoft.com/office/drawing/2014/main" id="{20B76AC2-BCC6-5452-C2E5-429EDBCE9EA8}"/>
+              </a:ext>
+            </a:extLst>
+          </p:cNvPr>
+          <p:cNvCxnSpPr>
+            <a:cxnSpLocks/>
+            <a:stCxn id="8" idx="3"/>
+            <a:endCxn id="5" idx="0"/>
+          </p:cNvCxnSpPr>
+          <p:nvPr/>
+        </p:nvCxnSpPr>
+        <p:spPr>
+          <a:xfrm>
+            <a:off x="1596293" y="3818086"/>
+            <a:ext cx="1788571" cy="376968"/>
+          </a:xfrm>
+          <a:prstGeom prst="bentConnector2">
+            <a:avLst/>
+          </a:prstGeom>
+          <a:ln>
+            <a:solidFill>
+              <a:schemeClr val="tx1"/>
+            </a:solidFill>
+            <a:tailEnd type="triangle"/>
+          </a:ln>
+        </p:spPr>
+        <p:style>
+          <a:lnRef idx="1">
+            <a:schemeClr val="accent1"/>
+          </a:lnRef>
+          <a:fillRef idx="0">
+            <a:schemeClr val="accent1"/>
+          </a:fillRef>
+          <a:effectRef idx="0">
+            <a:schemeClr val="accent1"/>
+          </a:effectRef>
+          <a:fontRef idx="minor">
+            <a:schemeClr val="tx1"/>
+          </a:fontRef>
+        </p:style>
+      </p:cxnSp>
+      <p:cxnSp>
+        <p:nvCxnSpPr>
+          <p:cNvPr id="15" name="Straight Arrow Connector 14">
+            <a:extLst>
+              <a:ext uri="{FF2B5EF4-FFF2-40B4-BE49-F238E27FC236}">
+                <a16:creationId xmlns:a16="http://schemas.microsoft.com/office/drawing/2014/main" id="{754B8258-7642-3E93-B632-3C9DAF783D26}"/>
+              </a:ext>
+            </a:extLst>
+          </p:cNvPr>
+          <p:cNvCxnSpPr>
+            <a:cxnSpLocks/>
+            <a:stCxn id="7" idx="3"/>
+            <a:endCxn id="5" idx="1"/>
+          </p:cNvCxnSpPr>
+          <p:nvPr/>
+        </p:nvCxnSpPr>
+        <p:spPr>
+          <a:xfrm>
+            <a:off x="1627679" y="4557832"/>
+            <a:ext cx="1120458" cy="1"/>
+          </a:xfrm>
+          <a:prstGeom prst="straightConnector1">
+            <a:avLst/>
+          </a:prstGeom>
+          <a:ln>
+            <a:solidFill>
+              <a:schemeClr val="tx1"/>
+            </a:solidFill>
+            <a:tailEnd type="triangle"/>
+          </a:ln>
+        </p:spPr>
+        <p:style>
+          <a:lnRef idx="1">
+            <a:schemeClr val="accent1"/>
+          </a:lnRef>
+          <a:fillRef idx="0">
+            <a:schemeClr val="accent1"/>
+          </a:fillRef>
+          <a:effectRef idx="0">
+            <a:schemeClr val="accent1"/>
+          </a:effectRef>
+          <a:fontRef idx="minor">
+            <a:schemeClr val="tx1"/>
+          </a:fontRef>
+        </p:style>
+      </p:cxnSp>
+      <p:sp>
+        <p:nvSpPr>
+          <p:cNvPr id="18" name="Rectangle 17">
+            <a:extLst>
+              <a:ext uri="{FF2B5EF4-FFF2-40B4-BE49-F238E27FC236}">
+                <a16:creationId xmlns:a16="http://schemas.microsoft.com/office/drawing/2014/main" id="{5FD97A84-0159-B961-1645-5C91A27AD1DC}"/>
+              </a:ext>
+            </a:extLst>
+          </p:cNvPr>
+          <p:cNvSpPr/>
+          <p:nvPr/>
+        </p:nvSpPr>
+        <p:spPr>
+          <a:xfrm>
+            <a:off x="1648751" y="4491126"/>
+            <a:ext cx="957430" cy="496962"/>
+          </a:xfrm>
+          <a:prstGeom prst="rect">
+            <a:avLst/>
+          </a:prstGeom>
+          <a:noFill/>
+          <a:ln>
+            <a:noFill/>
+          </a:ln>
+        </p:spPr>
+        <p:style>
+          <a:lnRef idx="2">
+            <a:schemeClr val="accent1">
+              <a:shade val="15000"/>
+            </a:schemeClr>
+          </a:lnRef>
+          <a:fillRef idx="1">
+            <a:schemeClr val="accent1"/>
+          </a:fillRef>
+          <a:effectRef idx="0">
+            <a:schemeClr val="accent1"/>
+          </a:effectRef>
+          <a:fontRef idx="minor">
+            <a:schemeClr val="lt1"/>
+          </a:fontRef>
+        </p:style>
+        <p:txBody>
+          <a:bodyPr rtlCol="0" anchor="ctr"/>
+          <a:lstStyle/>
+          <a:p>
+            <a:pPr algn="ctr"/>
+            <a:r>
+              <a:rPr lang="en-US" sz="1050" dirty="0">
+                <a:solidFill>
+                  <a:sysClr val="windowText" lastClr="000000"/>
+                </a:solidFill>
+                <a:latin typeface="Times New Roman" panose="02020603050405020304" pitchFamily="18" charset="0"/>
+                <a:cs typeface="Times New Roman" panose="02020603050405020304" pitchFamily="18" charset="0"/>
+              </a:rPr>
+              <a:t>Noun Label</a:t>
+            </a:r>
+          </a:p>
+          <a:p>
+            <a:pPr algn="ctr"/>
+            <a:r>
+              <a:rPr lang="en-US" sz="1050" b="1" i="1" dirty="0">
+                <a:solidFill>
+                  <a:srgbClr val="00B050"/>
+                </a:solidFill>
+                <a:latin typeface="Times New Roman" panose="02020603050405020304" pitchFamily="18" charset="0"/>
+                <a:cs typeface="Times New Roman" panose="02020603050405020304" pitchFamily="18" charset="0"/>
+              </a:rPr>
+              <a:t>“Broccoli”</a:t>
+            </a:r>
+            <a:endParaRPr lang="en-SG" sz="1050" b="1" i="1" dirty="0">
+              <a:solidFill>
+                <a:srgbClr val="00B050"/>
+              </a:solidFill>
+              <a:latin typeface="Times New Roman" panose="02020603050405020304" pitchFamily="18" charset="0"/>
+              <a:cs typeface="Times New Roman" panose="02020603050405020304" pitchFamily="18" charset="0"/>
+            </a:endParaRPr>
+          </a:p>
+        </p:txBody>
+      </p:sp>
+      <p:cxnSp>
+        <p:nvCxnSpPr>
+          <p:cNvPr id="20" name="Connector: Elbow 19">
+            <a:extLst>
+              <a:ext uri="{FF2B5EF4-FFF2-40B4-BE49-F238E27FC236}">
+                <a16:creationId xmlns:a16="http://schemas.microsoft.com/office/drawing/2014/main" id="{18A00980-4004-123B-5E2D-2EAC2C57EABE}"/>
+              </a:ext>
+            </a:extLst>
+          </p:cNvPr>
+          <p:cNvCxnSpPr>
+            <a:cxnSpLocks/>
+            <a:stCxn id="7" idx="2"/>
+            <a:endCxn id="6" idx="2"/>
+          </p:cNvCxnSpPr>
+          <p:nvPr/>
+        </p:nvCxnSpPr>
+        <p:spPr>
+          <a:xfrm rot="5400000" flipH="1" flipV="1">
+            <a:off x="4895007" y="1001061"/>
+            <a:ext cx="15494" cy="7823603"/>
+          </a:xfrm>
+          <a:prstGeom prst="bentConnector3">
+            <a:avLst>
+              <a:gd name="adj1" fmla="val -1475410"/>
+            </a:avLst>
+          </a:prstGeom>
+          <a:ln>
+            <a:solidFill>
+              <a:schemeClr val="tx1"/>
+            </a:solidFill>
+            <a:tailEnd type="triangle"/>
+          </a:ln>
+        </p:spPr>
+        <p:style>
+          <a:lnRef idx="1">
+            <a:schemeClr val="accent1"/>
+          </a:lnRef>
+          <a:fillRef idx="0">
+            <a:schemeClr val="accent1"/>
+          </a:fillRef>
+          <a:effectRef idx="0">
+            <a:schemeClr val="accent1"/>
+          </a:effectRef>
+          <a:fontRef idx="minor">
+            <a:schemeClr val="tx1"/>
+          </a:fontRef>
+        </p:style>
+      </p:cxnSp>
+      <p:sp>
+        <p:nvSpPr>
+          <p:cNvPr id="21" name="Rectangle 20">
+            <a:extLst>
+              <a:ext uri="{FF2B5EF4-FFF2-40B4-BE49-F238E27FC236}">
+                <a16:creationId xmlns:a16="http://schemas.microsoft.com/office/drawing/2014/main" id="{DBB6918C-3A3B-04B3-D45C-5AF99FEEEBEC}"/>
+              </a:ext>
+            </a:extLst>
+          </p:cNvPr>
+          <p:cNvSpPr/>
+          <p:nvPr/>
+        </p:nvSpPr>
+        <p:spPr>
+          <a:xfrm>
+            <a:off x="4516888" y="5097729"/>
+            <a:ext cx="1905897" cy="496962"/>
+          </a:xfrm>
+          <a:prstGeom prst="rect">
+            <a:avLst/>
+          </a:prstGeom>
+          <a:noFill/>
+          <a:ln>
+            <a:noFill/>
+          </a:ln>
+        </p:spPr>
+        <p:style>
+          <a:lnRef idx="2">
+            <a:schemeClr val="accent1">
+              <a:shade val="15000"/>
+            </a:schemeClr>
+          </a:lnRef>
+          <a:fillRef idx="1">
+            <a:schemeClr val="accent1"/>
+          </a:fillRef>
+          <a:effectRef idx="0">
+            <a:schemeClr val="accent1"/>
+          </a:effectRef>
+          <a:fontRef idx="minor">
+            <a:schemeClr val="lt1"/>
+          </a:fontRef>
+        </p:style>
+        <p:txBody>
+          <a:bodyPr rtlCol="0" anchor="ctr"/>
+          <a:lstStyle/>
+          <a:p>
+            <a:pPr algn="ctr"/>
+            <a:r>
+              <a:rPr lang="en-US" sz="1100" dirty="0">
+                <a:solidFill>
+                  <a:sysClr val="windowText" lastClr="000000"/>
+                </a:solidFill>
+                <a:latin typeface="Times New Roman" panose="02020603050405020304" pitchFamily="18" charset="0"/>
+                <a:cs typeface="Times New Roman" panose="02020603050405020304" pitchFamily="18" charset="0"/>
+              </a:rPr>
+              <a:t>Descriptive Sentence</a:t>
+            </a:r>
+          </a:p>
+          <a:p>
+            <a:pPr algn="ctr"/>
+            <a:r>
+              <a:rPr lang="en-US" sz="1100" b="1" i="1" dirty="0">
+                <a:solidFill>
+                  <a:srgbClr val="00B050"/>
+                </a:solidFill>
+                <a:latin typeface="Times New Roman" panose="02020603050405020304" pitchFamily="18" charset="0"/>
+                <a:cs typeface="Times New Roman" panose="02020603050405020304" pitchFamily="18" charset="0"/>
+              </a:rPr>
+              <a:t>“big piece of broccoli”</a:t>
+            </a:r>
+            <a:endParaRPr lang="en-SG" sz="1100" b="1" i="1" dirty="0">
+              <a:solidFill>
+                <a:srgbClr val="00B050"/>
+              </a:solidFill>
+              <a:latin typeface="Times New Roman" panose="02020603050405020304" pitchFamily="18" charset="0"/>
+              <a:cs typeface="Times New Roman" panose="02020603050405020304" pitchFamily="18" charset="0"/>
+            </a:endParaRPr>
+          </a:p>
+        </p:txBody>
+      </p:sp>
+      <p:cxnSp>
+        <p:nvCxnSpPr>
+          <p:cNvPr id="23" name="Straight Arrow Connector 22">
+            <a:extLst>
+              <a:ext uri="{FF2B5EF4-FFF2-40B4-BE49-F238E27FC236}">
+                <a16:creationId xmlns:a16="http://schemas.microsoft.com/office/drawing/2014/main" id="{A19B92FF-12C2-1AA2-20B7-CD7CA5A432B8}"/>
+              </a:ext>
+            </a:extLst>
+          </p:cNvPr>
+          <p:cNvCxnSpPr>
+            <a:cxnSpLocks/>
+            <a:stCxn id="5" idx="3"/>
+            <a:endCxn id="9" idx="1"/>
+          </p:cNvCxnSpPr>
+          <p:nvPr/>
+        </p:nvCxnSpPr>
+        <p:spPr>
+          <a:xfrm>
+            <a:off x="4021590" y="4557833"/>
+            <a:ext cx="1274145" cy="771"/>
+          </a:xfrm>
+          <a:prstGeom prst="straightConnector1">
+            <a:avLst/>
+          </a:prstGeom>
+          <a:ln>
+            <a:solidFill>
+              <a:schemeClr val="tx1"/>
+            </a:solidFill>
+            <a:tailEnd type="triangle"/>
+          </a:ln>
+        </p:spPr>
+        <p:style>
+          <a:lnRef idx="1">
+            <a:schemeClr val="accent1"/>
+          </a:lnRef>
+          <a:fillRef idx="0">
+            <a:schemeClr val="accent1"/>
+          </a:fillRef>
+          <a:effectRef idx="0">
+            <a:schemeClr val="accent1"/>
+          </a:effectRef>
+          <a:fontRef idx="minor">
+            <a:schemeClr val="tx1"/>
+          </a:fontRef>
+        </p:style>
+      </p:cxnSp>
+      <p:sp>
+        <p:nvSpPr>
+          <p:cNvPr id="27" name="Rectangle 26">
+            <a:extLst>
+              <a:ext uri="{FF2B5EF4-FFF2-40B4-BE49-F238E27FC236}">
+                <a16:creationId xmlns:a16="http://schemas.microsoft.com/office/drawing/2014/main" id="{B15426AF-F03B-8CAD-A918-E40CD5B6613D}"/>
+              </a:ext>
+            </a:extLst>
+          </p:cNvPr>
+          <p:cNvSpPr/>
+          <p:nvPr/>
+        </p:nvSpPr>
+        <p:spPr>
+          <a:xfrm>
+            <a:off x="3991359" y="4435259"/>
+            <a:ext cx="1241154" cy="496962"/>
+          </a:xfrm>
+          <a:prstGeom prst="rect">
+            <a:avLst/>
+          </a:prstGeom>
+          <a:noFill/>
+          <a:ln>
+            <a:noFill/>
+          </a:ln>
+        </p:spPr>
+        <p:style>
+          <a:lnRef idx="2">
+            <a:schemeClr val="accent1">
+              <a:shade val="15000"/>
+            </a:schemeClr>
+          </a:lnRef>
+          <a:fillRef idx="1">
+            <a:schemeClr val="accent1"/>
+          </a:fillRef>
+          <a:effectRef idx="0">
+            <a:schemeClr val="accent1"/>
+          </a:effectRef>
+          <a:fontRef idx="minor">
+            <a:schemeClr val="lt1"/>
+          </a:fontRef>
+        </p:style>
+        <p:txBody>
+          <a:bodyPr rtlCol="0" anchor="ctr"/>
+          <a:lstStyle/>
+          <a:p>
+            <a:pPr algn="ctr"/>
+            <a:r>
+              <a:rPr lang="en-US" sz="1050" dirty="0">
+                <a:solidFill>
+                  <a:sysClr val="windowText" lastClr="000000"/>
+                </a:solidFill>
+                <a:latin typeface="Times New Roman" panose="02020603050405020304" pitchFamily="18" charset="0"/>
+                <a:cs typeface="Times New Roman" panose="02020603050405020304" pitchFamily="18" charset="0"/>
+              </a:rPr>
+              <a:t>Segmentation Map</a:t>
+            </a:r>
+            <a:endParaRPr lang="en-SG" sz="1050" dirty="0">
+              <a:solidFill>
+                <a:sysClr val="windowText" lastClr="000000"/>
+              </a:solidFill>
+              <a:latin typeface="Times New Roman" panose="02020603050405020304" pitchFamily="18" charset="0"/>
+              <a:cs typeface="Times New Roman" panose="02020603050405020304" pitchFamily="18" charset="0"/>
+            </a:endParaRPr>
+          </a:p>
+        </p:txBody>
+      </p:sp>
+      <p:cxnSp>
+        <p:nvCxnSpPr>
+          <p:cNvPr id="31" name="Straight Arrow Connector 30">
+            <a:extLst>
+              <a:ext uri="{FF2B5EF4-FFF2-40B4-BE49-F238E27FC236}">
+                <a16:creationId xmlns:a16="http://schemas.microsoft.com/office/drawing/2014/main" id="{E4218904-9C15-05CF-0C59-D4F3700A6A35}"/>
+              </a:ext>
+            </a:extLst>
+          </p:cNvPr>
+          <p:cNvCxnSpPr>
+            <a:cxnSpLocks/>
+            <a:stCxn id="6" idx="3"/>
+            <a:endCxn id="37" idx="1"/>
+          </p:cNvCxnSpPr>
+          <p:nvPr/>
+        </p:nvCxnSpPr>
+        <p:spPr>
+          <a:xfrm>
+            <a:off x="9631982" y="4552990"/>
+            <a:ext cx="990087" cy="4842"/>
+          </a:xfrm>
+          <a:prstGeom prst="straightConnector1">
+            <a:avLst/>
+          </a:prstGeom>
+          <a:ln>
+            <a:solidFill>
+              <a:schemeClr val="tx1"/>
+            </a:solidFill>
+            <a:tailEnd type="triangle"/>
+          </a:ln>
+        </p:spPr>
+        <p:style>
+          <a:lnRef idx="1">
+            <a:schemeClr val="accent1"/>
+          </a:lnRef>
+          <a:fillRef idx="0">
+            <a:schemeClr val="accent1"/>
+          </a:fillRef>
+          <a:effectRef idx="0">
+            <a:schemeClr val="accent1"/>
+          </a:effectRef>
+          <a:fontRef idx="minor">
+            <a:schemeClr val="tx1"/>
+          </a:fontRef>
+        </p:style>
+      </p:cxnSp>
+      <p:sp>
+        <p:nvSpPr>
+          <p:cNvPr id="37" name="Rectangle 36">
+            <a:extLst>
+              <a:ext uri="{FF2B5EF4-FFF2-40B4-BE49-F238E27FC236}">
+                <a16:creationId xmlns:a16="http://schemas.microsoft.com/office/drawing/2014/main" id="{3F3BD31A-8F96-53A5-A75A-73BFE99F74F8}"/>
+              </a:ext>
+            </a:extLst>
+          </p:cNvPr>
+          <p:cNvSpPr/>
+          <p:nvPr/>
+        </p:nvSpPr>
+        <p:spPr>
+          <a:xfrm>
+            <a:off x="10622069" y="4195053"/>
+            <a:ext cx="857562" cy="725557"/>
+          </a:xfrm>
+          <a:prstGeom prst="rect">
+            <a:avLst/>
+          </a:prstGeom>
+          <a:noFill/>
+          <a:ln>
+            <a:noFill/>
+          </a:ln>
+        </p:spPr>
+        <p:style>
+          <a:lnRef idx="2">
+            <a:schemeClr val="accent1">
+              <a:shade val="15000"/>
+            </a:schemeClr>
+          </a:lnRef>
+          <a:fillRef idx="1">
+            <a:schemeClr val="accent1"/>
+          </a:fillRef>
+          <a:effectRef idx="0">
+            <a:schemeClr val="accent1"/>
+          </a:effectRef>
+          <a:fontRef idx="minor">
+            <a:schemeClr val="lt1"/>
+          </a:fontRef>
+        </p:style>
+        <p:txBody>
+          <a:bodyPr rtlCol="0" anchor="ctr"/>
+          <a:lstStyle/>
+          <a:p>
+            <a:pPr algn="ctr"/>
+            <a:r>
+              <a:rPr lang="en-US" sz="1200" b="1" dirty="0">
+                <a:solidFill>
+                  <a:sysClr val="windowText" lastClr="000000"/>
+                </a:solidFill>
+                <a:latin typeface="Times New Roman" panose="02020603050405020304" pitchFamily="18" charset="0"/>
+                <a:cs typeface="Times New Roman" panose="02020603050405020304" pitchFamily="18" charset="0"/>
+              </a:rPr>
+              <a:t>Output</a:t>
+            </a:r>
+            <a:endParaRPr lang="en-SG" sz="1200" b="1" dirty="0">
+              <a:solidFill>
+                <a:sysClr val="windowText" lastClr="000000"/>
+              </a:solidFill>
+              <a:latin typeface="Times New Roman" panose="02020603050405020304" pitchFamily="18" charset="0"/>
+              <a:cs typeface="Times New Roman" panose="02020603050405020304" pitchFamily="18" charset="0"/>
+            </a:endParaRPr>
+          </a:p>
+        </p:txBody>
+      </p:sp>
+      <p:sp>
+        <p:nvSpPr>
+          <p:cNvPr id="9" name="Rectangle 8">
+            <a:extLst>
+              <a:ext uri="{FF2B5EF4-FFF2-40B4-BE49-F238E27FC236}">
+                <a16:creationId xmlns:a16="http://schemas.microsoft.com/office/drawing/2014/main" id="{F3F0439A-0F14-4462-6CDA-DED1F7EAC713}"/>
+              </a:ext>
+            </a:extLst>
+          </p:cNvPr>
+          <p:cNvSpPr/>
+          <p:nvPr/>
+        </p:nvSpPr>
+        <p:spPr>
+          <a:xfrm>
+            <a:off x="5295735" y="4195825"/>
+            <a:ext cx="1571631" cy="725557"/>
           </a:xfrm>
           <a:prstGeom prst="rect">
             <a:avLst/>
@@ -6749,77 +7860,17 @@
           <a:lstStyle/>
           <a:p>
             <a:pPr algn="ctr"/>
-            <a:endParaRPr lang="en-US" b="1" dirty="0">
-              <a:solidFill>
-                <a:sysClr val="windowText" lastClr="000000"/>
-              </a:solidFill>
-              <a:latin typeface="Times New Roman" panose="02020603050405020304" pitchFamily="18" charset="0"/>
-              <a:cs typeface="Times New Roman" panose="02020603050405020304" pitchFamily="18" charset="0"/>
-            </a:endParaRPr>
-          </a:p>
-          <a:p>
-            <a:pPr algn="ctr"/>
-            <a:endParaRPr lang="en-US" b="1" dirty="0">
-              <a:solidFill>
-                <a:sysClr val="windowText" lastClr="000000"/>
-              </a:solidFill>
-              <a:latin typeface="Times New Roman" panose="02020603050405020304" pitchFamily="18" charset="0"/>
-              <a:cs typeface="Times New Roman" panose="02020603050405020304" pitchFamily="18" charset="0"/>
-            </a:endParaRPr>
-          </a:p>
-          <a:p>
-            <a:pPr algn="ctr"/>
-            <a:endParaRPr lang="en-US" b="1" dirty="0">
-              <a:solidFill>
-                <a:sysClr val="windowText" lastClr="000000"/>
-              </a:solidFill>
-              <a:latin typeface="Times New Roman" panose="02020603050405020304" pitchFamily="18" charset="0"/>
-              <a:cs typeface="Times New Roman" panose="02020603050405020304" pitchFamily="18" charset="0"/>
-            </a:endParaRPr>
-          </a:p>
-          <a:p>
-            <a:pPr algn="ctr"/>
-            <a:endParaRPr lang="en-US" b="1" dirty="0">
-              <a:solidFill>
-                <a:sysClr val="windowText" lastClr="000000"/>
-              </a:solidFill>
-              <a:latin typeface="Times New Roman" panose="02020603050405020304" pitchFamily="18" charset="0"/>
-              <a:cs typeface="Times New Roman" panose="02020603050405020304" pitchFamily="18" charset="0"/>
-            </a:endParaRPr>
-          </a:p>
-          <a:p>
-            <a:pPr algn="ctr"/>
-            <a:endParaRPr lang="en-US" b="1" dirty="0">
-              <a:solidFill>
-                <a:sysClr val="windowText" lastClr="000000"/>
-              </a:solidFill>
-              <a:latin typeface="Times New Roman" panose="02020603050405020304" pitchFamily="18" charset="0"/>
-              <a:cs typeface="Times New Roman" panose="02020603050405020304" pitchFamily="18" charset="0"/>
-            </a:endParaRPr>
-          </a:p>
-          <a:p>
-            <a:pPr algn="ctr"/>
-            <a:endParaRPr lang="en-US" b="1" dirty="0">
-              <a:solidFill>
-                <a:sysClr val="windowText" lastClr="000000"/>
-              </a:solidFill>
-              <a:latin typeface="Times New Roman" panose="02020603050405020304" pitchFamily="18" charset="0"/>
-              <a:cs typeface="Times New Roman" panose="02020603050405020304" pitchFamily="18" charset="0"/>
-            </a:endParaRPr>
-          </a:p>
-          <a:p>
-            <a:pPr algn="ctr"/>
-            <a:r>
-              <a:rPr lang="en-US" b="1" dirty="0">
+            <a:r>
+              <a:rPr lang="en-US" sz="1400" b="1" dirty="0">
                 <a:solidFill>
                   <a:sysClr val="windowText" lastClr="000000"/>
                 </a:solidFill>
                 <a:latin typeface="Times New Roman" panose="02020603050405020304" pitchFamily="18" charset="0"/>
                 <a:cs typeface="Times New Roman" panose="02020603050405020304" pitchFamily="18" charset="0"/>
               </a:rPr>
-              <a:t>Bounding Box Processing</a:t>
-            </a:r>
-            <a:endParaRPr lang="en-SG" b="1" dirty="0">
+              <a:t>Basic Bounding Box Instancing </a:t>
+            </a:r>
+            <a:endParaRPr lang="en-SG" sz="1400" b="1" dirty="0">
               <a:solidFill>
                 <a:sysClr val="windowText" lastClr="000000"/>
               </a:solidFill>
@@ -6829,33 +7880,75 @@
           </a:p>
         </p:txBody>
       </p:sp>
-      <p:sp>
-        <p:nvSpPr>
-          <p:cNvPr id="7" name="Rectangle 6">
-            <a:extLst>
-              <a:ext uri="{FF2B5EF4-FFF2-40B4-BE49-F238E27FC236}">
-                <a16:creationId xmlns:a16="http://schemas.microsoft.com/office/drawing/2014/main" id="{81D4D631-D6B4-319D-2D5F-E368C9046D75}"/>
-              </a:ext>
-            </a:extLst>
-          </p:cNvPr>
-          <p:cNvSpPr/>
+      <p:cxnSp>
+        <p:nvCxnSpPr>
+          <p:cNvPr id="16" name="Straight Arrow Connector 15">
+            <a:extLst>
+              <a:ext uri="{FF2B5EF4-FFF2-40B4-BE49-F238E27FC236}">
+                <a16:creationId xmlns:a16="http://schemas.microsoft.com/office/drawing/2014/main" id="{FD3D807E-4633-E226-A9B8-26202F22DA74}"/>
+              </a:ext>
+            </a:extLst>
+          </p:cNvPr>
+          <p:cNvCxnSpPr>
+            <a:cxnSpLocks/>
+            <a:stCxn id="9" idx="3"/>
+            <a:endCxn id="6" idx="1"/>
+          </p:cNvCxnSpPr>
           <p:nvPr/>
-        </p:nvSpPr>
-        <p:spPr>
-          <a:xfrm>
-            <a:off x="5489721" y="2817740"/>
-            <a:ext cx="1222508" cy="725557"/>
-          </a:xfrm>
-          <a:prstGeom prst="rect">
-            <a:avLst/>
-          </a:prstGeom>
-          <a:solidFill>
-            <a:schemeClr val="bg1"/>
-          </a:solidFill>
+        </p:nvCxnSpPr>
+        <p:spPr>
+          <a:xfrm flipV="1">
+            <a:off x="6867366" y="4552990"/>
+            <a:ext cx="1129763" cy="5614"/>
+          </a:xfrm>
+          <a:prstGeom prst="straightConnector1">
+            <a:avLst/>
+          </a:prstGeom>
           <a:ln>
             <a:solidFill>
               <a:schemeClr val="tx1"/>
             </a:solidFill>
+            <a:tailEnd type="triangle"/>
+          </a:ln>
+        </p:spPr>
+        <p:style>
+          <a:lnRef idx="1">
+            <a:schemeClr val="accent1"/>
+          </a:lnRef>
+          <a:fillRef idx="0">
+            <a:schemeClr val="accent1"/>
+          </a:fillRef>
+          <a:effectRef idx="0">
+            <a:schemeClr val="accent1"/>
+          </a:effectRef>
+          <a:fontRef idx="minor">
+            <a:schemeClr val="tx1"/>
+          </a:fontRef>
+        </p:style>
+      </p:cxnSp>
+      <p:sp>
+        <p:nvSpPr>
+          <p:cNvPr id="36" name="Rectangle 35">
+            <a:extLst>
+              <a:ext uri="{FF2B5EF4-FFF2-40B4-BE49-F238E27FC236}">
+                <a16:creationId xmlns:a16="http://schemas.microsoft.com/office/drawing/2014/main" id="{C284001E-6529-FAD9-E067-BCA2EE6C0379}"/>
+              </a:ext>
+            </a:extLst>
+          </p:cNvPr>
+          <p:cNvSpPr/>
+          <p:nvPr/>
+        </p:nvSpPr>
+        <p:spPr>
+          <a:xfrm>
+            <a:off x="6804144" y="4491126"/>
+            <a:ext cx="1241154" cy="496962"/>
+          </a:xfrm>
+          <a:prstGeom prst="rect">
+            <a:avLst/>
+          </a:prstGeom>
+          <a:noFill/>
+          <a:ln>
+            <a:noFill/>
           </a:ln>
         </p:spPr>
         <p:style>
@@ -6880,16 +7973,16 @@
           <a:p>
             <a:pPr algn="ctr"/>
             <a:r>
-              <a:rPr lang="en-US" sz="1600" b="1" dirty="0">
+              <a:rPr lang="en-US" sz="1050" dirty="0">
                 <a:solidFill>
                   <a:sysClr val="windowText" lastClr="000000"/>
                 </a:solidFill>
                 <a:latin typeface="Times New Roman" panose="02020603050405020304" pitchFamily="18" charset="0"/>
                 <a:cs typeface="Times New Roman" panose="02020603050405020304" pitchFamily="18" charset="0"/>
               </a:rPr>
-              <a:t>Extraction</a:t>
-            </a:r>
-            <a:endParaRPr lang="en-SG" sz="1600" b="1" dirty="0">
+              <a:t>Bounding Box Instances</a:t>
+            </a:r>
+            <a:endParaRPr lang="en-SG" sz="1050" dirty="0">
               <a:solidFill>
                 <a:sysClr val="windowText" lastClr="000000"/>
               </a:solidFill>
@@ -6899,690 +7992,145 @@
           </a:p>
         </p:txBody>
       </p:sp>
-      <p:sp>
-        <p:nvSpPr>
-          <p:cNvPr id="8" name="Rectangle 7">
-            <a:extLst>
-              <a:ext uri="{FF2B5EF4-FFF2-40B4-BE49-F238E27FC236}">
-                <a16:creationId xmlns:a16="http://schemas.microsoft.com/office/drawing/2014/main" id="{D257501A-B181-8E75-43DE-A7329F3ED87C}"/>
-              </a:ext>
-            </a:extLst>
-          </p:cNvPr>
-          <p:cNvSpPr/>
+      <p:pic>
+        <p:nvPicPr>
+          <p:cNvPr id="55" name="Picture 54">
+            <a:extLst>
+              <a:ext uri="{FF2B5EF4-FFF2-40B4-BE49-F238E27FC236}">
+                <a16:creationId xmlns:a16="http://schemas.microsoft.com/office/drawing/2014/main" id="{82634720-1F4D-6F4D-FF41-17ABAF5F541C}"/>
+              </a:ext>
+            </a:extLst>
+          </p:cNvPr>
+          <p:cNvPicPr>
+            <a:picLocks noChangeAspect="1"/>
+          </p:cNvPicPr>
           <p:nvPr/>
-        </p:nvSpPr>
-        <p:spPr>
-          <a:xfrm>
-            <a:off x="7093232" y="2817738"/>
-            <a:ext cx="1156247" cy="725557"/>
+        </p:nvPicPr>
+        <p:blipFill>
+          <a:blip r:embed="rId2"/>
+          <a:stretch>
+            <a:fillRect/>
+          </a:stretch>
+        </p:blipFill>
+        <p:spPr>
+          <a:xfrm>
+            <a:off x="535027" y="2330441"/>
+            <a:ext cx="1481248" cy="990684"/>
           </a:xfrm>
           <a:prstGeom prst="rect">
             <a:avLst/>
           </a:prstGeom>
-          <a:solidFill>
-            <a:schemeClr val="bg1"/>
-          </a:solidFill>
-          <a:ln>
-            <a:solidFill>
-              <a:schemeClr val="tx1"/>
-            </a:solidFill>
-          </a:ln>
-        </p:spPr>
-        <p:style>
-          <a:lnRef idx="2">
-            <a:schemeClr val="accent1">
-              <a:shade val="15000"/>
-            </a:schemeClr>
-          </a:lnRef>
-          <a:fillRef idx="1">
-            <a:schemeClr val="accent1"/>
-          </a:fillRef>
-          <a:effectRef idx="0">
-            <a:schemeClr val="accent1"/>
-          </a:effectRef>
-          <a:fontRef idx="minor">
-            <a:schemeClr val="lt1"/>
-          </a:fontRef>
-        </p:style>
-        <p:txBody>
-          <a:bodyPr rtlCol="0" anchor="ctr"/>
-          <a:lstStyle/>
-          <a:p>
-            <a:pPr algn="ctr"/>
-            <a:r>
-              <a:rPr lang="en-US" sz="1600" b="1" dirty="0">
+        </p:spPr>
+      </p:pic>
+      <p:pic>
+        <p:nvPicPr>
+          <p:cNvPr id="57" name="Picture 56">
+            <a:extLst>
+              <a:ext uri="{FF2B5EF4-FFF2-40B4-BE49-F238E27FC236}">
+                <a16:creationId xmlns:a16="http://schemas.microsoft.com/office/drawing/2014/main" id="{1DA668C3-2122-1B54-AA23-AFE610DD7747}"/>
+              </a:ext>
+            </a:extLst>
+          </p:cNvPr>
+          <p:cNvPicPr>
+            <a:picLocks noChangeAspect="1"/>
+          </p:cNvPicPr>
+          <p:nvPr/>
+        </p:nvPicPr>
+        <p:blipFill>
+          <a:blip r:embed="rId3"/>
+          <a:stretch>
+            <a:fillRect/>
+          </a:stretch>
+        </p:blipFill>
+        <p:spPr>
+          <a:xfrm>
+            <a:off x="3595180" y="2330441"/>
+            <a:ext cx="2126964" cy="990684"/>
+          </a:xfrm>
+          <a:prstGeom prst="rect">
+            <a:avLst/>
+          </a:prstGeom>
+        </p:spPr>
+      </p:pic>
+      <p:pic>
+        <p:nvPicPr>
+          <p:cNvPr id="61" name="Picture 60">
+            <a:extLst>
+              <a:ext uri="{FF2B5EF4-FFF2-40B4-BE49-F238E27FC236}">
+                <a16:creationId xmlns:a16="http://schemas.microsoft.com/office/drawing/2014/main" id="{F00C7E67-BDDD-75D5-FE35-55D9A524286F}"/>
+              </a:ext>
+            </a:extLst>
+          </p:cNvPr>
+          <p:cNvPicPr>
+            <a:picLocks noChangeAspect="1"/>
+          </p:cNvPicPr>
+          <p:nvPr/>
+        </p:nvPicPr>
+        <p:blipFill>
+          <a:blip r:embed="rId4"/>
+          <a:stretch>
+            <a:fillRect/>
+          </a:stretch>
+        </p:blipFill>
+        <p:spPr>
+          <a:xfrm>
+            <a:off x="6726997" y="2371061"/>
+            <a:ext cx="1410499" cy="967810"/>
+          </a:xfrm>
+          <a:prstGeom prst="rect">
+            <a:avLst/>
+          </a:prstGeom>
+        </p:spPr>
+      </p:pic>
+      <p:pic>
+        <p:nvPicPr>
+          <p:cNvPr id="1030" name="Picture 6">
+            <a:extLst>
+              <a:ext uri="{FF2B5EF4-FFF2-40B4-BE49-F238E27FC236}">
+                <a16:creationId xmlns:a16="http://schemas.microsoft.com/office/drawing/2014/main" id="{3A20705B-7F7B-34AC-9AED-EA99531FB7AB}"/>
+              </a:ext>
+            </a:extLst>
+          </p:cNvPr>
+          <p:cNvPicPr>
+            <a:picLocks noChangeAspect="1" noChangeArrowheads="1"/>
+          </p:cNvPicPr>
+          <p:nvPr/>
+        </p:nvPicPr>
+        <p:blipFill rotWithShape="1">
+          <a:blip r:embed="rId5">
+            <a:extLst>
+              <a:ext uri="{28A0092B-C50C-407E-A947-70E740481C1C}">
+                <a14:useLocalDpi xmlns:a14="http://schemas.microsoft.com/office/drawing/2010/main" val="0"/>
+              </a:ext>
+            </a:extLst>
+          </a:blip>
+          <a:srcRect r="31165"/>
+          <a:stretch/>
+        </p:blipFill>
+        <p:spPr bwMode="auto">
+          <a:xfrm>
+            <a:off x="9910327" y="2371061"/>
+            <a:ext cx="1423483" cy="967810"/>
+          </a:xfrm>
+          <a:prstGeom prst="rect">
+            <a:avLst/>
+          </a:prstGeom>
+          <a:noFill/>
+          <a:extLst>
+            <a:ext uri="{909E8E84-426E-40DD-AFC4-6F175D3DCCD1}">
+              <a14:hiddenFill xmlns:a14="http://schemas.microsoft.com/office/drawing/2010/main">
                 <a:solidFill>
-                  <a:sysClr val="windowText" lastClr="000000"/>
+                  <a:srgbClr val="FFFFFF"/>
                 </a:solidFill>
-                <a:latin typeface="Times New Roman" panose="02020603050405020304" pitchFamily="18" charset="0"/>
-                <a:cs typeface="Times New Roman" panose="02020603050405020304" pitchFamily="18" charset="0"/>
-              </a:rPr>
-              <a:t>Instancing</a:t>
-            </a:r>
-            <a:endParaRPr lang="en-SG" sz="1600" b="1" dirty="0">
-              <a:solidFill>
-                <a:sysClr val="windowText" lastClr="000000"/>
-              </a:solidFill>
-              <a:latin typeface="Times New Roman" panose="02020603050405020304" pitchFamily="18" charset="0"/>
-              <a:cs typeface="Times New Roman" panose="02020603050405020304" pitchFamily="18" charset="0"/>
-            </a:endParaRPr>
-          </a:p>
-        </p:txBody>
-      </p:sp>
-      <p:sp>
-        <p:nvSpPr>
-          <p:cNvPr id="9" name="Rectangle 8">
-            <a:extLst>
-              <a:ext uri="{FF2B5EF4-FFF2-40B4-BE49-F238E27FC236}">
-                <a16:creationId xmlns:a16="http://schemas.microsoft.com/office/drawing/2014/main" id="{2A4BCDEB-EF72-E33B-9F75-7C7D8F620C84}"/>
-              </a:ext>
-            </a:extLst>
-          </p:cNvPr>
-          <p:cNvSpPr/>
-          <p:nvPr/>
-        </p:nvSpPr>
-        <p:spPr>
-          <a:xfrm>
-            <a:off x="8686803" y="2817738"/>
-            <a:ext cx="1446135" cy="725557"/>
-          </a:xfrm>
-          <a:prstGeom prst="rect">
-            <a:avLst/>
-          </a:prstGeom>
-          <a:solidFill>
-            <a:schemeClr val="bg1"/>
-          </a:solidFill>
-          <a:ln>
-            <a:solidFill>
-              <a:schemeClr val="tx1"/>
-            </a:solidFill>
-          </a:ln>
-        </p:spPr>
-        <p:style>
-          <a:lnRef idx="2">
-            <a:schemeClr val="accent1">
-              <a:shade val="15000"/>
-            </a:schemeClr>
-          </a:lnRef>
-          <a:fillRef idx="1">
-            <a:schemeClr val="accent1"/>
-          </a:fillRef>
-          <a:effectRef idx="0">
-            <a:schemeClr val="accent1"/>
-          </a:effectRef>
-          <a:fontRef idx="minor">
-            <a:schemeClr val="lt1"/>
-          </a:fontRef>
-        </p:style>
-        <p:txBody>
-          <a:bodyPr rtlCol="0" anchor="ctr"/>
-          <a:lstStyle/>
-          <a:p>
-            <a:pPr algn="ctr"/>
-            <a:r>
-              <a:rPr lang="en-US" sz="1600" b="1" dirty="0">
-                <a:solidFill>
-                  <a:sysClr val="windowText" lastClr="000000"/>
-                </a:solidFill>
-                <a:latin typeface="Times New Roman" panose="02020603050405020304" pitchFamily="18" charset="0"/>
-                <a:cs typeface="Times New Roman" panose="02020603050405020304" pitchFamily="18" charset="0"/>
-              </a:rPr>
-              <a:t>Optimization</a:t>
-            </a:r>
-            <a:endParaRPr lang="en-SG" sz="1600" b="1" dirty="0">
-              <a:solidFill>
-                <a:sysClr val="windowText" lastClr="000000"/>
-              </a:solidFill>
-              <a:latin typeface="Times New Roman" panose="02020603050405020304" pitchFamily="18" charset="0"/>
-              <a:cs typeface="Times New Roman" panose="02020603050405020304" pitchFamily="18" charset="0"/>
-            </a:endParaRPr>
-          </a:p>
-        </p:txBody>
-      </p:sp>
-      <p:cxnSp>
-        <p:nvCxnSpPr>
-          <p:cNvPr id="10" name="Straight Arrow Connector 9">
-            <a:extLst>
-              <a:ext uri="{FF2B5EF4-FFF2-40B4-BE49-F238E27FC236}">
-                <a16:creationId xmlns:a16="http://schemas.microsoft.com/office/drawing/2014/main" id="{ACE7FA5C-A902-5ECD-FABE-145C086957B3}"/>
-              </a:ext>
-            </a:extLst>
-          </p:cNvPr>
-          <p:cNvCxnSpPr>
-            <a:cxnSpLocks/>
-            <a:stCxn id="19" idx="3"/>
-            <a:endCxn id="5" idx="1"/>
-          </p:cNvCxnSpPr>
-          <p:nvPr/>
-        </p:nvCxnSpPr>
-        <p:spPr>
-          <a:xfrm>
-            <a:off x="771946" y="3180517"/>
-            <a:ext cx="1083366" cy="0"/>
-          </a:xfrm>
-          <a:prstGeom prst="straightConnector1">
-            <a:avLst/>
-          </a:prstGeom>
-          <a:ln>
-            <a:solidFill>
-              <a:schemeClr val="tx1"/>
-            </a:solidFill>
-            <a:tailEnd type="triangle"/>
-          </a:ln>
-        </p:spPr>
-        <p:style>
-          <a:lnRef idx="1">
-            <a:schemeClr val="accent1"/>
-          </a:lnRef>
-          <a:fillRef idx="0">
-            <a:schemeClr val="accent1"/>
-          </a:fillRef>
-          <a:effectRef idx="0">
-            <a:schemeClr val="accent1"/>
-          </a:effectRef>
-          <a:fontRef idx="minor">
-            <a:schemeClr val="tx1"/>
-          </a:fontRef>
-        </p:style>
-      </p:cxnSp>
-      <p:cxnSp>
-        <p:nvCxnSpPr>
-          <p:cNvPr id="16" name="Connector: Elbow 15">
-            <a:extLst>
-              <a:ext uri="{FF2B5EF4-FFF2-40B4-BE49-F238E27FC236}">
-                <a16:creationId xmlns:a16="http://schemas.microsoft.com/office/drawing/2014/main" id="{3CE745EE-7241-72F7-8613-5AFE37FDA233}"/>
-              </a:ext>
-            </a:extLst>
-          </p:cNvPr>
-          <p:cNvCxnSpPr>
-            <a:cxnSpLocks/>
-            <a:stCxn id="20" idx="3"/>
-            <a:endCxn id="5" idx="0"/>
-          </p:cNvCxnSpPr>
-          <p:nvPr/>
-        </p:nvCxnSpPr>
-        <p:spPr>
-          <a:xfrm>
-            <a:off x="806731" y="2365514"/>
-            <a:ext cx="1992798" cy="452224"/>
-          </a:xfrm>
-          <a:prstGeom prst="bentConnector2">
-            <a:avLst/>
-          </a:prstGeom>
-          <a:ln>
-            <a:solidFill>
-              <a:schemeClr val="tx1"/>
-            </a:solidFill>
-            <a:tailEnd type="triangle"/>
-          </a:ln>
-        </p:spPr>
-        <p:style>
-          <a:lnRef idx="1">
-            <a:schemeClr val="accent1"/>
-          </a:lnRef>
-          <a:fillRef idx="0">
-            <a:schemeClr val="accent1"/>
-          </a:fillRef>
-          <a:effectRef idx="0">
-            <a:schemeClr val="accent1"/>
-          </a:effectRef>
-          <a:fontRef idx="minor">
-            <a:schemeClr val="tx1"/>
-          </a:fontRef>
-        </p:style>
-      </p:cxnSp>
-      <p:sp>
-        <p:nvSpPr>
-          <p:cNvPr id="19" name="Rectangle 18">
-            <a:extLst>
-              <a:ext uri="{FF2B5EF4-FFF2-40B4-BE49-F238E27FC236}">
-                <a16:creationId xmlns:a16="http://schemas.microsoft.com/office/drawing/2014/main" id="{F0D19E8D-FCA5-B850-BA4A-601F2CDE3B77}"/>
-              </a:ext>
-            </a:extLst>
-          </p:cNvPr>
-          <p:cNvSpPr/>
-          <p:nvPr/>
-        </p:nvSpPr>
-        <p:spPr>
-          <a:xfrm>
-            <a:off x="-56312" y="2932036"/>
-            <a:ext cx="828258" cy="496962"/>
-          </a:xfrm>
-          <a:prstGeom prst="rect">
-            <a:avLst/>
-          </a:prstGeom>
-          <a:noFill/>
-          <a:ln>
-            <a:noFill/>
-          </a:ln>
-        </p:spPr>
-        <p:style>
-          <a:lnRef idx="2">
-            <a:schemeClr val="accent1">
-              <a:shade val="15000"/>
-            </a:schemeClr>
-          </a:lnRef>
-          <a:fillRef idx="1">
-            <a:schemeClr val="accent1"/>
-          </a:fillRef>
-          <a:effectRef idx="0">
-            <a:schemeClr val="accent1"/>
-          </a:effectRef>
-          <a:fontRef idx="minor">
-            <a:schemeClr val="lt1"/>
-          </a:fontRef>
-        </p:style>
-        <p:txBody>
-          <a:bodyPr rtlCol="0" anchor="ctr"/>
-          <a:lstStyle/>
-          <a:p>
-            <a:pPr algn="ctr"/>
-            <a:r>
-              <a:rPr lang="en-US" dirty="0">
-                <a:solidFill>
-                  <a:sysClr val="windowText" lastClr="000000"/>
-                </a:solidFill>
-                <a:latin typeface="Times New Roman" panose="02020603050405020304" pitchFamily="18" charset="0"/>
-                <a:cs typeface="Times New Roman" panose="02020603050405020304" pitchFamily="18" charset="0"/>
-              </a:rPr>
-              <a:t>Noun Labels</a:t>
-            </a:r>
-            <a:endParaRPr lang="en-SG" dirty="0">
-              <a:solidFill>
-                <a:sysClr val="windowText" lastClr="000000"/>
-              </a:solidFill>
-              <a:latin typeface="Times New Roman" panose="02020603050405020304" pitchFamily="18" charset="0"/>
-              <a:cs typeface="Times New Roman" panose="02020603050405020304" pitchFamily="18" charset="0"/>
-            </a:endParaRPr>
-          </a:p>
-        </p:txBody>
-      </p:sp>
-      <p:sp>
-        <p:nvSpPr>
-          <p:cNvPr id="20" name="Rectangle 19">
-            <a:extLst>
-              <a:ext uri="{FF2B5EF4-FFF2-40B4-BE49-F238E27FC236}">
-                <a16:creationId xmlns:a16="http://schemas.microsoft.com/office/drawing/2014/main" id="{98B5D49B-0C02-28B8-519F-917ADCC672AC}"/>
-              </a:ext>
-            </a:extLst>
-          </p:cNvPr>
-          <p:cNvSpPr/>
-          <p:nvPr/>
-        </p:nvSpPr>
-        <p:spPr>
-          <a:xfrm>
-            <a:off x="-21527" y="2117033"/>
-            <a:ext cx="828258" cy="496962"/>
-          </a:xfrm>
-          <a:prstGeom prst="rect">
-            <a:avLst/>
-          </a:prstGeom>
-          <a:noFill/>
-          <a:ln>
-            <a:noFill/>
-          </a:ln>
-        </p:spPr>
-        <p:style>
-          <a:lnRef idx="2">
-            <a:schemeClr val="accent1">
-              <a:shade val="15000"/>
-            </a:schemeClr>
-          </a:lnRef>
-          <a:fillRef idx="1">
-            <a:schemeClr val="accent1"/>
-          </a:fillRef>
-          <a:effectRef idx="0">
-            <a:schemeClr val="accent1"/>
-          </a:effectRef>
-          <a:fontRef idx="minor">
-            <a:schemeClr val="lt1"/>
-          </a:fontRef>
-        </p:style>
-        <p:txBody>
-          <a:bodyPr rtlCol="0" anchor="ctr"/>
-          <a:lstStyle/>
-          <a:p>
-            <a:pPr algn="ctr"/>
-            <a:r>
-              <a:rPr lang="en-US" dirty="0">
-                <a:solidFill>
-                  <a:sysClr val="windowText" lastClr="000000"/>
-                </a:solidFill>
-                <a:latin typeface="Times New Roman" panose="02020603050405020304" pitchFamily="18" charset="0"/>
-                <a:cs typeface="Times New Roman" panose="02020603050405020304" pitchFamily="18" charset="0"/>
-              </a:rPr>
-              <a:t>Image</a:t>
-            </a:r>
-            <a:endParaRPr lang="en-SG" dirty="0">
-              <a:solidFill>
-                <a:sysClr val="windowText" lastClr="000000"/>
-              </a:solidFill>
-              <a:latin typeface="Times New Roman" panose="02020603050405020304" pitchFamily="18" charset="0"/>
-              <a:cs typeface="Times New Roman" panose="02020603050405020304" pitchFamily="18" charset="0"/>
-            </a:endParaRPr>
-          </a:p>
-        </p:txBody>
-      </p:sp>
-      <p:sp>
-        <p:nvSpPr>
-          <p:cNvPr id="21" name="Rectangle 20">
-            <a:extLst>
-              <a:ext uri="{FF2B5EF4-FFF2-40B4-BE49-F238E27FC236}">
-                <a16:creationId xmlns:a16="http://schemas.microsoft.com/office/drawing/2014/main" id="{F3771CE6-5F42-9D3D-CCAD-45E056EC2888}"/>
-              </a:ext>
-            </a:extLst>
-          </p:cNvPr>
-          <p:cNvSpPr/>
-          <p:nvPr/>
-        </p:nvSpPr>
-        <p:spPr>
-          <a:xfrm>
-            <a:off x="3692404" y="3225241"/>
-            <a:ext cx="1368271" cy="496962"/>
-          </a:xfrm>
-          <a:prstGeom prst="rect">
-            <a:avLst/>
-          </a:prstGeom>
-          <a:noFill/>
-          <a:ln>
-            <a:noFill/>
-          </a:ln>
-        </p:spPr>
-        <p:style>
-          <a:lnRef idx="2">
-            <a:schemeClr val="accent1">
-              <a:shade val="15000"/>
-            </a:schemeClr>
-          </a:lnRef>
-          <a:fillRef idx="1">
-            <a:schemeClr val="accent1"/>
-          </a:fillRef>
-          <a:effectRef idx="0">
-            <a:schemeClr val="accent1"/>
-          </a:effectRef>
-          <a:fontRef idx="minor">
-            <a:schemeClr val="lt1"/>
-          </a:fontRef>
-        </p:style>
-        <p:txBody>
-          <a:bodyPr rtlCol="0" anchor="ctr"/>
-          <a:lstStyle/>
-          <a:p>
-            <a:pPr algn="ctr"/>
-            <a:r>
-              <a:rPr lang="en-US" sz="1400" dirty="0">
-                <a:solidFill>
-                  <a:sysClr val="windowText" lastClr="000000"/>
-                </a:solidFill>
-                <a:latin typeface="Times New Roman" panose="02020603050405020304" pitchFamily="18" charset="0"/>
-                <a:cs typeface="Times New Roman" panose="02020603050405020304" pitchFamily="18" charset="0"/>
-              </a:rPr>
-              <a:t>Segmentation Map</a:t>
-            </a:r>
-            <a:endParaRPr lang="en-SG" sz="1400" dirty="0">
-              <a:solidFill>
-                <a:sysClr val="windowText" lastClr="000000"/>
-              </a:solidFill>
-              <a:latin typeface="Times New Roman" panose="02020603050405020304" pitchFamily="18" charset="0"/>
-              <a:cs typeface="Times New Roman" panose="02020603050405020304" pitchFamily="18" charset="0"/>
-            </a:endParaRPr>
-          </a:p>
-        </p:txBody>
-      </p:sp>
-      <p:cxnSp>
-        <p:nvCxnSpPr>
-          <p:cNvPr id="26" name="Straight Arrow Connector 25">
-            <a:extLst>
-              <a:ext uri="{FF2B5EF4-FFF2-40B4-BE49-F238E27FC236}">
-                <a16:creationId xmlns:a16="http://schemas.microsoft.com/office/drawing/2014/main" id="{3A35296D-D867-3E08-840F-4FD69A769494}"/>
-              </a:ext>
-            </a:extLst>
-          </p:cNvPr>
-          <p:cNvCxnSpPr>
-            <a:cxnSpLocks/>
-            <a:stCxn id="5" idx="3"/>
-            <a:endCxn id="7" idx="1"/>
-          </p:cNvCxnSpPr>
-          <p:nvPr/>
-        </p:nvCxnSpPr>
-        <p:spPr>
-          <a:xfrm>
-            <a:off x="3743746" y="3180517"/>
-            <a:ext cx="1745975" cy="2"/>
-          </a:xfrm>
-          <a:prstGeom prst="straightConnector1">
-            <a:avLst/>
-          </a:prstGeom>
-          <a:ln>
-            <a:solidFill>
-              <a:schemeClr val="tx1"/>
-            </a:solidFill>
-            <a:tailEnd type="triangle"/>
-          </a:ln>
-        </p:spPr>
-        <p:style>
-          <a:lnRef idx="1">
-            <a:schemeClr val="accent1"/>
-          </a:lnRef>
-          <a:fillRef idx="0">
-            <a:schemeClr val="accent1"/>
-          </a:fillRef>
-          <a:effectRef idx="0">
-            <a:schemeClr val="accent1"/>
-          </a:effectRef>
-          <a:fontRef idx="minor">
-            <a:schemeClr val="tx1"/>
-          </a:fontRef>
-        </p:style>
-      </p:cxnSp>
-      <p:cxnSp>
-        <p:nvCxnSpPr>
-          <p:cNvPr id="29" name="Straight Arrow Connector 28">
-            <a:extLst>
-              <a:ext uri="{FF2B5EF4-FFF2-40B4-BE49-F238E27FC236}">
-                <a16:creationId xmlns:a16="http://schemas.microsoft.com/office/drawing/2014/main" id="{5B6A66F2-B4CB-1183-CD69-3F8494B1F2BD}"/>
-              </a:ext>
-            </a:extLst>
-          </p:cNvPr>
-          <p:cNvCxnSpPr>
-            <a:cxnSpLocks/>
-            <a:stCxn id="7" idx="3"/>
-            <a:endCxn id="8" idx="1"/>
-          </p:cNvCxnSpPr>
-          <p:nvPr/>
-        </p:nvCxnSpPr>
-        <p:spPr>
-          <a:xfrm flipV="1">
-            <a:off x="6712229" y="3180517"/>
-            <a:ext cx="381003" cy="2"/>
-          </a:xfrm>
-          <a:prstGeom prst="straightConnector1">
-            <a:avLst/>
-          </a:prstGeom>
-          <a:ln>
-            <a:solidFill>
-              <a:schemeClr val="tx1"/>
-            </a:solidFill>
-            <a:tailEnd type="triangle"/>
-          </a:ln>
-        </p:spPr>
-        <p:style>
-          <a:lnRef idx="1">
-            <a:schemeClr val="accent1"/>
-          </a:lnRef>
-          <a:fillRef idx="0">
-            <a:schemeClr val="accent1"/>
-          </a:fillRef>
-          <a:effectRef idx="0">
-            <a:schemeClr val="accent1"/>
-          </a:effectRef>
-          <a:fontRef idx="minor">
-            <a:schemeClr val="tx1"/>
-          </a:fontRef>
-        </p:style>
-      </p:cxnSp>
-      <p:cxnSp>
-        <p:nvCxnSpPr>
-          <p:cNvPr id="33" name="Straight Arrow Connector 32">
-            <a:extLst>
-              <a:ext uri="{FF2B5EF4-FFF2-40B4-BE49-F238E27FC236}">
-                <a16:creationId xmlns:a16="http://schemas.microsoft.com/office/drawing/2014/main" id="{0A42F4EE-D591-802D-9828-DE70BCF7FBE3}"/>
-              </a:ext>
-            </a:extLst>
-          </p:cNvPr>
-          <p:cNvCxnSpPr>
-            <a:cxnSpLocks/>
-            <a:stCxn id="8" idx="3"/>
-            <a:endCxn id="9" idx="1"/>
-          </p:cNvCxnSpPr>
-          <p:nvPr/>
-        </p:nvCxnSpPr>
-        <p:spPr>
-          <a:xfrm>
-            <a:off x="8249479" y="3180517"/>
-            <a:ext cx="437324" cy="0"/>
-          </a:xfrm>
-          <a:prstGeom prst="straightConnector1">
-            <a:avLst/>
-          </a:prstGeom>
-          <a:ln>
-            <a:solidFill>
-              <a:schemeClr val="tx1"/>
-            </a:solidFill>
-            <a:tailEnd type="triangle"/>
-          </a:ln>
-        </p:spPr>
-        <p:style>
-          <a:lnRef idx="1">
-            <a:schemeClr val="accent1"/>
-          </a:lnRef>
-          <a:fillRef idx="0">
-            <a:schemeClr val="accent1"/>
-          </a:fillRef>
-          <a:effectRef idx="0">
-            <a:schemeClr val="accent1"/>
-          </a:effectRef>
-          <a:fontRef idx="minor">
-            <a:schemeClr val="tx1"/>
-          </a:fontRef>
-        </p:style>
-      </p:cxnSp>
-      <p:cxnSp>
-        <p:nvCxnSpPr>
-          <p:cNvPr id="37" name="Straight Arrow Connector 36">
-            <a:extLst>
-              <a:ext uri="{FF2B5EF4-FFF2-40B4-BE49-F238E27FC236}">
-                <a16:creationId xmlns:a16="http://schemas.microsoft.com/office/drawing/2014/main" id="{E073A8F2-BE8B-49DE-F843-66EC58B75B0A}"/>
-              </a:ext>
-            </a:extLst>
-          </p:cNvPr>
-          <p:cNvCxnSpPr>
-            <a:cxnSpLocks/>
-            <a:stCxn id="9" idx="3"/>
-            <a:endCxn id="40" idx="1"/>
-          </p:cNvCxnSpPr>
-          <p:nvPr/>
-        </p:nvCxnSpPr>
-        <p:spPr>
-          <a:xfrm flipV="1">
-            <a:off x="10132938" y="3175546"/>
-            <a:ext cx="773603" cy="4971"/>
-          </a:xfrm>
-          <a:prstGeom prst="straightConnector1">
-            <a:avLst/>
-          </a:prstGeom>
-          <a:ln>
-            <a:solidFill>
-              <a:schemeClr val="tx1"/>
-            </a:solidFill>
-            <a:tailEnd type="triangle"/>
-          </a:ln>
-        </p:spPr>
-        <p:style>
-          <a:lnRef idx="1">
-            <a:schemeClr val="accent1"/>
-          </a:lnRef>
-          <a:fillRef idx="0">
-            <a:schemeClr val="accent1"/>
-          </a:fillRef>
-          <a:effectRef idx="0">
-            <a:schemeClr val="accent1"/>
-          </a:effectRef>
-          <a:fontRef idx="minor">
-            <a:schemeClr val="tx1"/>
-          </a:fontRef>
-        </p:style>
-      </p:cxnSp>
-      <p:sp>
-        <p:nvSpPr>
-          <p:cNvPr id="40" name="Rectangle 39">
-            <a:extLst>
-              <a:ext uri="{FF2B5EF4-FFF2-40B4-BE49-F238E27FC236}">
-                <a16:creationId xmlns:a16="http://schemas.microsoft.com/office/drawing/2014/main" id="{8D5FA92A-0E6B-8DDC-AD1A-58F117AEDC60}"/>
-              </a:ext>
-            </a:extLst>
-          </p:cNvPr>
-          <p:cNvSpPr/>
-          <p:nvPr/>
-        </p:nvSpPr>
-        <p:spPr>
-          <a:xfrm>
-            <a:off x="10906541" y="2927065"/>
-            <a:ext cx="1325209" cy="496962"/>
-          </a:xfrm>
-          <a:prstGeom prst="rect">
-            <a:avLst/>
-          </a:prstGeom>
-          <a:noFill/>
-          <a:ln>
-            <a:noFill/>
-          </a:ln>
-        </p:spPr>
-        <p:style>
-          <a:lnRef idx="2">
-            <a:schemeClr val="accent1">
-              <a:shade val="15000"/>
-            </a:schemeClr>
-          </a:lnRef>
-          <a:fillRef idx="1">
-            <a:schemeClr val="accent1"/>
-          </a:fillRef>
-          <a:effectRef idx="0">
-            <a:schemeClr val="accent1"/>
-          </a:effectRef>
-          <a:fontRef idx="minor">
-            <a:schemeClr val="lt1"/>
-          </a:fontRef>
-        </p:style>
-        <p:txBody>
-          <a:bodyPr rtlCol="0" anchor="ctr"/>
-          <a:lstStyle/>
-          <a:p>
-            <a:pPr algn="ctr"/>
-            <a:r>
-              <a:rPr lang="en-US" dirty="0">
-                <a:solidFill>
-                  <a:sysClr val="windowText" lastClr="000000"/>
-                </a:solidFill>
-                <a:latin typeface="Times New Roman" panose="02020603050405020304" pitchFamily="18" charset="0"/>
-                <a:cs typeface="Times New Roman" panose="02020603050405020304" pitchFamily="18" charset="0"/>
-              </a:rPr>
-              <a:t>Bounding Boxes</a:t>
-            </a:r>
-            <a:endParaRPr lang="en-SG" dirty="0">
-              <a:solidFill>
-                <a:sysClr val="windowText" lastClr="000000"/>
-              </a:solidFill>
-              <a:latin typeface="Times New Roman" panose="02020603050405020304" pitchFamily="18" charset="0"/>
-              <a:cs typeface="Times New Roman" panose="02020603050405020304" pitchFamily="18" charset="0"/>
-            </a:endParaRPr>
-          </a:p>
-        </p:txBody>
-      </p:sp>
+              </a14:hiddenFill>
+            </a:ext>
+          </a:extLst>
+        </p:spPr>
+      </p:pic>
     </p:spTree>
     <p:extLst>
       <p:ext uri="{BB962C8B-B14F-4D97-AF65-F5344CB8AC3E}">
-        <p14:creationId xmlns:p14="http://schemas.microsoft.com/office/powerpoint/2010/main" val="3901219955"/>
+        <p14:creationId xmlns:p14="http://schemas.microsoft.com/office/powerpoint/2010/main" val="638531902"/>
       </p:ext>
     </p:extLst>
   </p:cSld>
@@ -7611,6 +8159,2306 @@
       </p:grpSpPr>
       <p:sp>
         <p:nvSpPr>
+          <p:cNvPr id="4" name="Rectangle 3">
+            <a:extLst>
+              <a:ext uri="{FF2B5EF4-FFF2-40B4-BE49-F238E27FC236}">
+                <a16:creationId xmlns:a16="http://schemas.microsoft.com/office/drawing/2014/main" id="{8AC46676-C3DE-3A69-5867-3FD29386E702}"/>
+              </a:ext>
+            </a:extLst>
+          </p:cNvPr>
+          <p:cNvSpPr/>
+          <p:nvPr/>
+        </p:nvSpPr>
+        <p:spPr>
+          <a:xfrm>
+            <a:off x="2294887" y="1466037"/>
+            <a:ext cx="7842422" cy="4053016"/>
+          </a:xfrm>
+          <a:prstGeom prst="rect">
+            <a:avLst/>
+          </a:prstGeom>
+          <a:solidFill>
+            <a:schemeClr val="bg1"/>
+          </a:solidFill>
+          <a:ln>
+            <a:solidFill>
+              <a:schemeClr val="tx1"/>
+            </a:solidFill>
+          </a:ln>
+        </p:spPr>
+        <p:style>
+          <a:lnRef idx="2">
+            <a:schemeClr val="accent1">
+              <a:shade val="15000"/>
+            </a:schemeClr>
+          </a:lnRef>
+          <a:fillRef idx="1">
+            <a:schemeClr val="accent1"/>
+          </a:fillRef>
+          <a:effectRef idx="0">
+            <a:schemeClr val="accent1"/>
+          </a:effectRef>
+          <a:fontRef idx="minor">
+            <a:schemeClr val="lt1"/>
+          </a:fontRef>
+        </p:style>
+        <p:txBody>
+          <a:bodyPr rtlCol="0" anchor="ctr"/>
+          <a:lstStyle/>
+          <a:p>
+            <a:pPr algn="ctr"/>
+            <a:endParaRPr lang="en-US" sz="1400" b="1" dirty="0">
+              <a:solidFill>
+                <a:sysClr val="windowText" lastClr="000000"/>
+              </a:solidFill>
+              <a:latin typeface="Times New Roman" panose="02020603050405020304" pitchFamily="18" charset="0"/>
+              <a:cs typeface="Times New Roman" panose="02020603050405020304" pitchFamily="18" charset="0"/>
+            </a:endParaRPr>
+          </a:p>
+          <a:p>
+            <a:pPr algn="ctr"/>
+            <a:endParaRPr lang="en-US" sz="1400" b="1" dirty="0">
+              <a:solidFill>
+                <a:sysClr val="windowText" lastClr="000000"/>
+              </a:solidFill>
+              <a:latin typeface="Times New Roman" panose="02020603050405020304" pitchFamily="18" charset="0"/>
+              <a:cs typeface="Times New Roman" panose="02020603050405020304" pitchFamily="18" charset="0"/>
+            </a:endParaRPr>
+          </a:p>
+          <a:p>
+            <a:pPr algn="ctr"/>
+            <a:endParaRPr lang="en-US" sz="1400" b="1" dirty="0">
+              <a:solidFill>
+                <a:sysClr val="windowText" lastClr="000000"/>
+              </a:solidFill>
+              <a:latin typeface="Times New Roman" panose="02020603050405020304" pitchFamily="18" charset="0"/>
+              <a:cs typeface="Times New Roman" panose="02020603050405020304" pitchFamily="18" charset="0"/>
+            </a:endParaRPr>
+          </a:p>
+          <a:p>
+            <a:pPr algn="ctr"/>
+            <a:endParaRPr lang="en-US" sz="1400" b="1" dirty="0">
+              <a:solidFill>
+                <a:sysClr val="windowText" lastClr="000000"/>
+              </a:solidFill>
+              <a:latin typeface="Times New Roman" panose="02020603050405020304" pitchFamily="18" charset="0"/>
+              <a:cs typeface="Times New Roman" panose="02020603050405020304" pitchFamily="18" charset="0"/>
+            </a:endParaRPr>
+          </a:p>
+          <a:p>
+            <a:pPr algn="ctr"/>
+            <a:endParaRPr lang="en-US" sz="1400" b="1" dirty="0">
+              <a:solidFill>
+                <a:schemeClr val="tx1"/>
+              </a:solidFill>
+              <a:latin typeface="Times New Roman" panose="02020603050405020304" pitchFamily="18" charset="0"/>
+              <a:cs typeface="Times New Roman" panose="02020603050405020304" pitchFamily="18" charset="0"/>
+            </a:endParaRPr>
+          </a:p>
+          <a:p>
+            <a:pPr algn="ctr"/>
+            <a:endParaRPr lang="en-US" sz="1400" b="1" dirty="0">
+              <a:solidFill>
+                <a:sysClr val="windowText" lastClr="000000"/>
+              </a:solidFill>
+              <a:latin typeface="Times New Roman" panose="02020603050405020304" pitchFamily="18" charset="0"/>
+              <a:cs typeface="Times New Roman" panose="02020603050405020304" pitchFamily="18" charset="0"/>
+            </a:endParaRPr>
+          </a:p>
+          <a:p>
+            <a:pPr algn="ctr"/>
+            <a:endParaRPr lang="en-US" sz="1400" b="1" dirty="0">
+              <a:solidFill>
+                <a:sysClr val="windowText" lastClr="000000"/>
+              </a:solidFill>
+              <a:latin typeface="Times New Roman" panose="02020603050405020304" pitchFamily="18" charset="0"/>
+              <a:cs typeface="Times New Roman" panose="02020603050405020304" pitchFamily="18" charset="0"/>
+            </a:endParaRPr>
+          </a:p>
+          <a:p>
+            <a:pPr algn="ctr"/>
+            <a:endParaRPr lang="en-US" sz="1400" b="1" dirty="0">
+              <a:solidFill>
+                <a:sysClr val="windowText" lastClr="000000"/>
+              </a:solidFill>
+              <a:latin typeface="Times New Roman" panose="02020603050405020304" pitchFamily="18" charset="0"/>
+              <a:cs typeface="Times New Roman" panose="02020603050405020304" pitchFamily="18" charset="0"/>
+            </a:endParaRPr>
+          </a:p>
+          <a:p>
+            <a:pPr algn="ctr"/>
+            <a:endParaRPr lang="en-US" sz="1400" b="1" dirty="0">
+              <a:solidFill>
+                <a:sysClr val="windowText" lastClr="000000"/>
+              </a:solidFill>
+              <a:latin typeface="Times New Roman" panose="02020603050405020304" pitchFamily="18" charset="0"/>
+              <a:cs typeface="Times New Roman" panose="02020603050405020304" pitchFamily="18" charset="0"/>
+            </a:endParaRPr>
+          </a:p>
+          <a:p>
+            <a:pPr algn="ctr"/>
+            <a:endParaRPr lang="en-US" sz="1400" b="1" dirty="0">
+              <a:solidFill>
+                <a:sysClr val="windowText" lastClr="000000"/>
+              </a:solidFill>
+              <a:latin typeface="Times New Roman" panose="02020603050405020304" pitchFamily="18" charset="0"/>
+              <a:cs typeface="Times New Roman" panose="02020603050405020304" pitchFamily="18" charset="0"/>
+            </a:endParaRPr>
+          </a:p>
+          <a:p>
+            <a:pPr algn="ctr"/>
+            <a:endParaRPr lang="en-US" sz="1400" b="1" dirty="0">
+              <a:solidFill>
+                <a:sysClr val="windowText" lastClr="000000"/>
+              </a:solidFill>
+              <a:latin typeface="Times New Roman" panose="02020603050405020304" pitchFamily="18" charset="0"/>
+              <a:cs typeface="Times New Roman" panose="02020603050405020304" pitchFamily="18" charset="0"/>
+            </a:endParaRPr>
+          </a:p>
+          <a:p>
+            <a:pPr algn="ctr"/>
+            <a:endParaRPr lang="en-US" sz="1400" b="1" dirty="0">
+              <a:solidFill>
+                <a:sysClr val="windowText" lastClr="000000"/>
+              </a:solidFill>
+              <a:latin typeface="Times New Roman" panose="02020603050405020304" pitchFamily="18" charset="0"/>
+              <a:cs typeface="Times New Roman" panose="02020603050405020304" pitchFamily="18" charset="0"/>
+            </a:endParaRPr>
+          </a:p>
+          <a:p>
+            <a:pPr algn="ctr"/>
+            <a:endParaRPr lang="en-US" sz="1400" b="1" dirty="0">
+              <a:solidFill>
+                <a:sysClr val="windowText" lastClr="000000"/>
+              </a:solidFill>
+              <a:latin typeface="Times New Roman" panose="02020603050405020304" pitchFamily="18" charset="0"/>
+              <a:cs typeface="Times New Roman" panose="02020603050405020304" pitchFamily="18" charset="0"/>
+            </a:endParaRPr>
+          </a:p>
+          <a:p>
+            <a:pPr algn="ctr"/>
+            <a:endParaRPr lang="en-US" sz="1400" b="1" dirty="0">
+              <a:solidFill>
+                <a:sysClr val="windowText" lastClr="000000"/>
+              </a:solidFill>
+              <a:latin typeface="Times New Roman" panose="02020603050405020304" pitchFamily="18" charset="0"/>
+              <a:cs typeface="Times New Roman" panose="02020603050405020304" pitchFamily="18" charset="0"/>
+            </a:endParaRPr>
+          </a:p>
+          <a:p>
+            <a:pPr algn="ctr"/>
+            <a:endParaRPr lang="en-US" sz="1400" b="1" dirty="0">
+              <a:solidFill>
+                <a:sysClr val="windowText" lastClr="000000"/>
+              </a:solidFill>
+              <a:latin typeface="Times New Roman" panose="02020603050405020304" pitchFamily="18" charset="0"/>
+              <a:cs typeface="Times New Roman" panose="02020603050405020304" pitchFamily="18" charset="0"/>
+            </a:endParaRPr>
+          </a:p>
+          <a:p>
+            <a:pPr algn="ctr"/>
+            <a:endParaRPr lang="en-US" sz="1400" b="1" dirty="0">
+              <a:solidFill>
+                <a:sysClr val="windowText" lastClr="000000"/>
+              </a:solidFill>
+              <a:latin typeface="Times New Roman" panose="02020603050405020304" pitchFamily="18" charset="0"/>
+              <a:cs typeface="Times New Roman" panose="02020603050405020304" pitchFamily="18" charset="0"/>
+            </a:endParaRPr>
+          </a:p>
+          <a:p>
+            <a:pPr algn="ctr"/>
+            <a:endParaRPr lang="en-US" sz="1400" b="1" dirty="0">
+              <a:solidFill>
+                <a:sysClr val="windowText" lastClr="000000"/>
+              </a:solidFill>
+              <a:latin typeface="Times New Roman" panose="02020603050405020304" pitchFamily="18" charset="0"/>
+              <a:cs typeface="Times New Roman" panose="02020603050405020304" pitchFamily="18" charset="0"/>
+            </a:endParaRPr>
+          </a:p>
+          <a:p>
+            <a:pPr algn="ctr"/>
+            <a:r>
+              <a:rPr lang="en-US" sz="1400" b="1" dirty="0">
+                <a:solidFill>
+                  <a:sysClr val="windowText" lastClr="000000"/>
+                </a:solidFill>
+                <a:latin typeface="Times New Roman" panose="02020603050405020304" pitchFamily="18" charset="0"/>
+                <a:cs typeface="Times New Roman" panose="02020603050405020304" pitchFamily="18" charset="0"/>
+              </a:rPr>
+              <a:t>Visual Grounding Module</a:t>
+            </a:r>
+            <a:endParaRPr lang="en-SG" sz="1400" b="1" dirty="0">
+              <a:solidFill>
+                <a:sysClr val="windowText" lastClr="000000"/>
+              </a:solidFill>
+              <a:latin typeface="Times New Roman" panose="02020603050405020304" pitchFamily="18" charset="0"/>
+              <a:cs typeface="Times New Roman" panose="02020603050405020304" pitchFamily="18" charset="0"/>
+            </a:endParaRPr>
+          </a:p>
+        </p:txBody>
+      </p:sp>
+      <p:cxnSp>
+        <p:nvCxnSpPr>
+          <p:cNvPr id="5" name="Straight Arrow Connector 4">
+            <a:extLst>
+              <a:ext uri="{FF2B5EF4-FFF2-40B4-BE49-F238E27FC236}">
+                <a16:creationId xmlns:a16="http://schemas.microsoft.com/office/drawing/2014/main" id="{CD2F693F-2334-1D32-ED3D-C6C5161372BD}"/>
+              </a:ext>
+            </a:extLst>
+          </p:cNvPr>
+          <p:cNvCxnSpPr>
+            <a:cxnSpLocks/>
+            <a:stCxn id="6" idx="3"/>
+          </p:cNvCxnSpPr>
+          <p:nvPr/>
+        </p:nvCxnSpPr>
+        <p:spPr>
+          <a:xfrm>
+            <a:off x="1550722" y="4098107"/>
+            <a:ext cx="1123105" cy="0"/>
+          </a:xfrm>
+          <a:prstGeom prst="straightConnector1">
+            <a:avLst/>
+          </a:prstGeom>
+          <a:ln>
+            <a:solidFill>
+              <a:schemeClr val="tx1"/>
+            </a:solidFill>
+            <a:tailEnd type="triangle"/>
+          </a:ln>
+        </p:spPr>
+        <p:style>
+          <a:lnRef idx="1">
+            <a:schemeClr val="accent1"/>
+          </a:lnRef>
+          <a:fillRef idx="0">
+            <a:schemeClr val="accent1"/>
+          </a:fillRef>
+          <a:effectRef idx="0">
+            <a:schemeClr val="accent1"/>
+          </a:effectRef>
+          <a:fontRef idx="minor">
+            <a:schemeClr val="tx1"/>
+          </a:fontRef>
+        </p:style>
+      </p:cxnSp>
+      <p:sp>
+        <p:nvSpPr>
+          <p:cNvPr id="6" name="Rectangle 5">
+            <a:extLst>
+              <a:ext uri="{FF2B5EF4-FFF2-40B4-BE49-F238E27FC236}">
+                <a16:creationId xmlns:a16="http://schemas.microsoft.com/office/drawing/2014/main" id="{9528CE54-9BD9-C32E-AC07-02610C7713D3}"/>
+              </a:ext>
+            </a:extLst>
+          </p:cNvPr>
+          <p:cNvSpPr/>
+          <p:nvPr/>
+        </p:nvSpPr>
+        <p:spPr>
+          <a:xfrm>
+            <a:off x="0" y="3849626"/>
+            <a:ext cx="1550722" cy="496962"/>
+          </a:xfrm>
+          <a:prstGeom prst="rect">
+            <a:avLst/>
+          </a:prstGeom>
+          <a:noFill/>
+          <a:ln>
+            <a:noFill/>
+          </a:ln>
+        </p:spPr>
+        <p:style>
+          <a:lnRef idx="2">
+            <a:schemeClr val="accent1">
+              <a:shade val="15000"/>
+            </a:schemeClr>
+          </a:lnRef>
+          <a:fillRef idx="1">
+            <a:schemeClr val="accent1"/>
+          </a:fillRef>
+          <a:effectRef idx="0">
+            <a:schemeClr val="accent1"/>
+          </a:effectRef>
+          <a:fontRef idx="minor">
+            <a:schemeClr val="lt1"/>
+          </a:fontRef>
+        </p:style>
+        <p:txBody>
+          <a:bodyPr rtlCol="0" anchor="ctr"/>
+          <a:lstStyle/>
+          <a:p>
+            <a:pPr algn="ctr"/>
+            <a:r>
+              <a:rPr lang="en-US" sz="1050" dirty="0">
+                <a:solidFill>
+                  <a:sysClr val="windowText" lastClr="000000"/>
+                </a:solidFill>
+                <a:latin typeface="Times New Roman" panose="02020603050405020304" pitchFamily="18" charset="0"/>
+                <a:cs typeface="Times New Roman" panose="02020603050405020304" pitchFamily="18" charset="0"/>
+              </a:rPr>
+              <a:t>Bounding box instances</a:t>
+            </a:r>
+            <a:endParaRPr lang="en-SG" sz="1050" dirty="0">
+              <a:solidFill>
+                <a:sysClr val="windowText" lastClr="000000"/>
+              </a:solidFill>
+              <a:latin typeface="Times New Roman" panose="02020603050405020304" pitchFamily="18" charset="0"/>
+              <a:cs typeface="Times New Roman" panose="02020603050405020304" pitchFamily="18" charset="0"/>
+            </a:endParaRPr>
+          </a:p>
+        </p:txBody>
+      </p:sp>
+      <p:sp>
+        <p:nvSpPr>
+          <p:cNvPr id="9" name="Rectangle 8">
+            <a:extLst>
+              <a:ext uri="{FF2B5EF4-FFF2-40B4-BE49-F238E27FC236}">
+                <a16:creationId xmlns:a16="http://schemas.microsoft.com/office/drawing/2014/main" id="{90B48F91-2626-80F3-A6A9-0D1BB985F8A6}"/>
+              </a:ext>
+            </a:extLst>
+          </p:cNvPr>
+          <p:cNvSpPr/>
+          <p:nvPr/>
+        </p:nvSpPr>
+        <p:spPr>
+          <a:xfrm>
+            <a:off x="-55655" y="4850978"/>
+            <a:ext cx="1606378" cy="496962"/>
+          </a:xfrm>
+          <a:prstGeom prst="rect">
+            <a:avLst/>
+          </a:prstGeom>
+          <a:noFill/>
+          <a:ln>
+            <a:noFill/>
+          </a:ln>
+        </p:spPr>
+        <p:style>
+          <a:lnRef idx="2">
+            <a:schemeClr val="accent1">
+              <a:shade val="15000"/>
+            </a:schemeClr>
+          </a:lnRef>
+          <a:fillRef idx="1">
+            <a:schemeClr val="accent1"/>
+          </a:fillRef>
+          <a:effectRef idx="0">
+            <a:schemeClr val="accent1"/>
+          </a:effectRef>
+          <a:fontRef idx="minor">
+            <a:schemeClr val="lt1"/>
+          </a:fontRef>
+        </p:style>
+        <p:txBody>
+          <a:bodyPr rtlCol="0" anchor="ctr"/>
+          <a:lstStyle/>
+          <a:p>
+            <a:pPr algn="ctr"/>
+            <a:r>
+              <a:rPr lang="en-US" sz="1100" dirty="0">
+                <a:solidFill>
+                  <a:sysClr val="windowText" lastClr="000000"/>
+                </a:solidFill>
+                <a:latin typeface="Times New Roman" panose="02020603050405020304" pitchFamily="18" charset="0"/>
+                <a:cs typeface="Times New Roman" panose="02020603050405020304" pitchFamily="18" charset="0"/>
+              </a:rPr>
+              <a:t>Descriptive Sentence</a:t>
+            </a:r>
+          </a:p>
+          <a:p>
+            <a:pPr algn="ctr"/>
+            <a:r>
+              <a:rPr lang="en-US" sz="1100" b="1" i="1" dirty="0">
+                <a:solidFill>
+                  <a:srgbClr val="00B050"/>
+                </a:solidFill>
+                <a:latin typeface="Times New Roman" panose="02020603050405020304" pitchFamily="18" charset="0"/>
+                <a:cs typeface="Times New Roman" panose="02020603050405020304" pitchFamily="18" charset="0"/>
+              </a:rPr>
+              <a:t>“big piece of broccoli”</a:t>
+            </a:r>
+            <a:endParaRPr lang="en-SG" sz="1100" b="1" i="1" dirty="0">
+              <a:solidFill>
+                <a:srgbClr val="00B050"/>
+              </a:solidFill>
+              <a:latin typeface="Times New Roman" panose="02020603050405020304" pitchFamily="18" charset="0"/>
+              <a:cs typeface="Times New Roman" panose="02020603050405020304" pitchFamily="18" charset="0"/>
+            </a:endParaRPr>
+          </a:p>
+        </p:txBody>
+      </p:sp>
+      <p:sp>
+        <p:nvSpPr>
+          <p:cNvPr id="10" name="Rectangle 9">
+            <a:extLst>
+              <a:ext uri="{FF2B5EF4-FFF2-40B4-BE49-F238E27FC236}">
+                <a16:creationId xmlns:a16="http://schemas.microsoft.com/office/drawing/2014/main" id="{D253233C-A564-030D-D209-7C003816BF68}"/>
+              </a:ext>
+            </a:extLst>
+          </p:cNvPr>
+          <p:cNvSpPr/>
+          <p:nvPr/>
+        </p:nvSpPr>
+        <p:spPr>
+          <a:xfrm>
+            <a:off x="2673827" y="3492545"/>
+            <a:ext cx="1647568" cy="1192874"/>
+          </a:xfrm>
+          <a:prstGeom prst="rect">
+            <a:avLst/>
+          </a:prstGeom>
+          <a:noFill/>
+          <a:ln>
+            <a:solidFill>
+              <a:schemeClr val="tx1"/>
+            </a:solidFill>
+          </a:ln>
+        </p:spPr>
+        <p:style>
+          <a:lnRef idx="2">
+            <a:schemeClr val="accent1">
+              <a:shade val="15000"/>
+            </a:schemeClr>
+          </a:lnRef>
+          <a:fillRef idx="1">
+            <a:schemeClr val="accent1"/>
+          </a:fillRef>
+          <a:effectRef idx="0">
+            <a:schemeClr val="accent1"/>
+          </a:effectRef>
+          <a:fontRef idx="minor">
+            <a:schemeClr val="lt1"/>
+          </a:fontRef>
+        </p:style>
+        <p:txBody>
+          <a:bodyPr rtlCol="0" anchor="ctr"/>
+          <a:lstStyle/>
+          <a:p>
+            <a:pPr algn="ctr"/>
+            <a:r>
+              <a:rPr lang="en-US" sz="1400" b="1" dirty="0">
+                <a:solidFill>
+                  <a:schemeClr val="tx1"/>
+                </a:solidFill>
+                <a:latin typeface="Times New Roman" panose="02020603050405020304" pitchFamily="18" charset="0"/>
+                <a:cs typeface="Times New Roman" panose="02020603050405020304" pitchFamily="18" charset="0"/>
+              </a:rPr>
+              <a:t>Preliminary</a:t>
+            </a:r>
+          </a:p>
+          <a:p>
+            <a:pPr algn="ctr"/>
+            <a:r>
+              <a:rPr lang="en-US" sz="1400" b="1" dirty="0">
+                <a:solidFill>
+                  <a:schemeClr val="tx1"/>
+                </a:solidFill>
+                <a:latin typeface="Times New Roman" panose="02020603050405020304" pitchFamily="18" charset="0"/>
+                <a:cs typeface="Times New Roman" panose="02020603050405020304" pitchFamily="18" charset="0"/>
+              </a:rPr>
+              <a:t>Bounding Box Selection</a:t>
+            </a:r>
+            <a:endParaRPr lang="en-SG" sz="1400" b="1" dirty="0">
+              <a:solidFill>
+                <a:schemeClr val="tx1"/>
+              </a:solidFill>
+              <a:latin typeface="Times New Roman" panose="02020603050405020304" pitchFamily="18" charset="0"/>
+              <a:cs typeface="Times New Roman" panose="02020603050405020304" pitchFamily="18" charset="0"/>
+            </a:endParaRPr>
+          </a:p>
+        </p:txBody>
+      </p:sp>
+      <p:sp>
+        <p:nvSpPr>
+          <p:cNvPr id="12" name="Rectangle 11">
+            <a:extLst>
+              <a:ext uri="{FF2B5EF4-FFF2-40B4-BE49-F238E27FC236}">
+                <a16:creationId xmlns:a16="http://schemas.microsoft.com/office/drawing/2014/main" id="{5BAA895E-E34B-B5AD-2B35-B63293A4479B}"/>
+              </a:ext>
+            </a:extLst>
+          </p:cNvPr>
+          <p:cNvSpPr/>
+          <p:nvPr/>
+        </p:nvSpPr>
+        <p:spPr>
+          <a:xfrm>
+            <a:off x="5444500" y="3501670"/>
+            <a:ext cx="1647568" cy="1192874"/>
+          </a:xfrm>
+          <a:prstGeom prst="rect">
+            <a:avLst/>
+          </a:prstGeom>
+          <a:noFill/>
+          <a:ln>
+            <a:solidFill>
+              <a:schemeClr val="tx1"/>
+            </a:solidFill>
+          </a:ln>
+        </p:spPr>
+        <p:style>
+          <a:lnRef idx="2">
+            <a:schemeClr val="accent1">
+              <a:shade val="15000"/>
+            </a:schemeClr>
+          </a:lnRef>
+          <a:fillRef idx="1">
+            <a:schemeClr val="accent1"/>
+          </a:fillRef>
+          <a:effectRef idx="0">
+            <a:schemeClr val="accent1"/>
+          </a:effectRef>
+          <a:fontRef idx="minor">
+            <a:schemeClr val="lt1"/>
+          </a:fontRef>
+        </p:style>
+        <p:txBody>
+          <a:bodyPr rtlCol="0" anchor="ctr"/>
+          <a:lstStyle/>
+          <a:p>
+            <a:pPr algn="ctr"/>
+            <a:r>
+              <a:rPr lang="en-US" sz="1400" b="1" dirty="0">
+                <a:solidFill>
+                  <a:schemeClr val="tx1"/>
+                </a:solidFill>
+                <a:latin typeface="Times New Roman" panose="02020603050405020304" pitchFamily="18" charset="0"/>
+                <a:cs typeface="Times New Roman" panose="02020603050405020304" pitchFamily="18" charset="0"/>
+              </a:rPr>
+              <a:t>Region Proposal Algorithm: Selective Search</a:t>
+            </a:r>
+            <a:endParaRPr lang="en-SG" sz="1400" b="1" dirty="0">
+              <a:solidFill>
+                <a:schemeClr val="tx1"/>
+              </a:solidFill>
+              <a:latin typeface="Times New Roman" panose="02020603050405020304" pitchFamily="18" charset="0"/>
+              <a:cs typeface="Times New Roman" panose="02020603050405020304" pitchFamily="18" charset="0"/>
+            </a:endParaRPr>
+          </a:p>
+        </p:txBody>
+      </p:sp>
+      <p:sp>
+        <p:nvSpPr>
+          <p:cNvPr id="13" name="Rectangle 12">
+            <a:extLst>
+              <a:ext uri="{FF2B5EF4-FFF2-40B4-BE49-F238E27FC236}">
+                <a16:creationId xmlns:a16="http://schemas.microsoft.com/office/drawing/2014/main" id="{14EF9C2F-2973-FC00-F010-C68E0BDECEA4}"/>
+              </a:ext>
+            </a:extLst>
+          </p:cNvPr>
+          <p:cNvSpPr/>
+          <p:nvPr/>
+        </p:nvSpPr>
+        <p:spPr>
+          <a:xfrm>
+            <a:off x="8075603" y="3509021"/>
+            <a:ext cx="1647568" cy="1192874"/>
+          </a:xfrm>
+          <a:prstGeom prst="rect">
+            <a:avLst/>
+          </a:prstGeom>
+          <a:noFill/>
+          <a:ln>
+            <a:solidFill>
+              <a:schemeClr val="tx1"/>
+            </a:solidFill>
+          </a:ln>
+        </p:spPr>
+        <p:style>
+          <a:lnRef idx="2">
+            <a:schemeClr val="accent1">
+              <a:shade val="15000"/>
+            </a:schemeClr>
+          </a:lnRef>
+          <a:fillRef idx="1">
+            <a:schemeClr val="accent1"/>
+          </a:fillRef>
+          <a:effectRef idx="0">
+            <a:schemeClr val="accent1"/>
+          </a:effectRef>
+          <a:fontRef idx="minor">
+            <a:schemeClr val="lt1"/>
+          </a:fontRef>
+        </p:style>
+        <p:txBody>
+          <a:bodyPr rtlCol="0" anchor="ctr"/>
+          <a:lstStyle/>
+          <a:p>
+            <a:pPr algn="ctr"/>
+            <a:r>
+              <a:rPr lang="en-US" sz="1400" b="1" dirty="0">
+                <a:solidFill>
+                  <a:schemeClr val="tx1"/>
+                </a:solidFill>
+                <a:latin typeface="Times New Roman" panose="02020603050405020304" pitchFamily="18" charset="0"/>
+                <a:cs typeface="Times New Roman" panose="02020603050405020304" pitchFamily="18" charset="0"/>
+              </a:rPr>
+              <a:t>Final</a:t>
+            </a:r>
+          </a:p>
+          <a:p>
+            <a:pPr algn="ctr"/>
+            <a:r>
+              <a:rPr lang="en-US" sz="1400" b="1" dirty="0">
+                <a:solidFill>
+                  <a:schemeClr val="tx1"/>
+                </a:solidFill>
+                <a:latin typeface="Times New Roman" panose="02020603050405020304" pitchFamily="18" charset="0"/>
+                <a:cs typeface="Times New Roman" panose="02020603050405020304" pitchFamily="18" charset="0"/>
+              </a:rPr>
+              <a:t>Bounding Box Selection</a:t>
+            </a:r>
+            <a:endParaRPr lang="en-SG" sz="1400" b="1" dirty="0">
+              <a:solidFill>
+                <a:schemeClr val="tx1"/>
+              </a:solidFill>
+              <a:latin typeface="Times New Roman" panose="02020603050405020304" pitchFamily="18" charset="0"/>
+              <a:cs typeface="Times New Roman" panose="02020603050405020304" pitchFamily="18" charset="0"/>
+            </a:endParaRPr>
+          </a:p>
+        </p:txBody>
+      </p:sp>
+      <p:cxnSp>
+        <p:nvCxnSpPr>
+          <p:cNvPr id="14" name="Straight Arrow Connector 13">
+            <a:extLst>
+              <a:ext uri="{FF2B5EF4-FFF2-40B4-BE49-F238E27FC236}">
+                <a16:creationId xmlns:a16="http://schemas.microsoft.com/office/drawing/2014/main" id="{33FF77F4-1A21-44FB-DB9E-852B60719295}"/>
+              </a:ext>
+            </a:extLst>
+          </p:cNvPr>
+          <p:cNvCxnSpPr>
+            <a:cxnSpLocks/>
+            <a:endCxn id="12" idx="1"/>
+          </p:cNvCxnSpPr>
+          <p:nvPr/>
+        </p:nvCxnSpPr>
+        <p:spPr>
+          <a:xfrm>
+            <a:off x="4321395" y="4098107"/>
+            <a:ext cx="1123105" cy="0"/>
+          </a:xfrm>
+          <a:prstGeom prst="straightConnector1">
+            <a:avLst/>
+          </a:prstGeom>
+          <a:ln>
+            <a:solidFill>
+              <a:schemeClr val="tx1"/>
+            </a:solidFill>
+            <a:tailEnd type="triangle"/>
+          </a:ln>
+        </p:spPr>
+        <p:style>
+          <a:lnRef idx="1">
+            <a:schemeClr val="accent1"/>
+          </a:lnRef>
+          <a:fillRef idx="0">
+            <a:schemeClr val="accent1"/>
+          </a:fillRef>
+          <a:effectRef idx="0">
+            <a:schemeClr val="accent1"/>
+          </a:effectRef>
+          <a:fontRef idx="minor">
+            <a:schemeClr val="tx1"/>
+          </a:fontRef>
+        </p:style>
+      </p:cxnSp>
+      <p:cxnSp>
+        <p:nvCxnSpPr>
+          <p:cNvPr id="17" name="Straight Arrow Connector 16">
+            <a:extLst>
+              <a:ext uri="{FF2B5EF4-FFF2-40B4-BE49-F238E27FC236}">
+                <a16:creationId xmlns:a16="http://schemas.microsoft.com/office/drawing/2014/main" id="{3AB67B6E-FE43-AB19-B9A3-9F78992AD7C7}"/>
+              </a:ext>
+            </a:extLst>
+          </p:cNvPr>
+          <p:cNvCxnSpPr>
+            <a:cxnSpLocks/>
+            <a:stCxn id="12" idx="3"/>
+            <a:endCxn id="13" idx="1"/>
+          </p:cNvCxnSpPr>
+          <p:nvPr/>
+        </p:nvCxnSpPr>
+        <p:spPr>
+          <a:xfrm>
+            <a:off x="7092068" y="4098107"/>
+            <a:ext cx="983535" cy="7351"/>
+          </a:xfrm>
+          <a:prstGeom prst="straightConnector1">
+            <a:avLst/>
+          </a:prstGeom>
+          <a:ln>
+            <a:solidFill>
+              <a:schemeClr val="tx1"/>
+            </a:solidFill>
+            <a:tailEnd type="triangle"/>
+          </a:ln>
+        </p:spPr>
+        <p:style>
+          <a:lnRef idx="1">
+            <a:schemeClr val="accent1"/>
+          </a:lnRef>
+          <a:fillRef idx="0">
+            <a:schemeClr val="accent1"/>
+          </a:fillRef>
+          <a:effectRef idx="0">
+            <a:schemeClr val="accent1"/>
+          </a:effectRef>
+          <a:fontRef idx="minor">
+            <a:schemeClr val="tx1"/>
+          </a:fontRef>
+        </p:style>
+      </p:cxnSp>
+      <p:cxnSp>
+        <p:nvCxnSpPr>
+          <p:cNvPr id="27" name="Connector: Elbow 26">
+            <a:extLst>
+              <a:ext uri="{FF2B5EF4-FFF2-40B4-BE49-F238E27FC236}">
+                <a16:creationId xmlns:a16="http://schemas.microsoft.com/office/drawing/2014/main" id="{187DA8AE-ED81-26D6-6430-9806047D3E08}"/>
+              </a:ext>
+            </a:extLst>
+          </p:cNvPr>
+          <p:cNvCxnSpPr>
+            <a:cxnSpLocks/>
+            <a:stCxn id="9" idx="3"/>
+            <a:endCxn id="10" idx="2"/>
+          </p:cNvCxnSpPr>
+          <p:nvPr/>
+        </p:nvCxnSpPr>
+        <p:spPr>
+          <a:xfrm flipV="1">
+            <a:off x="1550723" y="4685419"/>
+            <a:ext cx="1946888" cy="414040"/>
+          </a:xfrm>
+          <a:prstGeom prst="bentConnector2">
+            <a:avLst/>
+          </a:prstGeom>
+          <a:ln>
+            <a:solidFill>
+              <a:schemeClr val="tx1"/>
+            </a:solidFill>
+            <a:tailEnd type="triangle"/>
+          </a:ln>
+        </p:spPr>
+        <p:style>
+          <a:lnRef idx="1">
+            <a:schemeClr val="accent1"/>
+          </a:lnRef>
+          <a:fillRef idx="0">
+            <a:schemeClr val="accent1"/>
+          </a:fillRef>
+          <a:effectRef idx="0">
+            <a:schemeClr val="accent1"/>
+          </a:effectRef>
+          <a:fontRef idx="minor">
+            <a:schemeClr val="tx1"/>
+          </a:fontRef>
+        </p:style>
+      </p:cxnSp>
+      <p:cxnSp>
+        <p:nvCxnSpPr>
+          <p:cNvPr id="32" name="Connector: Elbow 31">
+            <a:extLst>
+              <a:ext uri="{FF2B5EF4-FFF2-40B4-BE49-F238E27FC236}">
+                <a16:creationId xmlns:a16="http://schemas.microsoft.com/office/drawing/2014/main" id="{79788BE7-1884-8E30-9D8A-2D6A1D1C5421}"/>
+              </a:ext>
+            </a:extLst>
+          </p:cNvPr>
+          <p:cNvCxnSpPr>
+            <a:cxnSpLocks/>
+            <a:stCxn id="9" idx="3"/>
+            <a:endCxn id="13" idx="2"/>
+          </p:cNvCxnSpPr>
+          <p:nvPr/>
+        </p:nvCxnSpPr>
+        <p:spPr>
+          <a:xfrm flipV="1">
+            <a:off x="1550723" y="4701895"/>
+            <a:ext cx="7348664" cy="397564"/>
+          </a:xfrm>
+          <a:prstGeom prst="bentConnector2">
+            <a:avLst/>
+          </a:prstGeom>
+          <a:ln>
+            <a:solidFill>
+              <a:schemeClr val="tx1"/>
+            </a:solidFill>
+            <a:tailEnd type="triangle"/>
+          </a:ln>
+        </p:spPr>
+        <p:style>
+          <a:lnRef idx="1">
+            <a:schemeClr val="accent1"/>
+          </a:lnRef>
+          <a:fillRef idx="0">
+            <a:schemeClr val="accent1"/>
+          </a:fillRef>
+          <a:effectRef idx="0">
+            <a:schemeClr val="accent1"/>
+          </a:effectRef>
+          <a:fontRef idx="minor">
+            <a:schemeClr val="tx1"/>
+          </a:fontRef>
+        </p:style>
+      </p:cxnSp>
+      <p:pic>
+        <p:nvPicPr>
+          <p:cNvPr id="40" name="Picture 39">
+            <a:extLst>
+              <a:ext uri="{FF2B5EF4-FFF2-40B4-BE49-F238E27FC236}">
+                <a16:creationId xmlns:a16="http://schemas.microsoft.com/office/drawing/2014/main" id="{F239C7BA-EAC4-9171-29A0-D0C71D24B081}"/>
+              </a:ext>
+            </a:extLst>
+          </p:cNvPr>
+          <p:cNvPicPr>
+            <a:picLocks noChangeAspect="1"/>
+          </p:cNvPicPr>
+          <p:nvPr/>
+        </p:nvPicPr>
+        <p:blipFill>
+          <a:blip r:embed="rId2"/>
+          <a:stretch>
+            <a:fillRect/>
+          </a:stretch>
+        </p:blipFill>
+        <p:spPr>
+          <a:xfrm>
+            <a:off x="140223" y="1662607"/>
+            <a:ext cx="1410499" cy="967810"/>
+          </a:xfrm>
+          <a:prstGeom prst="rect">
+            <a:avLst/>
+          </a:prstGeom>
+        </p:spPr>
+      </p:pic>
+      <p:pic>
+        <p:nvPicPr>
+          <p:cNvPr id="2050" name="Picture 2">
+            <a:extLst>
+              <a:ext uri="{FF2B5EF4-FFF2-40B4-BE49-F238E27FC236}">
+                <a16:creationId xmlns:a16="http://schemas.microsoft.com/office/drawing/2014/main" id="{8D4E4846-B9B8-7390-EB61-771187A2E916}"/>
+              </a:ext>
+            </a:extLst>
+          </p:cNvPr>
+          <p:cNvPicPr>
+            <a:picLocks noChangeAspect="1" noChangeArrowheads="1"/>
+          </p:cNvPicPr>
+          <p:nvPr/>
+        </p:nvPicPr>
+        <p:blipFill rotWithShape="1">
+          <a:blip r:embed="rId3">
+            <a:extLst>
+              <a:ext uri="{28A0092B-C50C-407E-A947-70E740481C1C}">
+                <a14:useLocalDpi xmlns:a14="http://schemas.microsoft.com/office/drawing/2010/main" val="0"/>
+              </a:ext>
+            </a:extLst>
+          </a:blip>
+          <a:srcRect r="29589"/>
+          <a:stretch/>
+        </p:blipFill>
+        <p:spPr bwMode="auto">
+          <a:xfrm>
+            <a:off x="4050925" y="1643446"/>
+            <a:ext cx="1501378" cy="997922"/>
+          </a:xfrm>
+          <a:prstGeom prst="rect">
+            <a:avLst/>
+          </a:prstGeom>
+          <a:noFill/>
+          <a:extLst>
+            <a:ext uri="{909E8E84-426E-40DD-AFC4-6F175D3DCCD1}">
+              <a14:hiddenFill xmlns:a14="http://schemas.microsoft.com/office/drawing/2010/main">
+                <a:solidFill>
+                  <a:srgbClr val="FFFFFF"/>
+                </a:solidFill>
+              </a14:hiddenFill>
+            </a:ext>
+          </a:extLst>
+        </p:spPr>
+      </p:pic>
+      <p:pic>
+        <p:nvPicPr>
+          <p:cNvPr id="2052" name="Picture 4">
+            <a:extLst>
+              <a:ext uri="{FF2B5EF4-FFF2-40B4-BE49-F238E27FC236}">
+                <a16:creationId xmlns:a16="http://schemas.microsoft.com/office/drawing/2014/main" id="{3CA1B907-3443-EBAF-2E1E-C2D867D0D600}"/>
+              </a:ext>
+            </a:extLst>
+          </p:cNvPr>
+          <p:cNvPicPr>
+            <a:picLocks noChangeAspect="1" noChangeArrowheads="1"/>
+          </p:cNvPicPr>
+          <p:nvPr/>
+        </p:nvPicPr>
+        <p:blipFill rotWithShape="1">
+          <a:blip r:embed="rId4">
+            <a:extLst>
+              <a:ext uri="{28A0092B-C50C-407E-A947-70E740481C1C}">
+                <a14:useLocalDpi xmlns:a14="http://schemas.microsoft.com/office/drawing/2010/main" val="0"/>
+              </a:ext>
+            </a:extLst>
+          </a:blip>
+          <a:srcRect r="30733"/>
+          <a:stretch/>
+        </p:blipFill>
+        <p:spPr bwMode="auto">
+          <a:xfrm>
+            <a:off x="6802705" y="1665223"/>
+            <a:ext cx="1562259" cy="1055527"/>
+          </a:xfrm>
+          <a:prstGeom prst="rect">
+            <a:avLst/>
+          </a:prstGeom>
+          <a:noFill/>
+          <a:extLst>
+            <a:ext uri="{909E8E84-426E-40DD-AFC4-6F175D3DCCD1}">
+              <a14:hiddenFill xmlns:a14="http://schemas.microsoft.com/office/drawing/2010/main">
+                <a:solidFill>
+                  <a:srgbClr val="FFFFFF"/>
+                </a:solidFill>
+              </a14:hiddenFill>
+            </a:ext>
+          </a:extLst>
+        </p:spPr>
+      </p:pic>
+      <p:cxnSp>
+        <p:nvCxnSpPr>
+          <p:cNvPr id="41" name="Straight Arrow Connector 40">
+            <a:extLst>
+              <a:ext uri="{FF2B5EF4-FFF2-40B4-BE49-F238E27FC236}">
+                <a16:creationId xmlns:a16="http://schemas.microsoft.com/office/drawing/2014/main" id="{DF8E4AB3-3FAB-247D-6622-C3617BB99D60}"/>
+              </a:ext>
+            </a:extLst>
+          </p:cNvPr>
+          <p:cNvCxnSpPr>
+            <a:cxnSpLocks/>
+            <a:stCxn id="13" idx="3"/>
+            <a:endCxn id="44" idx="1"/>
+          </p:cNvCxnSpPr>
+          <p:nvPr/>
+        </p:nvCxnSpPr>
+        <p:spPr>
+          <a:xfrm>
+            <a:off x="9723171" y="4105458"/>
+            <a:ext cx="793078" cy="0"/>
+          </a:xfrm>
+          <a:prstGeom prst="straightConnector1">
+            <a:avLst/>
+          </a:prstGeom>
+          <a:ln>
+            <a:solidFill>
+              <a:schemeClr val="tx1"/>
+            </a:solidFill>
+            <a:tailEnd type="triangle"/>
+          </a:ln>
+        </p:spPr>
+        <p:style>
+          <a:lnRef idx="1">
+            <a:schemeClr val="accent1"/>
+          </a:lnRef>
+          <a:fillRef idx="0">
+            <a:schemeClr val="accent1"/>
+          </a:fillRef>
+          <a:effectRef idx="0">
+            <a:schemeClr val="accent1"/>
+          </a:effectRef>
+          <a:fontRef idx="minor">
+            <a:schemeClr val="tx1"/>
+          </a:fontRef>
+        </p:style>
+      </p:cxnSp>
+      <p:sp>
+        <p:nvSpPr>
+          <p:cNvPr id="44" name="Rectangle 43">
+            <a:extLst>
+              <a:ext uri="{FF2B5EF4-FFF2-40B4-BE49-F238E27FC236}">
+                <a16:creationId xmlns:a16="http://schemas.microsoft.com/office/drawing/2014/main" id="{96921E7C-D9CD-46A2-27DC-5D7C769AECF9}"/>
+              </a:ext>
+            </a:extLst>
+          </p:cNvPr>
+          <p:cNvSpPr/>
+          <p:nvPr/>
+        </p:nvSpPr>
+        <p:spPr>
+          <a:xfrm>
+            <a:off x="10516249" y="3856977"/>
+            <a:ext cx="1550722" cy="496962"/>
+          </a:xfrm>
+          <a:prstGeom prst="rect">
+            <a:avLst/>
+          </a:prstGeom>
+          <a:noFill/>
+          <a:ln>
+            <a:noFill/>
+          </a:ln>
+        </p:spPr>
+        <p:style>
+          <a:lnRef idx="2">
+            <a:schemeClr val="accent1">
+              <a:shade val="15000"/>
+            </a:schemeClr>
+          </a:lnRef>
+          <a:fillRef idx="1">
+            <a:schemeClr val="accent1"/>
+          </a:fillRef>
+          <a:effectRef idx="0">
+            <a:schemeClr val="accent1"/>
+          </a:effectRef>
+          <a:fontRef idx="minor">
+            <a:schemeClr val="lt1"/>
+          </a:fontRef>
+        </p:style>
+        <p:txBody>
+          <a:bodyPr rtlCol="0" anchor="ctr"/>
+          <a:lstStyle/>
+          <a:p>
+            <a:pPr algn="ctr"/>
+            <a:r>
+              <a:rPr lang="en-US" sz="1050" dirty="0">
+                <a:solidFill>
+                  <a:sysClr val="windowText" lastClr="000000"/>
+                </a:solidFill>
+                <a:latin typeface="Times New Roman" panose="02020603050405020304" pitchFamily="18" charset="0"/>
+                <a:cs typeface="Times New Roman" panose="02020603050405020304" pitchFamily="18" charset="0"/>
+              </a:rPr>
+              <a:t>Output Bounding Box</a:t>
+            </a:r>
+            <a:endParaRPr lang="en-SG" sz="1050" dirty="0">
+              <a:solidFill>
+                <a:sysClr val="windowText" lastClr="000000"/>
+              </a:solidFill>
+              <a:latin typeface="Times New Roman" panose="02020603050405020304" pitchFamily="18" charset="0"/>
+              <a:cs typeface="Times New Roman" panose="02020603050405020304" pitchFamily="18" charset="0"/>
+            </a:endParaRPr>
+          </a:p>
+        </p:txBody>
+      </p:sp>
+      <p:pic>
+        <p:nvPicPr>
+          <p:cNvPr id="48" name="Picture 6">
+            <a:extLst>
+              <a:ext uri="{FF2B5EF4-FFF2-40B4-BE49-F238E27FC236}">
+                <a16:creationId xmlns:a16="http://schemas.microsoft.com/office/drawing/2014/main" id="{A2C51752-A3F3-0ECB-E921-47B0BFED8438}"/>
+              </a:ext>
+            </a:extLst>
+          </p:cNvPr>
+          <p:cNvPicPr>
+            <a:picLocks noChangeAspect="1" noChangeArrowheads="1"/>
+          </p:cNvPicPr>
+          <p:nvPr/>
+        </p:nvPicPr>
+        <p:blipFill rotWithShape="1">
+          <a:blip r:embed="rId5">
+            <a:extLst>
+              <a:ext uri="{28A0092B-C50C-407E-A947-70E740481C1C}">
+                <a14:useLocalDpi xmlns:a14="http://schemas.microsoft.com/office/drawing/2010/main" val="0"/>
+              </a:ext>
+            </a:extLst>
+          </a:blip>
+          <a:srcRect r="31165"/>
+          <a:stretch/>
+        </p:blipFill>
+        <p:spPr bwMode="auto">
+          <a:xfrm>
+            <a:off x="10311740" y="1643446"/>
+            <a:ext cx="1542044" cy="1048418"/>
+          </a:xfrm>
+          <a:prstGeom prst="rect">
+            <a:avLst/>
+          </a:prstGeom>
+          <a:noFill/>
+          <a:extLst>
+            <a:ext uri="{909E8E84-426E-40DD-AFC4-6F175D3DCCD1}">
+              <a14:hiddenFill xmlns:a14="http://schemas.microsoft.com/office/drawing/2010/main">
+                <a:solidFill>
+                  <a:srgbClr val="FFFFFF"/>
+                </a:solidFill>
+              </a14:hiddenFill>
+            </a:ext>
+          </a:extLst>
+        </p:spPr>
+      </p:pic>
+    </p:spTree>
+    <p:extLst>
+      <p:ext uri="{BB962C8B-B14F-4D97-AF65-F5344CB8AC3E}">
+        <p14:creationId xmlns:p14="http://schemas.microsoft.com/office/powerpoint/2010/main" val="1680486596"/>
+      </p:ext>
+    </p:extLst>
+  </p:cSld>
+  <p:clrMapOvr>
+    <a:masterClrMapping/>
+  </p:clrMapOvr>
+</p:sld>
+</file>
+
+<file path=ppt/slides/slide5.xml><?xml version="1.0" encoding="utf-8"?>
+<p:sld xmlns:a="http://schemas.openxmlformats.org/drawingml/2006/main" xmlns:r="http://schemas.openxmlformats.org/officeDocument/2006/relationships" xmlns:p="http://schemas.openxmlformats.org/presentationml/2006/main">
+  <p:cSld>
+    <p:spTree>
+      <p:nvGrpSpPr>
+        <p:cNvPr id="1" name=""/>
+        <p:cNvGrpSpPr/>
+        <p:nvPr/>
+      </p:nvGrpSpPr>
+      <p:grpSpPr>
+        <a:xfrm>
+          <a:off x="0" y="0"/>
+          <a:ext cx="0" cy="0"/>
+          <a:chOff x="0" y="0"/>
+          <a:chExt cx="0" cy="0"/>
+        </a:xfrm>
+      </p:grpSpPr>
+      <p:sp>
+        <p:nvSpPr>
+          <p:cNvPr id="4" name="Rectangle 3">
+            <a:extLst>
+              <a:ext uri="{FF2B5EF4-FFF2-40B4-BE49-F238E27FC236}">
+                <a16:creationId xmlns:a16="http://schemas.microsoft.com/office/drawing/2014/main" id="{4192B43C-5D18-CCEF-E90E-B2EBFB85CE4C}"/>
+              </a:ext>
+            </a:extLst>
+          </p:cNvPr>
+          <p:cNvSpPr/>
+          <p:nvPr/>
+        </p:nvSpPr>
+        <p:spPr>
+          <a:xfrm>
+            <a:off x="1634988" y="1510747"/>
+            <a:ext cx="8830915" cy="3240156"/>
+          </a:xfrm>
+          <a:prstGeom prst="rect">
+            <a:avLst/>
+          </a:prstGeom>
+          <a:solidFill>
+            <a:schemeClr val="bg1"/>
+          </a:solidFill>
+          <a:ln>
+            <a:solidFill>
+              <a:schemeClr val="tx1"/>
+            </a:solidFill>
+          </a:ln>
+        </p:spPr>
+        <p:style>
+          <a:lnRef idx="2">
+            <a:schemeClr val="accent1">
+              <a:shade val="15000"/>
+            </a:schemeClr>
+          </a:lnRef>
+          <a:fillRef idx="1">
+            <a:schemeClr val="accent1"/>
+          </a:fillRef>
+          <a:effectRef idx="0">
+            <a:schemeClr val="accent1"/>
+          </a:effectRef>
+          <a:fontRef idx="minor">
+            <a:schemeClr val="lt1"/>
+          </a:fontRef>
+        </p:style>
+        <p:txBody>
+          <a:bodyPr rtlCol="0" anchor="ctr"/>
+          <a:lstStyle/>
+          <a:p>
+            <a:pPr algn="ctr"/>
+            <a:endParaRPr lang="en-US" b="1" dirty="0">
+              <a:solidFill>
+                <a:sysClr val="windowText" lastClr="000000"/>
+              </a:solidFill>
+              <a:latin typeface="Times New Roman" panose="02020603050405020304" pitchFamily="18" charset="0"/>
+              <a:cs typeface="Times New Roman" panose="02020603050405020304" pitchFamily="18" charset="0"/>
+            </a:endParaRPr>
+          </a:p>
+          <a:p>
+            <a:pPr algn="ctr"/>
+            <a:endParaRPr lang="en-US" b="1" dirty="0">
+              <a:solidFill>
+                <a:sysClr val="windowText" lastClr="000000"/>
+              </a:solidFill>
+              <a:latin typeface="Times New Roman" panose="02020603050405020304" pitchFamily="18" charset="0"/>
+              <a:cs typeface="Times New Roman" panose="02020603050405020304" pitchFamily="18" charset="0"/>
+            </a:endParaRPr>
+          </a:p>
+          <a:p>
+            <a:pPr algn="ctr"/>
+            <a:endParaRPr lang="en-US" b="1" dirty="0">
+              <a:solidFill>
+                <a:sysClr val="windowText" lastClr="000000"/>
+              </a:solidFill>
+              <a:latin typeface="Times New Roman" panose="02020603050405020304" pitchFamily="18" charset="0"/>
+              <a:cs typeface="Times New Roman" panose="02020603050405020304" pitchFamily="18" charset="0"/>
+            </a:endParaRPr>
+          </a:p>
+          <a:p>
+            <a:pPr algn="ctr"/>
+            <a:endParaRPr lang="en-US" b="1" dirty="0">
+              <a:solidFill>
+                <a:sysClr val="windowText" lastClr="000000"/>
+              </a:solidFill>
+              <a:latin typeface="Times New Roman" panose="02020603050405020304" pitchFamily="18" charset="0"/>
+              <a:cs typeface="Times New Roman" panose="02020603050405020304" pitchFamily="18" charset="0"/>
+            </a:endParaRPr>
+          </a:p>
+          <a:p>
+            <a:pPr algn="ctr"/>
+            <a:endParaRPr lang="en-US" b="1" dirty="0">
+              <a:solidFill>
+                <a:sysClr val="windowText" lastClr="000000"/>
+              </a:solidFill>
+              <a:latin typeface="Times New Roman" panose="02020603050405020304" pitchFamily="18" charset="0"/>
+              <a:cs typeface="Times New Roman" panose="02020603050405020304" pitchFamily="18" charset="0"/>
+            </a:endParaRPr>
+          </a:p>
+          <a:p>
+            <a:pPr algn="ctr"/>
+            <a:endParaRPr lang="en-US" b="1" dirty="0">
+              <a:solidFill>
+                <a:sysClr val="windowText" lastClr="000000"/>
+              </a:solidFill>
+              <a:latin typeface="Times New Roman" panose="02020603050405020304" pitchFamily="18" charset="0"/>
+              <a:cs typeface="Times New Roman" panose="02020603050405020304" pitchFamily="18" charset="0"/>
+            </a:endParaRPr>
+          </a:p>
+          <a:p>
+            <a:pPr algn="ctr"/>
+            <a:endParaRPr lang="en-US" b="1" dirty="0">
+              <a:solidFill>
+                <a:sysClr val="windowText" lastClr="000000"/>
+              </a:solidFill>
+              <a:latin typeface="Times New Roman" panose="02020603050405020304" pitchFamily="18" charset="0"/>
+              <a:cs typeface="Times New Roman" panose="02020603050405020304" pitchFamily="18" charset="0"/>
+            </a:endParaRPr>
+          </a:p>
+          <a:p>
+            <a:pPr algn="ctr"/>
+            <a:endParaRPr lang="en-US" b="1" dirty="0">
+              <a:solidFill>
+                <a:sysClr val="windowText" lastClr="000000"/>
+              </a:solidFill>
+              <a:latin typeface="Times New Roman" panose="02020603050405020304" pitchFamily="18" charset="0"/>
+              <a:cs typeface="Times New Roman" panose="02020603050405020304" pitchFamily="18" charset="0"/>
+            </a:endParaRPr>
+          </a:p>
+          <a:p>
+            <a:pPr algn="ctr"/>
+            <a:endParaRPr lang="en-US" b="1" dirty="0">
+              <a:solidFill>
+                <a:sysClr val="windowText" lastClr="000000"/>
+              </a:solidFill>
+              <a:latin typeface="Times New Roman" panose="02020603050405020304" pitchFamily="18" charset="0"/>
+              <a:cs typeface="Times New Roman" panose="02020603050405020304" pitchFamily="18" charset="0"/>
+            </a:endParaRPr>
+          </a:p>
+          <a:p>
+            <a:pPr algn="ctr"/>
+            <a:endParaRPr lang="en-US" b="1" dirty="0">
+              <a:solidFill>
+                <a:sysClr val="windowText" lastClr="000000"/>
+              </a:solidFill>
+              <a:latin typeface="Times New Roman" panose="02020603050405020304" pitchFamily="18" charset="0"/>
+              <a:cs typeface="Times New Roman" panose="02020603050405020304" pitchFamily="18" charset="0"/>
+            </a:endParaRPr>
+          </a:p>
+          <a:p>
+            <a:pPr algn="ctr"/>
+            <a:r>
+              <a:rPr lang="en-US" b="1" dirty="0">
+                <a:solidFill>
+                  <a:sysClr val="windowText" lastClr="000000"/>
+                </a:solidFill>
+                <a:latin typeface="Times New Roman" panose="02020603050405020304" pitchFamily="18" charset="0"/>
+                <a:cs typeface="Times New Roman" panose="02020603050405020304" pitchFamily="18" charset="0"/>
+              </a:rPr>
+              <a:t>Image Processing Module</a:t>
+            </a:r>
+            <a:endParaRPr lang="en-SG" b="1" dirty="0">
+              <a:solidFill>
+                <a:sysClr val="windowText" lastClr="000000"/>
+              </a:solidFill>
+              <a:latin typeface="Times New Roman" panose="02020603050405020304" pitchFamily="18" charset="0"/>
+              <a:cs typeface="Times New Roman" panose="02020603050405020304" pitchFamily="18" charset="0"/>
+            </a:endParaRPr>
+          </a:p>
+        </p:txBody>
+      </p:sp>
+      <p:sp>
+        <p:nvSpPr>
+          <p:cNvPr id="5" name="Rectangle 4">
+            <a:extLst>
+              <a:ext uri="{FF2B5EF4-FFF2-40B4-BE49-F238E27FC236}">
+                <a16:creationId xmlns:a16="http://schemas.microsoft.com/office/drawing/2014/main" id="{6854801F-F710-4605-A688-5A471EE3A4FF}"/>
+              </a:ext>
+            </a:extLst>
+          </p:cNvPr>
+          <p:cNvSpPr/>
+          <p:nvPr/>
+        </p:nvSpPr>
+        <p:spPr>
+          <a:xfrm>
+            <a:off x="1855312" y="2817738"/>
+            <a:ext cx="1888434" cy="725557"/>
+          </a:xfrm>
+          <a:prstGeom prst="rect">
+            <a:avLst/>
+          </a:prstGeom>
+          <a:solidFill>
+            <a:schemeClr val="bg1"/>
+          </a:solidFill>
+          <a:ln>
+            <a:solidFill>
+              <a:schemeClr val="tx1"/>
+            </a:solidFill>
+          </a:ln>
+        </p:spPr>
+        <p:style>
+          <a:lnRef idx="2">
+            <a:schemeClr val="accent1">
+              <a:shade val="15000"/>
+            </a:schemeClr>
+          </a:lnRef>
+          <a:fillRef idx="1">
+            <a:schemeClr val="accent1"/>
+          </a:fillRef>
+          <a:effectRef idx="0">
+            <a:schemeClr val="accent1"/>
+          </a:effectRef>
+          <a:fontRef idx="minor">
+            <a:schemeClr val="lt1"/>
+          </a:fontRef>
+        </p:style>
+        <p:txBody>
+          <a:bodyPr rtlCol="0" anchor="ctr"/>
+          <a:lstStyle/>
+          <a:p>
+            <a:pPr algn="ctr"/>
+            <a:r>
+              <a:rPr lang="en-US" b="1" dirty="0">
+                <a:solidFill>
+                  <a:sysClr val="windowText" lastClr="000000"/>
+                </a:solidFill>
+                <a:latin typeface="Times New Roman" panose="02020603050405020304" pitchFamily="18" charset="0"/>
+                <a:cs typeface="Times New Roman" panose="02020603050405020304" pitchFamily="18" charset="0"/>
+              </a:rPr>
+              <a:t>LSeg</a:t>
+            </a:r>
+            <a:endParaRPr lang="en-SG" b="1" dirty="0">
+              <a:solidFill>
+                <a:sysClr val="windowText" lastClr="000000"/>
+              </a:solidFill>
+              <a:latin typeface="Times New Roman" panose="02020603050405020304" pitchFamily="18" charset="0"/>
+              <a:cs typeface="Times New Roman" panose="02020603050405020304" pitchFamily="18" charset="0"/>
+            </a:endParaRPr>
+          </a:p>
+        </p:txBody>
+      </p:sp>
+      <p:sp>
+        <p:nvSpPr>
+          <p:cNvPr id="6" name="Rectangle 5">
+            <a:extLst>
+              <a:ext uri="{FF2B5EF4-FFF2-40B4-BE49-F238E27FC236}">
+                <a16:creationId xmlns:a16="http://schemas.microsoft.com/office/drawing/2014/main" id="{52159D5D-2D5F-42C9-9275-AC0D094D2271}"/>
+              </a:ext>
+            </a:extLst>
+          </p:cNvPr>
+          <p:cNvSpPr/>
+          <p:nvPr/>
+        </p:nvSpPr>
+        <p:spPr>
+          <a:xfrm>
+            <a:off x="5241242" y="2117032"/>
+            <a:ext cx="5105396" cy="2126975"/>
+          </a:xfrm>
+          <a:prstGeom prst="rect">
+            <a:avLst/>
+          </a:prstGeom>
+          <a:solidFill>
+            <a:schemeClr val="bg1"/>
+          </a:solidFill>
+          <a:ln>
+            <a:solidFill>
+              <a:schemeClr val="tx1"/>
+            </a:solidFill>
+          </a:ln>
+        </p:spPr>
+        <p:style>
+          <a:lnRef idx="2">
+            <a:schemeClr val="accent1">
+              <a:shade val="15000"/>
+            </a:schemeClr>
+          </a:lnRef>
+          <a:fillRef idx="1">
+            <a:schemeClr val="accent1"/>
+          </a:fillRef>
+          <a:effectRef idx="0">
+            <a:schemeClr val="accent1"/>
+          </a:effectRef>
+          <a:fontRef idx="minor">
+            <a:schemeClr val="lt1"/>
+          </a:fontRef>
+        </p:style>
+        <p:txBody>
+          <a:bodyPr rtlCol="0" anchor="ctr"/>
+          <a:lstStyle/>
+          <a:p>
+            <a:pPr algn="ctr"/>
+            <a:endParaRPr lang="en-US" b="1" dirty="0">
+              <a:solidFill>
+                <a:sysClr val="windowText" lastClr="000000"/>
+              </a:solidFill>
+              <a:latin typeface="Times New Roman" panose="02020603050405020304" pitchFamily="18" charset="0"/>
+              <a:cs typeface="Times New Roman" panose="02020603050405020304" pitchFamily="18" charset="0"/>
+            </a:endParaRPr>
+          </a:p>
+          <a:p>
+            <a:pPr algn="ctr"/>
+            <a:endParaRPr lang="en-US" b="1" dirty="0">
+              <a:solidFill>
+                <a:sysClr val="windowText" lastClr="000000"/>
+              </a:solidFill>
+              <a:latin typeface="Times New Roman" panose="02020603050405020304" pitchFamily="18" charset="0"/>
+              <a:cs typeface="Times New Roman" panose="02020603050405020304" pitchFamily="18" charset="0"/>
+            </a:endParaRPr>
+          </a:p>
+          <a:p>
+            <a:pPr algn="ctr"/>
+            <a:endParaRPr lang="en-US" b="1" dirty="0">
+              <a:solidFill>
+                <a:sysClr val="windowText" lastClr="000000"/>
+              </a:solidFill>
+              <a:latin typeface="Times New Roman" panose="02020603050405020304" pitchFamily="18" charset="0"/>
+              <a:cs typeface="Times New Roman" panose="02020603050405020304" pitchFamily="18" charset="0"/>
+            </a:endParaRPr>
+          </a:p>
+          <a:p>
+            <a:pPr algn="ctr"/>
+            <a:endParaRPr lang="en-US" b="1" dirty="0">
+              <a:solidFill>
+                <a:sysClr val="windowText" lastClr="000000"/>
+              </a:solidFill>
+              <a:latin typeface="Times New Roman" panose="02020603050405020304" pitchFamily="18" charset="0"/>
+              <a:cs typeface="Times New Roman" panose="02020603050405020304" pitchFamily="18" charset="0"/>
+            </a:endParaRPr>
+          </a:p>
+          <a:p>
+            <a:pPr algn="ctr"/>
+            <a:endParaRPr lang="en-US" b="1" dirty="0">
+              <a:solidFill>
+                <a:sysClr val="windowText" lastClr="000000"/>
+              </a:solidFill>
+              <a:latin typeface="Times New Roman" panose="02020603050405020304" pitchFamily="18" charset="0"/>
+              <a:cs typeface="Times New Roman" panose="02020603050405020304" pitchFamily="18" charset="0"/>
+            </a:endParaRPr>
+          </a:p>
+          <a:p>
+            <a:pPr algn="ctr"/>
+            <a:endParaRPr lang="en-US" b="1" dirty="0">
+              <a:solidFill>
+                <a:sysClr val="windowText" lastClr="000000"/>
+              </a:solidFill>
+              <a:latin typeface="Times New Roman" panose="02020603050405020304" pitchFamily="18" charset="0"/>
+              <a:cs typeface="Times New Roman" panose="02020603050405020304" pitchFamily="18" charset="0"/>
+            </a:endParaRPr>
+          </a:p>
+          <a:p>
+            <a:pPr algn="ctr"/>
+            <a:r>
+              <a:rPr lang="en-US" b="1" dirty="0">
+                <a:solidFill>
+                  <a:sysClr val="windowText" lastClr="000000"/>
+                </a:solidFill>
+                <a:latin typeface="Times New Roman" panose="02020603050405020304" pitchFamily="18" charset="0"/>
+                <a:cs typeface="Times New Roman" panose="02020603050405020304" pitchFamily="18" charset="0"/>
+              </a:rPr>
+              <a:t>Bounding Box Processing</a:t>
+            </a:r>
+            <a:endParaRPr lang="en-SG" b="1" dirty="0">
+              <a:solidFill>
+                <a:sysClr val="windowText" lastClr="000000"/>
+              </a:solidFill>
+              <a:latin typeface="Times New Roman" panose="02020603050405020304" pitchFamily="18" charset="0"/>
+              <a:cs typeface="Times New Roman" panose="02020603050405020304" pitchFamily="18" charset="0"/>
+            </a:endParaRPr>
+          </a:p>
+        </p:txBody>
+      </p:sp>
+      <p:sp>
+        <p:nvSpPr>
+          <p:cNvPr id="7" name="Rectangle 6">
+            <a:extLst>
+              <a:ext uri="{FF2B5EF4-FFF2-40B4-BE49-F238E27FC236}">
+                <a16:creationId xmlns:a16="http://schemas.microsoft.com/office/drawing/2014/main" id="{81D4D631-D6B4-319D-2D5F-E368C9046D75}"/>
+              </a:ext>
+            </a:extLst>
+          </p:cNvPr>
+          <p:cNvSpPr/>
+          <p:nvPr/>
+        </p:nvSpPr>
+        <p:spPr>
+          <a:xfrm>
+            <a:off x="5489721" y="2817740"/>
+            <a:ext cx="1222508" cy="725557"/>
+          </a:xfrm>
+          <a:prstGeom prst="rect">
+            <a:avLst/>
+          </a:prstGeom>
+          <a:solidFill>
+            <a:schemeClr val="bg1"/>
+          </a:solidFill>
+          <a:ln>
+            <a:solidFill>
+              <a:schemeClr val="tx1"/>
+            </a:solidFill>
+          </a:ln>
+        </p:spPr>
+        <p:style>
+          <a:lnRef idx="2">
+            <a:schemeClr val="accent1">
+              <a:shade val="15000"/>
+            </a:schemeClr>
+          </a:lnRef>
+          <a:fillRef idx="1">
+            <a:schemeClr val="accent1"/>
+          </a:fillRef>
+          <a:effectRef idx="0">
+            <a:schemeClr val="accent1"/>
+          </a:effectRef>
+          <a:fontRef idx="minor">
+            <a:schemeClr val="lt1"/>
+          </a:fontRef>
+        </p:style>
+        <p:txBody>
+          <a:bodyPr rtlCol="0" anchor="ctr"/>
+          <a:lstStyle/>
+          <a:p>
+            <a:pPr algn="ctr"/>
+            <a:r>
+              <a:rPr lang="en-US" sz="1600" b="1" dirty="0">
+                <a:solidFill>
+                  <a:sysClr val="windowText" lastClr="000000"/>
+                </a:solidFill>
+                <a:latin typeface="Times New Roman" panose="02020603050405020304" pitchFamily="18" charset="0"/>
+                <a:cs typeface="Times New Roman" panose="02020603050405020304" pitchFamily="18" charset="0"/>
+              </a:rPr>
+              <a:t>Extraction</a:t>
+            </a:r>
+            <a:endParaRPr lang="en-SG" sz="1600" b="1" dirty="0">
+              <a:solidFill>
+                <a:sysClr val="windowText" lastClr="000000"/>
+              </a:solidFill>
+              <a:latin typeface="Times New Roman" panose="02020603050405020304" pitchFamily="18" charset="0"/>
+              <a:cs typeface="Times New Roman" panose="02020603050405020304" pitchFamily="18" charset="0"/>
+            </a:endParaRPr>
+          </a:p>
+        </p:txBody>
+      </p:sp>
+      <p:sp>
+        <p:nvSpPr>
+          <p:cNvPr id="8" name="Rectangle 7">
+            <a:extLst>
+              <a:ext uri="{FF2B5EF4-FFF2-40B4-BE49-F238E27FC236}">
+                <a16:creationId xmlns:a16="http://schemas.microsoft.com/office/drawing/2014/main" id="{D257501A-B181-8E75-43DE-A7329F3ED87C}"/>
+              </a:ext>
+            </a:extLst>
+          </p:cNvPr>
+          <p:cNvSpPr/>
+          <p:nvPr/>
+        </p:nvSpPr>
+        <p:spPr>
+          <a:xfrm>
+            <a:off x="7093232" y="2817738"/>
+            <a:ext cx="1156247" cy="725557"/>
+          </a:xfrm>
+          <a:prstGeom prst="rect">
+            <a:avLst/>
+          </a:prstGeom>
+          <a:solidFill>
+            <a:schemeClr val="bg1"/>
+          </a:solidFill>
+          <a:ln>
+            <a:solidFill>
+              <a:schemeClr val="tx1"/>
+            </a:solidFill>
+          </a:ln>
+        </p:spPr>
+        <p:style>
+          <a:lnRef idx="2">
+            <a:schemeClr val="accent1">
+              <a:shade val="15000"/>
+            </a:schemeClr>
+          </a:lnRef>
+          <a:fillRef idx="1">
+            <a:schemeClr val="accent1"/>
+          </a:fillRef>
+          <a:effectRef idx="0">
+            <a:schemeClr val="accent1"/>
+          </a:effectRef>
+          <a:fontRef idx="minor">
+            <a:schemeClr val="lt1"/>
+          </a:fontRef>
+        </p:style>
+        <p:txBody>
+          <a:bodyPr rtlCol="0" anchor="ctr"/>
+          <a:lstStyle/>
+          <a:p>
+            <a:pPr algn="ctr"/>
+            <a:r>
+              <a:rPr lang="en-US" sz="1600" b="1" dirty="0">
+                <a:solidFill>
+                  <a:sysClr val="windowText" lastClr="000000"/>
+                </a:solidFill>
+                <a:latin typeface="Times New Roman" panose="02020603050405020304" pitchFamily="18" charset="0"/>
+                <a:cs typeface="Times New Roman" panose="02020603050405020304" pitchFamily="18" charset="0"/>
+              </a:rPr>
+              <a:t>Instancing</a:t>
+            </a:r>
+            <a:endParaRPr lang="en-SG" sz="1600" b="1" dirty="0">
+              <a:solidFill>
+                <a:sysClr val="windowText" lastClr="000000"/>
+              </a:solidFill>
+              <a:latin typeface="Times New Roman" panose="02020603050405020304" pitchFamily="18" charset="0"/>
+              <a:cs typeface="Times New Roman" panose="02020603050405020304" pitchFamily="18" charset="0"/>
+            </a:endParaRPr>
+          </a:p>
+        </p:txBody>
+      </p:sp>
+      <p:sp>
+        <p:nvSpPr>
+          <p:cNvPr id="9" name="Rectangle 8">
+            <a:extLst>
+              <a:ext uri="{FF2B5EF4-FFF2-40B4-BE49-F238E27FC236}">
+                <a16:creationId xmlns:a16="http://schemas.microsoft.com/office/drawing/2014/main" id="{2A4BCDEB-EF72-E33B-9F75-7C7D8F620C84}"/>
+              </a:ext>
+            </a:extLst>
+          </p:cNvPr>
+          <p:cNvSpPr/>
+          <p:nvPr/>
+        </p:nvSpPr>
+        <p:spPr>
+          <a:xfrm>
+            <a:off x="8686803" y="2817738"/>
+            <a:ext cx="1446135" cy="725557"/>
+          </a:xfrm>
+          <a:prstGeom prst="rect">
+            <a:avLst/>
+          </a:prstGeom>
+          <a:solidFill>
+            <a:schemeClr val="bg1"/>
+          </a:solidFill>
+          <a:ln>
+            <a:solidFill>
+              <a:schemeClr val="tx1"/>
+            </a:solidFill>
+          </a:ln>
+        </p:spPr>
+        <p:style>
+          <a:lnRef idx="2">
+            <a:schemeClr val="accent1">
+              <a:shade val="15000"/>
+            </a:schemeClr>
+          </a:lnRef>
+          <a:fillRef idx="1">
+            <a:schemeClr val="accent1"/>
+          </a:fillRef>
+          <a:effectRef idx="0">
+            <a:schemeClr val="accent1"/>
+          </a:effectRef>
+          <a:fontRef idx="minor">
+            <a:schemeClr val="lt1"/>
+          </a:fontRef>
+        </p:style>
+        <p:txBody>
+          <a:bodyPr rtlCol="0" anchor="ctr"/>
+          <a:lstStyle/>
+          <a:p>
+            <a:pPr algn="ctr"/>
+            <a:r>
+              <a:rPr lang="en-US" sz="1600" b="1" dirty="0">
+                <a:solidFill>
+                  <a:sysClr val="windowText" lastClr="000000"/>
+                </a:solidFill>
+                <a:latin typeface="Times New Roman" panose="02020603050405020304" pitchFamily="18" charset="0"/>
+                <a:cs typeface="Times New Roman" panose="02020603050405020304" pitchFamily="18" charset="0"/>
+              </a:rPr>
+              <a:t>Optimization</a:t>
+            </a:r>
+            <a:endParaRPr lang="en-SG" sz="1600" b="1" dirty="0">
+              <a:solidFill>
+                <a:sysClr val="windowText" lastClr="000000"/>
+              </a:solidFill>
+              <a:latin typeface="Times New Roman" panose="02020603050405020304" pitchFamily="18" charset="0"/>
+              <a:cs typeface="Times New Roman" panose="02020603050405020304" pitchFamily="18" charset="0"/>
+            </a:endParaRPr>
+          </a:p>
+        </p:txBody>
+      </p:sp>
+      <p:cxnSp>
+        <p:nvCxnSpPr>
+          <p:cNvPr id="10" name="Straight Arrow Connector 9">
+            <a:extLst>
+              <a:ext uri="{FF2B5EF4-FFF2-40B4-BE49-F238E27FC236}">
+                <a16:creationId xmlns:a16="http://schemas.microsoft.com/office/drawing/2014/main" id="{ACE7FA5C-A902-5ECD-FABE-145C086957B3}"/>
+              </a:ext>
+            </a:extLst>
+          </p:cNvPr>
+          <p:cNvCxnSpPr>
+            <a:cxnSpLocks/>
+            <a:stCxn id="19" idx="3"/>
+            <a:endCxn id="5" idx="1"/>
+          </p:cNvCxnSpPr>
+          <p:nvPr/>
+        </p:nvCxnSpPr>
+        <p:spPr>
+          <a:xfrm>
+            <a:off x="771946" y="3180517"/>
+            <a:ext cx="1083366" cy="0"/>
+          </a:xfrm>
+          <a:prstGeom prst="straightConnector1">
+            <a:avLst/>
+          </a:prstGeom>
+          <a:ln>
+            <a:solidFill>
+              <a:schemeClr val="tx1"/>
+            </a:solidFill>
+            <a:tailEnd type="triangle"/>
+          </a:ln>
+        </p:spPr>
+        <p:style>
+          <a:lnRef idx="1">
+            <a:schemeClr val="accent1"/>
+          </a:lnRef>
+          <a:fillRef idx="0">
+            <a:schemeClr val="accent1"/>
+          </a:fillRef>
+          <a:effectRef idx="0">
+            <a:schemeClr val="accent1"/>
+          </a:effectRef>
+          <a:fontRef idx="minor">
+            <a:schemeClr val="tx1"/>
+          </a:fontRef>
+        </p:style>
+      </p:cxnSp>
+      <p:cxnSp>
+        <p:nvCxnSpPr>
+          <p:cNvPr id="16" name="Connector: Elbow 15">
+            <a:extLst>
+              <a:ext uri="{FF2B5EF4-FFF2-40B4-BE49-F238E27FC236}">
+                <a16:creationId xmlns:a16="http://schemas.microsoft.com/office/drawing/2014/main" id="{3CE745EE-7241-72F7-8613-5AFE37FDA233}"/>
+              </a:ext>
+            </a:extLst>
+          </p:cNvPr>
+          <p:cNvCxnSpPr>
+            <a:cxnSpLocks/>
+            <a:stCxn id="20" idx="3"/>
+            <a:endCxn id="5" idx="0"/>
+          </p:cNvCxnSpPr>
+          <p:nvPr/>
+        </p:nvCxnSpPr>
+        <p:spPr>
+          <a:xfrm>
+            <a:off x="806731" y="2365514"/>
+            <a:ext cx="1992798" cy="452224"/>
+          </a:xfrm>
+          <a:prstGeom prst="bentConnector2">
+            <a:avLst/>
+          </a:prstGeom>
+          <a:ln>
+            <a:solidFill>
+              <a:schemeClr val="tx1"/>
+            </a:solidFill>
+            <a:tailEnd type="triangle"/>
+          </a:ln>
+        </p:spPr>
+        <p:style>
+          <a:lnRef idx="1">
+            <a:schemeClr val="accent1"/>
+          </a:lnRef>
+          <a:fillRef idx="0">
+            <a:schemeClr val="accent1"/>
+          </a:fillRef>
+          <a:effectRef idx="0">
+            <a:schemeClr val="accent1"/>
+          </a:effectRef>
+          <a:fontRef idx="minor">
+            <a:schemeClr val="tx1"/>
+          </a:fontRef>
+        </p:style>
+      </p:cxnSp>
+      <p:sp>
+        <p:nvSpPr>
+          <p:cNvPr id="19" name="Rectangle 18">
+            <a:extLst>
+              <a:ext uri="{FF2B5EF4-FFF2-40B4-BE49-F238E27FC236}">
+                <a16:creationId xmlns:a16="http://schemas.microsoft.com/office/drawing/2014/main" id="{F0D19E8D-FCA5-B850-BA4A-601F2CDE3B77}"/>
+              </a:ext>
+            </a:extLst>
+          </p:cNvPr>
+          <p:cNvSpPr/>
+          <p:nvPr/>
+        </p:nvSpPr>
+        <p:spPr>
+          <a:xfrm>
+            <a:off x="-56312" y="2932036"/>
+            <a:ext cx="828258" cy="496962"/>
+          </a:xfrm>
+          <a:prstGeom prst="rect">
+            <a:avLst/>
+          </a:prstGeom>
+          <a:noFill/>
+          <a:ln>
+            <a:noFill/>
+          </a:ln>
+        </p:spPr>
+        <p:style>
+          <a:lnRef idx="2">
+            <a:schemeClr val="accent1">
+              <a:shade val="15000"/>
+            </a:schemeClr>
+          </a:lnRef>
+          <a:fillRef idx="1">
+            <a:schemeClr val="accent1"/>
+          </a:fillRef>
+          <a:effectRef idx="0">
+            <a:schemeClr val="accent1"/>
+          </a:effectRef>
+          <a:fontRef idx="minor">
+            <a:schemeClr val="lt1"/>
+          </a:fontRef>
+        </p:style>
+        <p:txBody>
+          <a:bodyPr rtlCol="0" anchor="ctr"/>
+          <a:lstStyle/>
+          <a:p>
+            <a:pPr algn="ctr"/>
+            <a:r>
+              <a:rPr lang="en-US" dirty="0">
+                <a:solidFill>
+                  <a:sysClr val="windowText" lastClr="000000"/>
+                </a:solidFill>
+                <a:latin typeface="Times New Roman" panose="02020603050405020304" pitchFamily="18" charset="0"/>
+                <a:cs typeface="Times New Roman" panose="02020603050405020304" pitchFamily="18" charset="0"/>
+              </a:rPr>
+              <a:t>Noun Labels</a:t>
+            </a:r>
+            <a:endParaRPr lang="en-SG" dirty="0">
+              <a:solidFill>
+                <a:sysClr val="windowText" lastClr="000000"/>
+              </a:solidFill>
+              <a:latin typeface="Times New Roman" panose="02020603050405020304" pitchFamily="18" charset="0"/>
+              <a:cs typeface="Times New Roman" panose="02020603050405020304" pitchFamily="18" charset="0"/>
+            </a:endParaRPr>
+          </a:p>
+        </p:txBody>
+      </p:sp>
+      <p:sp>
+        <p:nvSpPr>
+          <p:cNvPr id="20" name="Rectangle 19">
+            <a:extLst>
+              <a:ext uri="{FF2B5EF4-FFF2-40B4-BE49-F238E27FC236}">
+                <a16:creationId xmlns:a16="http://schemas.microsoft.com/office/drawing/2014/main" id="{98B5D49B-0C02-28B8-519F-917ADCC672AC}"/>
+              </a:ext>
+            </a:extLst>
+          </p:cNvPr>
+          <p:cNvSpPr/>
+          <p:nvPr/>
+        </p:nvSpPr>
+        <p:spPr>
+          <a:xfrm>
+            <a:off x="-21527" y="2117033"/>
+            <a:ext cx="828258" cy="496962"/>
+          </a:xfrm>
+          <a:prstGeom prst="rect">
+            <a:avLst/>
+          </a:prstGeom>
+          <a:noFill/>
+          <a:ln>
+            <a:noFill/>
+          </a:ln>
+        </p:spPr>
+        <p:style>
+          <a:lnRef idx="2">
+            <a:schemeClr val="accent1">
+              <a:shade val="15000"/>
+            </a:schemeClr>
+          </a:lnRef>
+          <a:fillRef idx="1">
+            <a:schemeClr val="accent1"/>
+          </a:fillRef>
+          <a:effectRef idx="0">
+            <a:schemeClr val="accent1"/>
+          </a:effectRef>
+          <a:fontRef idx="minor">
+            <a:schemeClr val="lt1"/>
+          </a:fontRef>
+        </p:style>
+        <p:txBody>
+          <a:bodyPr rtlCol="0" anchor="ctr"/>
+          <a:lstStyle/>
+          <a:p>
+            <a:pPr algn="ctr"/>
+            <a:r>
+              <a:rPr lang="en-US" dirty="0">
+                <a:solidFill>
+                  <a:sysClr val="windowText" lastClr="000000"/>
+                </a:solidFill>
+                <a:latin typeface="Times New Roman" panose="02020603050405020304" pitchFamily="18" charset="0"/>
+                <a:cs typeface="Times New Roman" panose="02020603050405020304" pitchFamily="18" charset="0"/>
+              </a:rPr>
+              <a:t>Image</a:t>
+            </a:r>
+            <a:endParaRPr lang="en-SG" dirty="0">
+              <a:solidFill>
+                <a:sysClr val="windowText" lastClr="000000"/>
+              </a:solidFill>
+              <a:latin typeface="Times New Roman" panose="02020603050405020304" pitchFamily="18" charset="0"/>
+              <a:cs typeface="Times New Roman" panose="02020603050405020304" pitchFamily="18" charset="0"/>
+            </a:endParaRPr>
+          </a:p>
+        </p:txBody>
+      </p:sp>
+      <p:sp>
+        <p:nvSpPr>
+          <p:cNvPr id="21" name="Rectangle 20">
+            <a:extLst>
+              <a:ext uri="{FF2B5EF4-FFF2-40B4-BE49-F238E27FC236}">
+                <a16:creationId xmlns:a16="http://schemas.microsoft.com/office/drawing/2014/main" id="{F3771CE6-5F42-9D3D-CCAD-45E056EC2888}"/>
+              </a:ext>
+            </a:extLst>
+          </p:cNvPr>
+          <p:cNvSpPr/>
+          <p:nvPr/>
+        </p:nvSpPr>
+        <p:spPr>
+          <a:xfrm>
+            <a:off x="3692404" y="3225241"/>
+            <a:ext cx="1368271" cy="496962"/>
+          </a:xfrm>
+          <a:prstGeom prst="rect">
+            <a:avLst/>
+          </a:prstGeom>
+          <a:noFill/>
+          <a:ln>
+            <a:noFill/>
+          </a:ln>
+        </p:spPr>
+        <p:style>
+          <a:lnRef idx="2">
+            <a:schemeClr val="accent1">
+              <a:shade val="15000"/>
+            </a:schemeClr>
+          </a:lnRef>
+          <a:fillRef idx="1">
+            <a:schemeClr val="accent1"/>
+          </a:fillRef>
+          <a:effectRef idx="0">
+            <a:schemeClr val="accent1"/>
+          </a:effectRef>
+          <a:fontRef idx="minor">
+            <a:schemeClr val="lt1"/>
+          </a:fontRef>
+        </p:style>
+        <p:txBody>
+          <a:bodyPr rtlCol="0" anchor="ctr"/>
+          <a:lstStyle/>
+          <a:p>
+            <a:pPr algn="ctr"/>
+            <a:r>
+              <a:rPr lang="en-US" sz="1400" dirty="0">
+                <a:solidFill>
+                  <a:sysClr val="windowText" lastClr="000000"/>
+                </a:solidFill>
+                <a:latin typeface="Times New Roman" panose="02020603050405020304" pitchFamily="18" charset="0"/>
+                <a:cs typeface="Times New Roman" panose="02020603050405020304" pitchFamily="18" charset="0"/>
+              </a:rPr>
+              <a:t>Segmentation Map</a:t>
+            </a:r>
+            <a:endParaRPr lang="en-SG" sz="1400" dirty="0">
+              <a:solidFill>
+                <a:sysClr val="windowText" lastClr="000000"/>
+              </a:solidFill>
+              <a:latin typeface="Times New Roman" panose="02020603050405020304" pitchFamily="18" charset="0"/>
+              <a:cs typeface="Times New Roman" panose="02020603050405020304" pitchFamily="18" charset="0"/>
+            </a:endParaRPr>
+          </a:p>
+        </p:txBody>
+      </p:sp>
+      <p:cxnSp>
+        <p:nvCxnSpPr>
+          <p:cNvPr id="26" name="Straight Arrow Connector 25">
+            <a:extLst>
+              <a:ext uri="{FF2B5EF4-FFF2-40B4-BE49-F238E27FC236}">
+                <a16:creationId xmlns:a16="http://schemas.microsoft.com/office/drawing/2014/main" id="{3A35296D-D867-3E08-840F-4FD69A769494}"/>
+              </a:ext>
+            </a:extLst>
+          </p:cNvPr>
+          <p:cNvCxnSpPr>
+            <a:cxnSpLocks/>
+            <a:stCxn id="5" idx="3"/>
+            <a:endCxn id="7" idx="1"/>
+          </p:cNvCxnSpPr>
+          <p:nvPr/>
+        </p:nvCxnSpPr>
+        <p:spPr>
+          <a:xfrm>
+            <a:off x="3743746" y="3180517"/>
+            <a:ext cx="1745975" cy="2"/>
+          </a:xfrm>
+          <a:prstGeom prst="straightConnector1">
+            <a:avLst/>
+          </a:prstGeom>
+          <a:ln>
+            <a:solidFill>
+              <a:schemeClr val="tx1"/>
+            </a:solidFill>
+            <a:tailEnd type="triangle"/>
+          </a:ln>
+        </p:spPr>
+        <p:style>
+          <a:lnRef idx="1">
+            <a:schemeClr val="accent1"/>
+          </a:lnRef>
+          <a:fillRef idx="0">
+            <a:schemeClr val="accent1"/>
+          </a:fillRef>
+          <a:effectRef idx="0">
+            <a:schemeClr val="accent1"/>
+          </a:effectRef>
+          <a:fontRef idx="minor">
+            <a:schemeClr val="tx1"/>
+          </a:fontRef>
+        </p:style>
+      </p:cxnSp>
+      <p:cxnSp>
+        <p:nvCxnSpPr>
+          <p:cNvPr id="29" name="Straight Arrow Connector 28">
+            <a:extLst>
+              <a:ext uri="{FF2B5EF4-FFF2-40B4-BE49-F238E27FC236}">
+                <a16:creationId xmlns:a16="http://schemas.microsoft.com/office/drawing/2014/main" id="{5B6A66F2-B4CB-1183-CD69-3F8494B1F2BD}"/>
+              </a:ext>
+            </a:extLst>
+          </p:cNvPr>
+          <p:cNvCxnSpPr>
+            <a:cxnSpLocks/>
+            <a:stCxn id="7" idx="3"/>
+            <a:endCxn id="8" idx="1"/>
+          </p:cNvCxnSpPr>
+          <p:nvPr/>
+        </p:nvCxnSpPr>
+        <p:spPr>
+          <a:xfrm flipV="1">
+            <a:off x="6712229" y="3180517"/>
+            <a:ext cx="381003" cy="2"/>
+          </a:xfrm>
+          <a:prstGeom prst="straightConnector1">
+            <a:avLst/>
+          </a:prstGeom>
+          <a:ln>
+            <a:solidFill>
+              <a:schemeClr val="tx1"/>
+            </a:solidFill>
+            <a:tailEnd type="triangle"/>
+          </a:ln>
+        </p:spPr>
+        <p:style>
+          <a:lnRef idx="1">
+            <a:schemeClr val="accent1"/>
+          </a:lnRef>
+          <a:fillRef idx="0">
+            <a:schemeClr val="accent1"/>
+          </a:fillRef>
+          <a:effectRef idx="0">
+            <a:schemeClr val="accent1"/>
+          </a:effectRef>
+          <a:fontRef idx="minor">
+            <a:schemeClr val="tx1"/>
+          </a:fontRef>
+        </p:style>
+      </p:cxnSp>
+      <p:cxnSp>
+        <p:nvCxnSpPr>
+          <p:cNvPr id="33" name="Straight Arrow Connector 32">
+            <a:extLst>
+              <a:ext uri="{FF2B5EF4-FFF2-40B4-BE49-F238E27FC236}">
+                <a16:creationId xmlns:a16="http://schemas.microsoft.com/office/drawing/2014/main" id="{0A42F4EE-D591-802D-9828-DE70BCF7FBE3}"/>
+              </a:ext>
+            </a:extLst>
+          </p:cNvPr>
+          <p:cNvCxnSpPr>
+            <a:cxnSpLocks/>
+            <a:stCxn id="8" idx="3"/>
+            <a:endCxn id="9" idx="1"/>
+          </p:cNvCxnSpPr>
+          <p:nvPr/>
+        </p:nvCxnSpPr>
+        <p:spPr>
+          <a:xfrm>
+            <a:off x="8249479" y="3180517"/>
+            <a:ext cx="437324" cy="0"/>
+          </a:xfrm>
+          <a:prstGeom prst="straightConnector1">
+            <a:avLst/>
+          </a:prstGeom>
+          <a:ln>
+            <a:solidFill>
+              <a:schemeClr val="tx1"/>
+            </a:solidFill>
+            <a:tailEnd type="triangle"/>
+          </a:ln>
+        </p:spPr>
+        <p:style>
+          <a:lnRef idx="1">
+            <a:schemeClr val="accent1"/>
+          </a:lnRef>
+          <a:fillRef idx="0">
+            <a:schemeClr val="accent1"/>
+          </a:fillRef>
+          <a:effectRef idx="0">
+            <a:schemeClr val="accent1"/>
+          </a:effectRef>
+          <a:fontRef idx="minor">
+            <a:schemeClr val="tx1"/>
+          </a:fontRef>
+        </p:style>
+      </p:cxnSp>
+      <p:cxnSp>
+        <p:nvCxnSpPr>
+          <p:cNvPr id="37" name="Straight Arrow Connector 36">
+            <a:extLst>
+              <a:ext uri="{FF2B5EF4-FFF2-40B4-BE49-F238E27FC236}">
+                <a16:creationId xmlns:a16="http://schemas.microsoft.com/office/drawing/2014/main" id="{E073A8F2-BE8B-49DE-F843-66EC58B75B0A}"/>
+              </a:ext>
+            </a:extLst>
+          </p:cNvPr>
+          <p:cNvCxnSpPr>
+            <a:cxnSpLocks/>
+            <a:stCxn id="9" idx="3"/>
+            <a:endCxn id="40" idx="1"/>
+          </p:cNvCxnSpPr>
+          <p:nvPr/>
+        </p:nvCxnSpPr>
+        <p:spPr>
+          <a:xfrm flipV="1">
+            <a:off x="10132938" y="3175546"/>
+            <a:ext cx="773603" cy="4971"/>
+          </a:xfrm>
+          <a:prstGeom prst="straightConnector1">
+            <a:avLst/>
+          </a:prstGeom>
+          <a:ln>
+            <a:solidFill>
+              <a:schemeClr val="tx1"/>
+            </a:solidFill>
+            <a:tailEnd type="triangle"/>
+          </a:ln>
+        </p:spPr>
+        <p:style>
+          <a:lnRef idx="1">
+            <a:schemeClr val="accent1"/>
+          </a:lnRef>
+          <a:fillRef idx="0">
+            <a:schemeClr val="accent1"/>
+          </a:fillRef>
+          <a:effectRef idx="0">
+            <a:schemeClr val="accent1"/>
+          </a:effectRef>
+          <a:fontRef idx="minor">
+            <a:schemeClr val="tx1"/>
+          </a:fontRef>
+        </p:style>
+      </p:cxnSp>
+      <p:sp>
+        <p:nvSpPr>
+          <p:cNvPr id="40" name="Rectangle 39">
+            <a:extLst>
+              <a:ext uri="{FF2B5EF4-FFF2-40B4-BE49-F238E27FC236}">
+                <a16:creationId xmlns:a16="http://schemas.microsoft.com/office/drawing/2014/main" id="{8D5FA92A-0E6B-8DDC-AD1A-58F117AEDC60}"/>
+              </a:ext>
+            </a:extLst>
+          </p:cNvPr>
+          <p:cNvSpPr/>
+          <p:nvPr/>
+        </p:nvSpPr>
+        <p:spPr>
+          <a:xfrm>
+            <a:off x="10906541" y="2927065"/>
+            <a:ext cx="1325209" cy="496962"/>
+          </a:xfrm>
+          <a:prstGeom prst="rect">
+            <a:avLst/>
+          </a:prstGeom>
+          <a:noFill/>
+          <a:ln>
+            <a:noFill/>
+          </a:ln>
+        </p:spPr>
+        <p:style>
+          <a:lnRef idx="2">
+            <a:schemeClr val="accent1">
+              <a:shade val="15000"/>
+            </a:schemeClr>
+          </a:lnRef>
+          <a:fillRef idx="1">
+            <a:schemeClr val="accent1"/>
+          </a:fillRef>
+          <a:effectRef idx="0">
+            <a:schemeClr val="accent1"/>
+          </a:effectRef>
+          <a:fontRef idx="minor">
+            <a:schemeClr val="lt1"/>
+          </a:fontRef>
+        </p:style>
+        <p:txBody>
+          <a:bodyPr rtlCol="0" anchor="ctr"/>
+          <a:lstStyle/>
+          <a:p>
+            <a:pPr algn="ctr"/>
+            <a:r>
+              <a:rPr lang="en-US" dirty="0">
+                <a:solidFill>
+                  <a:sysClr val="windowText" lastClr="000000"/>
+                </a:solidFill>
+                <a:latin typeface="Times New Roman" panose="02020603050405020304" pitchFamily="18" charset="0"/>
+                <a:cs typeface="Times New Roman" panose="02020603050405020304" pitchFamily="18" charset="0"/>
+              </a:rPr>
+              <a:t>Bounding Boxes</a:t>
+            </a:r>
+            <a:endParaRPr lang="en-SG" dirty="0">
+              <a:solidFill>
+                <a:sysClr val="windowText" lastClr="000000"/>
+              </a:solidFill>
+              <a:latin typeface="Times New Roman" panose="02020603050405020304" pitchFamily="18" charset="0"/>
+              <a:cs typeface="Times New Roman" panose="02020603050405020304" pitchFamily="18" charset="0"/>
+            </a:endParaRPr>
+          </a:p>
+        </p:txBody>
+      </p:sp>
+    </p:spTree>
+    <p:extLst>
+      <p:ext uri="{BB962C8B-B14F-4D97-AF65-F5344CB8AC3E}">
+        <p14:creationId xmlns:p14="http://schemas.microsoft.com/office/powerpoint/2010/main" val="3901219955"/>
+      </p:ext>
+    </p:extLst>
+  </p:cSld>
+  <p:clrMapOvr>
+    <a:masterClrMapping/>
+  </p:clrMapOvr>
+</p:sld>
+</file>
+
+<file path=ppt/slides/slide6.xml><?xml version="1.0" encoding="utf-8"?>
+<p:sld xmlns:a="http://schemas.openxmlformats.org/drawingml/2006/main" xmlns:r="http://schemas.openxmlformats.org/officeDocument/2006/relationships" xmlns:p="http://schemas.openxmlformats.org/presentationml/2006/main">
+  <p:cSld>
+    <p:spTree>
+      <p:nvGrpSpPr>
+        <p:cNvPr id="1" name=""/>
+        <p:cNvGrpSpPr/>
+        <p:nvPr/>
+      </p:nvGrpSpPr>
+      <p:grpSpPr>
+        <a:xfrm>
+          <a:off x="0" y="0"/>
+          <a:ext cx="0" cy="0"/>
+          <a:chOff x="0" y="0"/>
+          <a:chExt cx="0" cy="0"/>
+        </a:xfrm>
+      </p:grpSpPr>
+      <p:sp>
+        <p:nvSpPr>
           <p:cNvPr id="5" name="Rectangle 4">
             <a:extLst>
               <a:ext uri="{FF2B5EF4-FFF2-40B4-BE49-F238E27FC236}">
@@ -8840,6 +11688,1441 @@
     <p:extLst>
       <p:ext uri="{BB962C8B-B14F-4D97-AF65-F5344CB8AC3E}">
         <p14:creationId xmlns:p14="http://schemas.microsoft.com/office/powerpoint/2010/main" val="2174691394"/>
+      </p:ext>
+    </p:extLst>
+  </p:cSld>
+  <p:clrMapOvr>
+    <a:masterClrMapping/>
+  </p:clrMapOvr>
+</p:sld>
+</file>
+
+<file path=ppt/slides/slide7.xml><?xml version="1.0" encoding="utf-8"?>
+<p:sld xmlns:a="http://schemas.openxmlformats.org/drawingml/2006/main" xmlns:r="http://schemas.openxmlformats.org/officeDocument/2006/relationships" xmlns:p="http://schemas.openxmlformats.org/presentationml/2006/main">
+  <p:cSld>
+    <p:spTree>
+      <p:nvGrpSpPr>
+        <p:cNvPr id="1" name=""/>
+        <p:cNvGrpSpPr/>
+        <p:nvPr/>
+      </p:nvGrpSpPr>
+      <p:grpSpPr>
+        <a:xfrm>
+          <a:off x="0" y="0"/>
+          <a:ext cx="0" cy="0"/>
+          <a:chOff x="0" y="0"/>
+          <a:chExt cx="0" cy="0"/>
+        </a:xfrm>
+      </p:grpSpPr>
+      <p:sp>
+        <p:nvSpPr>
+          <p:cNvPr id="5" name="Rectangle 4">
+            <a:extLst>
+              <a:ext uri="{FF2B5EF4-FFF2-40B4-BE49-F238E27FC236}">
+                <a16:creationId xmlns:a16="http://schemas.microsoft.com/office/drawing/2014/main" id="{B0290712-EB9B-5FF2-B955-4AB6F0A71869}"/>
+              </a:ext>
+            </a:extLst>
+          </p:cNvPr>
+          <p:cNvSpPr/>
+          <p:nvPr/>
+        </p:nvSpPr>
+        <p:spPr>
+          <a:xfrm>
+            <a:off x="2673996" y="2802859"/>
+            <a:ext cx="1273453" cy="725557"/>
+          </a:xfrm>
+          <a:prstGeom prst="rect">
+            <a:avLst/>
+          </a:prstGeom>
+          <a:solidFill>
+            <a:schemeClr val="bg1"/>
+          </a:solidFill>
+          <a:ln>
+            <a:solidFill>
+              <a:schemeClr val="tx1"/>
+            </a:solidFill>
+          </a:ln>
+        </p:spPr>
+        <p:style>
+          <a:lnRef idx="2">
+            <a:schemeClr val="accent1">
+              <a:shade val="15000"/>
+            </a:schemeClr>
+          </a:lnRef>
+          <a:fillRef idx="1">
+            <a:schemeClr val="accent1"/>
+          </a:fillRef>
+          <a:effectRef idx="0">
+            <a:schemeClr val="accent1"/>
+          </a:effectRef>
+          <a:fontRef idx="minor">
+            <a:schemeClr val="lt1"/>
+          </a:fontRef>
+        </p:style>
+        <p:txBody>
+          <a:bodyPr rtlCol="0" anchor="ctr"/>
+          <a:lstStyle/>
+          <a:p>
+            <a:pPr algn="ctr"/>
+            <a:r>
+              <a:rPr lang="en-US" sz="1400" b="1" dirty="0">
+                <a:solidFill>
+                  <a:sysClr val="windowText" lastClr="000000"/>
+                </a:solidFill>
+                <a:latin typeface="Times New Roman" panose="02020603050405020304" pitchFamily="18" charset="0"/>
+                <a:cs typeface="Times New Roman" panose="02020603050405020304" pitchFamily="18" charset="0"/>
+              </a:rPr>
+              <a:t>Semantic Segmentation</a:t>
+            </a:r>
+            <a:endParaRPr lang="en-SG" sz="1400" b="1" dirty="0">
+              <a:solidFill>
+                <a:sysClr val="windowText" lastClr="000000"/>
+              </a:solidFill>
+              <a:latin typeface="Times New Roman" panose="02020603050405020304" pitchFamily="18" charset="0"/>
+              <a:cs typeface="Times New Roman" panose="02020603050405020304" pitchFamily="18" charset="0"/>
+            </a:endParaRPr>
+          </a:p>
+        </p:txBody>
+      </p:sp>
+      <p:sp>
+        <p:nvSpPr>
+          <p:cNvPr id="6" name="Rectangle 5">
+            <a:extLst>
+              <a:ext uri="{FF2B5EF4-FFF2-40B4-BE49-F238E27FC236}">
+                <a16:creationId xmlns:a16="http://schemas.microsoft.com/office/drawing/2014/main" id="{4C61354D-DC76-EDDD-7CD9-08E6D274C8BC}"/>
+              </a:ext>
+            </a:extLst>
+          </p:cNvPr>
+          <p:cNvSpPr/>
+          <p:nvPr/>
+        </p:nvSpPr>
+        <p:spPr>
+          <a:xfrm>
+            <a:off x="7922988" y="2808668"/>
+            <a:ext cx="1634853" cy="704253"/>
+          </a:xfrm>
+          <a:prstGeom prst="rect">
+            <a:avLst/>
+          </a:prstGeom>
+          <a:solidFill>
+            <a:schemeClr val="bg1"/>
+          </a:solidFill>
+          <a:ln>
+            <a:solidFill>
+              <a:schemeClr val="tx1"/>
+            </a:solidFill>
+          </a:ln>
+        </p:spPr>
+        <p:style>
+          <a:lnRef idx="2">
+            <a:schemeClr val="accent1">
+              <a:shade val="15000"/>
+            </a:schemeClr>
+          </a:lnRef>
+          <a:fillRef idx="1">
+            <a:schemeClr val="accent1"/>
+          </a:fillRef>
+          <a:effectRef idx="0">
+            <a:schemeClr val="accent1"/>
+          </a:effectRef>
+          <a:fontRef idx="minor">
+            <a:schemeClr val="lt1"/>
+          </a:fontRef>
+        </p:style>
+        <p:txBody>
+          <a:bodyPr rtlCol="0" anchor="ctr"/>
+          <a:lstStyle/>
+          <a:p>
+            <a:pPr algn="ctr"/>
+            <a:r>
+              <a:rPr lang="en-US" sz="1400" b="1" dirty="0">
+                <a:solidFill>
+                  <a:sysClr val="windowText" lastClr="000000"/>
+                </a:solidFill>
+                <a:latin typeface="Times New Roman" panose="02020603050405020304" pitchFamily="18" charset="0"/>
+                <a:cs typeface="Times New Roman" panose="02020603050405020304" pitchFamily="18" charset="0"/>
+              </a:rPr>
+              <a:t>Visual Grounding Module</a:t>
+            </a:r>
+            <a:endParaRPr lang="en-SG" sz="1400" b="1" dirty="0">
+              <a:solidFill>
+                <a:sysClr val="windowText" lastClr="000000"/>
+              </a:solidFill>
+              <a:latin typeface="Times New Roman" panose="02020603050405020304" pitchFamily="18" charset="0"/>
+              <a:cs typeface="Times New Roman" panose="02020603050405020304" pitchFamily="18" charset="0"/>
+            </a:endParaRPr>
+          </a:p>
+        </p:txBody>
+      </p:sp>
+      <p:cxnSp>
+        <p:nvCxnSpPr>
+          <p:cNvPr id="23" name="Straight Arrow Connector 22">
+            <a:extLst>
+              <a:ext uri="{FF2B5EF4-FFF2-40B4-BE49-F238E27FC236}">
+                <a16:creationId xmlns:a16="http://schemas.microsoft.com/office/drawing/2014/main" id="{A19B92FF-12C2-1AA2-20B7-CD7CA5A432B8}"/>
+              </a:ext>
+            </a:extLst>
+          </p:cNvPr>
+          <p:cNvCxnSpPr>
+            <a:cxnSpLocks/>
+            <a:stCxn id="5" idx="3"/>
+            <a:endCxn id="9" idx="1"/>
+          </p:cNvCxnSpPr>
+          <p:nvPr/>
+        </p:nvCxnSpPr>
+        <p:spPr>
+          <a:xfrm>
+            <a:off x="3947449" y="3165638"/>
+            <a:ext cx="1274145" cy="771"/>
+          </a:xfrm>
+          <a:prstGeom prst="straightConnector1">
+            <a:avLst/>
+          </a:prstGeom>
+          <a:ln>
+            <a:solidFill>
+              <a:schemeClr val="tx1"/>
+            </a:solidFill>
+            <a:tailEnd type="triangle"/>
+          </a:ln>
+        </p:spPr>
+        <p:style>
+          <a:lnRef idx="1">
+            <a:schemeClr val="accent1"/>
+          </a:lnRef>
+          <a:fillRef idx="0">
+            <a:schemeClr val="accent1"/>
+          </a:fillRef>
+          <a:effectRef idx="0">
+            <a:schemeClr val="accent1"/>
+          </a:effectRef>
+          <a:fontRef idx="minor">
+            <a:schemeClr val="tx1"/>
+          </a:fontRef>
+        </p:style>
+      </p:cxnSp>
+      <p:sp>
+        <p:nvSpPr>
+          <p:cNvPr id="27" name="Rectangle 26">
+            <a:extLst>
+              <a:ext uri="{FF2B5EF4-FFF2-40B4-BE49-F238E27FC236}">
+                <a16:creationId xmlns:a16="http://schemas.microsoft.com/office/drawing/2014/main" id="{B15426AF-F03B-8CAD-A918-E40CD5B6613D}"/>
+              </a:ext>
+            </a:extLst>
+          </p:cNvPr>
+          <p:cNvSpPr/>
+          <p:nvPr/>
+        </p:nvSpPr>
+        <p:spPr>
+          <a:xfrm>
+            <a:off x="3917218" y="3043064"/>
+            <a:ext cx="1241154" cy="496962"/>
+          </a:xfrm>
+          <a:prstGeom prst="rect">
+            <a:avLst/>
+          </a:prstGeom>
+          <a:noFill/>
+          <a:ln>
+            <a:noFill/>
+          </a:ln>
+        </p:spPr>
+        <p:style>
+          <a:lnRef idx="2">
+            <a:schemeClr val="accent1">
+              <a:shade val="15000"/>
+            </a:schemeClr>
+          </a:lnRef>
+          <a:fillRef idx="1">
+            <a:schemeClr val="accent1"/>
+          </a:fillRef>
+          <a:effectRef idx="0">
+            <a:schemeClr val="accent1"/>
+          </a:effectRef>
+          <a:fontRef idx="minor">
+            <a:schemeClr val="lt1"/>
+          </a:fontRef>
+        </p:style>
+        <p:txBody>
+          <a:bodyPr rtlCol="0" anchor="ctr"/>
+          <a:lstStyle/>
+          <a:p>
+            <a:pPr algn="ctr"/>
+            <a:r>
+              <a:rPr lang="en-US" sz="1050" dirty="0">
+                <a:solidFill>
+                  <a:sysClr val="windowText" lastClr="000000"/>
+                </a:solidFill>
+                <a:latin typeface="Times New Roman" panose="02020603050405020304" pitchFamily="18" charset="0"/>
+                <a:cs typeface="Times New Roman" panose="02020603050405020304" pitchFamily="18" charset="0"/>
+              </a:rPr>
+              <a:t>Segmentation Map</a:t>
+            </a:r>
+            <a:endParaRPr lang="en-SG" sz="1050" dirty="0">
+              <a:solidFill>
+                <a:sysClr val="windowText" lastClr="000000"/>
+              </a:solidFill>
+              <a:latin typeface="Times New Roman" panose="02020603050405020304" pitchFamily="18" charset="0"/>
+              <a:cs typeface="Times New Roman" panose="02020603050405020304" pitchFamily="18" charset="0"/>
+            </a:endParaRPr>
+          </a:p>
+        </p:txBody>
+      </p:sp>
+      <p:cxnSp>
+        <p:nvCxnSpPr>
+          <p:cNvPr id="31" name="Straight Arrow Connector 30">
+            <a:extLst>
+              <a:ext uri="{FF2B5EF4-FFF2-40B4-BE49-F238E27FC236}">
+                <a16:creationId xmlns:a16="http://schemas.microsoft.com/office/drawing/2014/main" id="{E4218904-9C15-05CF-0C59-D4F3700A6A35}"/>
+              </a:ext>
+            </a:extLst>
+          </p:cNvPr>
+          <p:cNvCxnSpPr>
+            <a:cxnSpLocks/>
+            <a:stCxn id="6" idx="3"/>
+            <a:endCxn id="37" idx="1"/>
+          </p:cNvCxnSpPr>
+          <p:nvPr/>
+        </p:nvCxnSpPr>
+        <p:spPr>
+          <a:xfrm>
+            <a:off x="9557841" y="3160795"/>
+            <a:ext cx="281632" cy="4842"/>
+          </a:xfrm>
+          <a:prstGeom prst="straightConnector1">
+            <a:avLst/>
+          </a:prstGeom>
+          <a:ln>
+            <a:solidFill>
+              <a:schemeClr val="tx1"/>
+            </a:solidFill>
+            <a:tailEnd type="triangle"/>
+          </a:ln>
+        </p:spPr>
+        <p:style>
+          <a:lnRef idx="1">
+            <a:schemeClr val="accent1"/>
+          </a:lnRef>
+          <a:fillRef idx="0">
+            <a:schemeClr val="accent1"/>
+          </a:fillRef>
+          <a:effectRef idx="0">
+            <a:schemeClr val="accent1"/>
+          </a:effectRef>
+          <a:fontRef idx="minor">
+            <a:schemeClr val="tx1"/>
+          </a:fontRef>
+        </p:style>
+      </p:cxnSp>
+      <p:sp>
+        <p:nvSpPr>
+          <p:cNvPr id="37" name="Rectangle 36">
+            <a:extLst>
+              <a:ext uri="{FF2B5EF4-FFF2-40B4-BE49-F238E27FC236}">
+                <a16:creationId xmlns:a16="http://schemas.microsoft.com/office/drawing/2014/main" id="{3F3BD31A-8F96-53A5-A75A-73BFE99F74F8}"/>
+              </a:ext>
+            </a:extLst>
+          </p:cNvPr>
+          <p:cNvSpPr/>
+          <p:nvPr/>
+        </p:nvSpPr>
+        <p:spPr>
+          <a:xfrm>
+            <a:off x="9839473" y="2802858"/>
+            <a:ext cx="857562" cy="725557"/>
+          </a:xfrm>
+          <a:prstGeom prst="rect">
+            <a:avLst/>
+          </a:prstGeom>
+          <a:noFill/>
+          <a:ln>
+            <a:noFill/>
+          </a:ln>
+        </p:spPr>
+        <p:style>
+          <a:lnRef idx="2">
+            <a:schemeClr val="accent1">
+              <a:shade val="15000"/>
+            </a:schemeClr>
+          </a:lnRef>
+          <a:fillRef idx="1">
+            <a:schemeClr val="accent1"/>
+          </a:fillRef>
+          <a:effectRef idx="0">
+            <a:schemeClr val="accent1"/>
+          </a:effectRef>
+          <a:fontRef idx="minor">
+            <a:schemeClr val="lt1"/>
+          </a:fontRef>
+        </p:style>
+        <p:txBody>
+          <a:bodyPr rtlCol="0" anchor="ctr"/>
+          <a:lstStyle/>
+          <a:p>
+            <a:pPr algn="ctr"/>
+            <a:r>
+              <a:rPr lang="en-US" sz="1200" b="1" dirty="0">
+                <a:solidFill>
+                  <a:sysClr val="windowText" lastClr="000000"/>
+                </a:solidFill>
+                <a:latin typeface="Times New Roman" panose="02020603050405020304" pitchFamily="18" charset="0"/>
+                <a:cs typeface="Times New Roman" panose="02020603050405020304" pitchFamily="18" charset="0"/>
+              </a:rPr>
+              <a:t>Output</a:t>
+            </a:r>
+            <a:endParaRPr lang="en-SG" sz="1200" b="1" dirty="0">
+              <a:solidFill>
+                <a:sysClr val="windowText" lastClr="000000"/>
+              </a:solidFill>
+              <a:latin typeface="Times New Roman" panose="02020603050405020304" pitchFamily="18" charset="0"/>
+              <a:cs typeface="Times New Roman" panose="02020603050405020304" pitchFamily="18" charset="0"/>
+            </a:endParaRPr>
+          </a:p>
+        </p:txBody>
+      </p:sp>
+      <p:sp>
+        <p:nvSpPr>
+          <p:cNvPr id="9" name="Rectangle 8">
+            <a:extLst>
+              <a:ext uri="{FF2B5EF4-FFF2-40B4-BE49-F238E27FC236}">
+                <a16:creationId xmlns:a16="http://schemas.microsoft.com/office/drawing/2014/main" id="{F3F0439A-0F14-4462-6CDA-DED1F7EAC713}"/>
+              </a:ext>
+            </a:extLst>
+          </p:cNvPr>
+          <p:cNvSpPr/>
+          <p:nvPr/>
+        </p:nvSpPr>
+        <p:spPr>
+          <a:xfrm>
+            <a:off x="5221594" y="2803630"/>
+            <a:ext cx="1571631" cy="725557"/>
+          </a:xfrm>
+          <a:prstGeom prst="rect">
+            <a:avLst/>
+          </a:prstGeom>
+          <a:solidFill>
+            <a:schemeClr val="bg1"/>
+          </a:solidFill>
+          <a:ln>
+            <a:solidFill>
+              <a:schemeClr val="tx1"/>
+            </a:solidFill>
+          </a:ln>
+        </p:spPr>
+        <p:style>
+          <a:lnRef idx="2">
+            <a:schemeClr val="accent1">
+              <a:shade val="15000"/>
+            </a:schemeClr>
+          </a:lnRef>
+          <a:fillRef idx="1">
+            <a:schemeClr val="accent1"/>
+          </a:fillRef>
+          <a:effectRef idx="0">
+            <a:schemeClr val="accent1"/>
+          </a:effectRef>
+          <a:fontRef idx="minor">
+            <a:schemeClr val="lt1"/>
+          </a:fontRef>
+        </p:style>
+        <p:txBody>
+          <a:bodyPr rtlCol="0" anchor="ctr"/>
+          <a:lstStyle/>
+          <a:p>
+            <a:pPr algn="ctr"/>
+            <a:r>
+              <a:rPr lang="en-US" sz="1400" b="1" dirty="0">
+                <a:solidFill>
+                  <a:sysClr val="windowText" lastClr="000000"/>
+                </a:solidFill>
+                <a:latin typeface="Times New Roman" panose="02020603050405020304" pitchFamily="18" charset="0"/>
+                <a:cs typeface="Times New Roman" panose="02020603050405020304" pitchFamily="18" charset="0"/>
+              </a:rPr>
+              <a:t>Basic Bounding Box Instancing </a:t>
+            </a:r>
+            <a:endParaRPr lang="en-SG" sz="1400" b="1" dirty="0">
+              <a:solidFill>
+                <a:sysClr val="windowText" lastClr="000000"/>
+              </a:solidFill>
+              <a:latin typeface="Times New Roman" panose="02020603050405020304" pitchFamily="18" charset="0"/>
+              <a:cs typeface="Times New Roman" panose="02020603050405020304" pitchFamily="18" charset="0"/>
+            </a:endParaRPr>
+          </a:p>
+        </p:txBody>
+      </p:sp>
+      <p:cxnSp>
+        <p:nvCxnSpPr>
+          <p:cNvPr id="16" name="Straight Arrow Connector 15">
+            <a:extLst>
+              <a:ext uri="{FF2B5EF4-FFF2-40B4-BE49-F238E27FC236}">
+                <a16:creationId xmlns:a16="http://schemas.microsoft.com/office/drawing/2014/main" id="{FD3D807E-4633-E226-A9B8-26202F22DA74}"/>
+              </a:ext>
+            </a:extLst>
+          </p:cNvPr>
+          <p:cNvCxnSpPr>
+            <a:cxnSpLocks/>
+            <a:stCxn id="9" idx="3"/>
+            <a:endCxn id="6" idx="1"/>
+          </p:cNvCxnSpPr>
+          <p:nvPr/>
+        </p:nvCxnSpPr>
+        <p:spPr>
+          <a:xfrm flipV="1">
+            <a:off x="6793225" y="3160795"/>
+            <a:ext cx="1129763" cy="5614"/>
+          </a:xfrm>
+          <a:prstGeom prst="straightConnector1">
+            <a:avLst/>
+          </a:prstGeom>
+          <a:ln>
+            <a:solidFill>
+              <a:schemeClr val="tx1"/>
+            </a:solidFill>
+            <a:tailEnd type="triangle"/>
+          </a:ln>
+        </p:spPr>
+        <p:style>
+          <a:lnRef idx="1">
+            <a:schemeClr val="accent1"/>
+          </a:lnRef>
+          <a:fillRef idx="0">
+            <a:schemeClr val="accent1"/>
+          </a:fillRef>
+          <a:effectRef idx="0">
+            <a:schemeClr val="accent1"/>
+          </a:effectRef>
+          <a:fontRef idx="minor">
+            <a:schemeClr val="tx1"/>
+          </a:fontRef>
+        </p:style>
+      </p:cxnSp>
+      <p:sp>
+        <p:nvSpPr>
+          <p:cNvPr id="36" name="Rectangle 35">
+            <a:extLst>
+              <a:ext uri="{FF2B5EF4-FFF2-40B4-BE49-F238E27FC236}">
+                <a16:creationId xmlns:a16="http://schemas.microsoft.com/office/drawing/2014/main" id="{C284001E-6529-FAD9-E067-BCA2EE6C0379}"/>
+              </a:ext>
+            </a:extLst>
+          </p:cNvPr>
+          <p:cNvSpPr/>
+          <p:nvPr/>
+        </p:nvSpPr>
+        <p:spPr>
+          <a:xfrm>
+            <a:off x="6730003" y="3098931"/>
+            <a:ext cx="1241154" cy="496962"/>
+          </a:xfrm>
+          <a:prstGeom prst="rect">
+            <a:avLst/>
+          </a:prstGeom>
+          <a:noFill/>
+          <a:ln>
+            <a:noFill/>
+          </a:ln>
+        </p:spPr>
+        <p:style>
+          <a:lnRef idx="2">
+            <a:schemeClr val="accent1">
+              <a:shade val="15000"/>
+            </a:schemeClr>
+          </a:lnRef>
+          <a:fillRef idx="1">
+            <a:schemeClr val="accent1"/>
+          </a:fillRef>
+          <a:effectRef idx="0">
+            <a:schemeClr val="accent1"/>
+          </a:effectRef>
+          <a:fontRef idx="minor">
+            <a:schemeClr val="lt1"/>
+          </a:fontRef>
+        </p:style>
+        <p:txBody>
+          <a:bodyPr rtlCol="0" anchor="ctr"/>
+          <a:lstStyle/>
+          <a:p>
+            <a:pPr algn="ctr"/>
+            <a:r>
+              <a:rPr lang="en-US" sz="1050" dirty="0">
+                <a:solidFill>
+                  <a:sysClr val="windowText" lastClr="000000"/>
+                </a:solidFill>
+                <a:latin typeface="Times New Roman" panose="02020603050405020304" pitchFamily="18" charset="0"/>
+                <a:cs typeface="Times New Roman" panose="02020603050405020304" pitchFamily="18" charset="0"/>
+              </a:rPr>
+              <a:t>Bounding Box Instances</a:t>
+            </a:r>
+            <a:endParaRPr lang="en-SG" sz="1050" dirty="0">
+              <a:solidFill>
+                <a:sysClr val="windowText" lastClr="000000"/>
+              </a:solidFill>
+              <a:latin typeface="Times New Roman" panose="02020603050405020304" pitchFamily="18" charset="0"/>
+              <a:cs typeface="Times New Roman" panose="02020603050405020304" pitchFamily="18" charset="0"/>
+            </a:endParaRPr>
+          </a:p>
+        </p:txBody>
+      </p:sp>
+      <p:sp>
+        <p:nvSpPr>
+          <p:cNvPr id="2" name="Rectangle 1">
+            <a:extLst>
+              <a:ext uri="{FF2B5EF4-FFF2-40B4-BE49-F238E27FC236}">
+                <a16:creationId xmlns:a16="http://schemas.microsoft.com/office/drawing/2014/main" id="{941209F3-5137-462A-9F8B-DC192F18B489}"/>
+              </a:ext>
+            </a:extLst>
+          </p:cNvPr>
+          <p:cNvSpPr/>
+          <p:nvPr/>
+        </p:nvSpPr>
+        <p:spPr>
+          <a:xfrm>
+            <a:off x="323534" y="1887379"/>
+            <a:ext cx="1637947" cy="2839921"/>
+          </a:xfrm>
+          <a:prstGeom prst="rect">
+            <a:avLst/>
+          </a:prstGeom>
+          <a:solidFill>
+            <a:schemeClr val="bg1"/>
+          </a:solidFill>
+          <a:ln>
+            <a:solidFill>
+              <a:schemeClr val="tx1"/>
+            </a:solidFill>
+          </a:ln>
+        </p:spPr>
+        <p:style>
+          <a:lnRef idx="2">
+            <a:schemeClr val="accent1">
+              <a:shade val="15000"/>
+            </a:schemeClr>
+          </a:lnRef>
+          <a:fillRef idx="1">
+            <a:schemeClr val="accent1"/>
+          </a:fillRef>
+          <a:effectRef idx="0">
+            <a:schemeClr val="accent1"/>
+          </a:effectRef>
+          <a:fontRef idx="minor">
+            <a:schemeClr val="lt1"/>
+          </a:fontRef>
+        </p:style>
+        <p:txBody>
+          <a:bodyPr rtlCol="0" anchor="ctr"/>
+          <a:lstStyle/>
+          <a:p>
+            <a:pPr algn="ctr"/>
+            <a:endParaRPr lang="en-US" sz="1200" b="1" dirty="0">
+              <a:solidFill>
+                <a:sysClr val="windowText" lastClr="000000"/>
+              </a:solidFill>
+              <a:latin typeface="Times New Roman" panose="02020603050405020304" pitchFamily="18" charset="0"/>
+              <a:cs typeface="Times New Roman" panose="02020603050405020304" pitchFamily="18" charset="0"/>
+            </a:endParaRPr>
+          </a:p>
+          <a:p>
+            <a:pPr algn="ctr"/>
+            <a:endParaRPr lang="en-US" sz="1200" b="1" dirty="0">
+              <a:solidFill>
+                <a:sysClr val="windowText" lastClr="000000"/>
+              </a:solidFill>
+              <a:latin typeface="Times New Roman" panose="02020603050405020304" pitchFamily="18" charset="0"/>
+              <a:cs typeface="Times New Roman" panose="02020603050405020304" pitchFamily="18" charset="0"/>
+            </a:endParaRPr>
+          </a:p>
+          <a:p>
+            <a:pPr algn="ctr"/>
+            <a:endParaRPr lang="en-US" sz="1200" b="1" dirty="0">
+              <a:solidFill>
+                <a:sysClr val="windowText" lastClr="000000"/>
+              </a:solidFill>
+              <a:latin typeface="Times New Roman" panose="02020603050405020304" pitchFamily="18" charset="0"/>
+              <a:cs typeface="Times New Roman" panose="02020603050405020304" pitchFamily="18" charset="0"/>
+            </a:endParaRPr>
+          </a:p>
+          <a:p>
+            <a:pPr algn="ctr"/>
+            <a:endParaRPr lang="en-US" sz="1200" b="1" dirty="0">
+              <a:solidFill>
+                <a:sysClr val="windowText" lastClr="000000"/>
+              </a:solidFill>
+              <a:latin typeface="Times New Roman" panose="02020603050405020304" pitchFamily="18" charset="0"/>
+              <a:cs typeface="Times New Roman" panose="02020603050405020304" pitchFamily="18" charset="0"/>
+            </a:endParaRPr>
+          </a:p>
+          <a:p>
+            <a:pPr algn="ctr"/>
+            <a:r>
+              <a:rPr lang="en-US" sz="1200" b="1" dirty="0">
+                <a:solidFill>
+                  <a:sysClr val="windowText" lastClr="000000"/>
+                </a:solidFill>
+                <a:latin typeface="Times New Roman" panose="02020603050405020304" pitchFamily="18" charset="0"/>
+                <a:cs typeface="Times New Roman" panose="02020603050405020304" pitchFamily="18" charset="0"/>
+              </a:rPr>
+              <a:t>RefCOCO+</a:t>
+            </a:r>
+          </a:p>
+          <a:p>
+            <a:pPr algn="ctr"/>
+            <a:endParaRPr lang="en-US" sz="1200" b="1" dirty="0">
+              <a:solidFill>
+                <a:sysClr val="windowText" lastClr="000000"/>
+              </a:solidFill>
+              <a:latin typeface="Times New Roman" panose="02020603050405020304" pitchFamily="18" charset="0"/>
+              <a:cs typeface="Times New Roman" panose="02020603050405020304" pitchFamily="18" charset="0"/>
+            </a:endParaRPr>
+          </a:p>
+          <a:p>
+            <a:pPr algn="ctr"/>
+            <a:endParaRPr lang="en-US" sz="1200" b="1" dirty="0">
+              <a:solidFill>
+                <a:sysClr val="windowText" lastClr="000000"/>
+              </a:solidFill>
+              <a:latin typeface="Times New Roman" panose="02020603050405020304" pitchFamily="18" charset="0"/>
+              <a:cs typeface="Times New Roman" panose="02020603050405020304" pitchFamily="18" charset="0"/>
+            </a:endParaRPr>
+          </a:p>
+          <a:p>
+            <a:pPr algn="ctr"/>
+            <a:endParaRPr lang="en-US" sz="1200" b="1" dirty="0">
+              <a:solidFill>
+                <a:sysClr val="windowText" lastClr="000000"/>
+              </a:solidFill>
+              <a:latin typeface="Times New Roman" panose="02020603050405020304" pitchFamily="18" charset="0"/>
+              <a:cs typeface="Times New Roman" panose="02020603050405020304" pitchFamily="18" charset="0"/>
+            </a:endParaRPr>
+          </a:p>
+          <a:p>
+            <a:pPr algn="ctr"/>
+            <a:endParaRPr lang="en-US" sz="1200" b="1" dirty="0">
+              <a:solidFill>
+                <a:sysClr val="windowText" lastClr="000000"/>
+              </a:solidFill>
+              <a:latin typeface="Times New Roman" panose="02020603050405020304" pitchFamily="18" charset="0"/>
+              <a:cs typeface="Times New Roman" panose="02020603050405020304" pitchFamily="18" charset="0"/>
+            </a:endParaRPr>
+          </a:p>
+          <a:p>
+            <a:pPr algn="ctr"/>
+            <a:endParaRPr lang="en-US" sz="1200" b="1" dirty="0">
+              <a:solidFill>
+                <a:sysClr val="windowText" lastClr="000000"/>
+              </a:solidFill>
+              <a:latin typeface="Times New Roman" panose="02020603050405020304" pitchFamily="18" charset="0"/>
+              <a:cs typeface="Times New Roman" panose="02020603050405020304" pitchFamily="18" charset="0"/>
+            </a:endParaRPr>
+          </a:p>
+          <a:p>
+            <a:pPr algn="ctr"/>
+            <a:endParaRPr lang="en-US" sz="1200" b="1" dirty="0">
+              <a:solidFill>
+                <a:sysClr val="windowText" lastClr="000000"/>
+              </a:solidFill>
+              <a:latin typeface="Times New Roman" panose="02020603050405020304" pitchFamily="18" charset="0"/>
+              <a:cs typeface="Times New Roman" panose="02020603050405020304" pitchFamily="18" charset="0"/>
+            </a:endParaRPr>
+          </a:p>
+          <a:p>
+            <a:pPr algn="ctr"/>
+            <a:endParaRPr lang="en-US" sz="1200" b="1" dirty="0">
+              <a:solidFill>
+                <a:sysClr val="windowText" lastClr="000000"/>
+              </a:solidFill>
+              <a:latin typeface="Times New Roman" panose="02020603050405020304" pitchFamily="18" charset="0"/>
+              <a:cs typeface="Times New Roman" panose="02020603050405020304" pitchFamily="18" charset="0"/>
+            </a:endParaRPr>
+          </a:p>
+          <a:p>
+            <a:pPr algn="ctr"/>
+            <a:endParaRPr lang="en-US" sz="1200" b="1" dirty="0">
+              <a:solidFill>
+                <a:sysClr val="windowText" lastClr="000000"/>
+              </a:solidFill>
+              <a:latin typeface="Times New Roman" panose="02020603050405020304" pitchFamily="18" charset="0"/>
+              <a:cs typeface="Times New Roman" panose="02020603050405020304" pitchFamily="18" charset="0"/>
+            </a:endParaRPr>
+          </a:p>
+          <a:p>
+            <a:pPr algn="ctr"/>
+            <a:endParaRPr lang="en-US" sz="1200" b="1" dirty="0">
+              <a:solidFill>
+                <a:sysClr val="windowText" lastClr="000000"/>
+              </a:solidFill>
+              <a:latin typeface="Times New Roman" panose="02020603050405020304" pitchFamily="18" charset="0"/>
+              <a:cs typeface="Times New Roman" panose="02020603050405020304" pitchFamily="18" charset="0"/>
+            </a:endParaRPr>
+          </a:p>
+          <a:p>
+            <a:pPr algn="ctr"/>
+            <a:endParaRPr lang="en-US" sz="1200" b="1" dirty="0">
+              <a:solidFill>
+                <a:sysClr val="windowText" lastClr="000000"/>
+              </a:solidFill>
+              <a:latin typeface="Times New Roman" panose="02020603050405020304" pitchFamily="18" charset="0"/>
+              <a:cs typeface="Times New Roman" panose="02020603050405020304" pitchFamily="18" charset="0"/>
+            </a:endParaRPr>
+          </a:p>
+          <a:p>
+            <a:pPr algn="ctr"/>
+            <a:endParaRPr lang="en-US" sz="1200" b="1" dirty="0">
+              <a:solidFill>
+                <a:sysClr val="windowText" lastClr="000000"/>
+              </a:solidFill>
+              <a:latin typeface="Times New Roman" panose="02020603050405020304" pitchFamily="18" charset="0"/>
+              <a:cs typeface="Times New Roman" panose="02020603050405020304" pitchFamily="18" charset="0"/>
+            </a:endParaRPr>
+          </a:p>
+          <a:p>
+            <a:pPr algn="ctr"/>
+            <a:endParaRPr lang="en-US" sz="1200" b="1" dirty="0">
+              <a:solidFill>
+                <a:sysClr val="windowText" lastClr="000000"/>
+              </a:solidFill>
+              <a:latin typeface="Times New Roman" panose="02020603050405020304" pitchFamily="18" charset="0"/>
+              <a:cs typeface="Times New Roman" panose="02020603050405020304" pitchFamily="18" charset="0"/>
+            </a:endParaRPr>
+          </a:p>
+          <a:p>
+            <a:pPr algn="ctr"/>
+            <a:endParaRPr lang="en-US" sz="1200" b="1" dirty="0">
+              <a:solidFill>
+                <a:sysClr val="windowText" lastClr="000000"/>
+              </a:solidFill>
+              <a:latin typeface="Times New Roman" panose="02020603050405020304" pitchFamily="18" charset="0"/>
+              <a:cs typeface="Times New Roman" panose="02020603050405020304" pitchFamily="18" charset="0"/>
+            </a:endParaRPr>
+          </a:p>
+          <a:p>
+            <a:pPr algn="ctr"/>
+            <a:endParaRPr lang="en-US" sz="1200" b="1" dirty="0">
+              <a:solidFill>
+                <a:sysClr val="windowText" lastClr="000000"/>
+              </a:solidFill>
+              <a:latin typeface="Times New Roman" panose="02020603050405020304" pitchFamily="18" charset="0"/>
+              <a:cs typeface="Times New Roman" panose="02020603050405020304" pitchFamily="18" charset="0"/>
+            </a:endParaRPr>
+          </a:p>
+          <a:p>
+            <a:pPr algn="ctr"/>
+            <a:endParaRPr lang="en-US" sz="1200" b="1" dirty="0">
+              <a:solidFill>
+                <a:sysClr val="windowText" lastClr="000000"/>
+              </a:solidFill>
+              <a:latin typeface="Times New Roman" panose="02020603050405020304" pitchFamily="18" charset="0"/>
+              <a:cs typeface="Times New Roman" panose="02020603050405020304" pitchFamily="18" charset="0"/>
+            </a:endParaRPr>
+          </a:p>
+          <a:p>
+            <a:pPr algn="ctr"/>
+            <a:endParaRPr lang="en-US" sz="1200" b="1" dirty="0">
+              <a:solidFill>
+                <a:sysClr val="windowText" lastClr="000000"/>
+              </a:solidFill>
+              <a:latin typeface="Times New Roman" panose="02020603050405020304" pitchFamily="18" charset="0"/>
+              <a:cs typeface="Times New Roman" panose="02020603050405020304" pitchFamily="18" charset="0"/>
+            </a:endParaRPr>
+          </a:p>
+          <a:p>
+            <a:pPr algn="ctr"/>
+            <a:endParaRPr lang="en-US" sz="1200" b="1" dirty="0">
+              <a:solidFill>
+                <a:sysClr val="windowText" lastClr="000000"/>
+              </a:solidFill>
+              <a:latin typeface="Times New Roman" panose="02020603050405020304" pitchFamily="18" charset="0"/>
+              <a:cs typeface="Times New Roman" panose="02020603050405020304" pitchFamily="18" charset="0"/>
+            </a:endParaRPr>
+          </a:p>
+          <a:p>
+            <a:pPr algn="ctr"/>
+            <a:endParaRPr lang="en-SG" sz="1200" b="1" dirty="0">
+              <a:solidFill>
+                <a:sysClr val="windowText" lastClr="000000"/>
+              </a:solidFill>
+              <a:latin typeface="Times New Roman" panose="02020603050405020304" pitchFamily="18" charset="0"/>
+              <a:cs typeface="Times New Roman" panose="02020603050405020304" pitchFamily="18" charset="0"/>
+            </a:endParaRPr>
+          </a:p>
+        </p:txBody>
+      </p:sp>
+      <p:sp>
+        <p:nvSpPr>
+          <p:cNvPr id="3" name="Rectangle 2">
+            <a:extLst>
+              <a:ext uri="{FF2B5EF4-FFF2-40B4-BE49-F238E27FC236}">
+                <a16:creationId xmlns:a16="http://schemas.microsoft.com/office/drawing/2014/main" id="{E65CFDBD-23D6-196E-65BA-2AF35C436D74}"/>
+              </a:ext>
+            </a:extLst>
+          </p:cNvPr>
+          <p:cNvSpPr/>
+          <p:nvPr/>
+        </p:nvSpPr>
+        <p:spPr>
+          <a:xfrm>
+            <a:off x="531253" y="2923720"/>
+            <a:ext cx="1222508" cy="480629"/>
+          </a:xfrm>
+          <a:prstGeom prst="rect">
+            <a:avLst/>
+          </a:prstGeom>
+          <a:solidFill>
+            <a:schemeClr val="bg1"/>
+          </a:solidFill>
+          <a:ln>
+            <a:solidFill>
+              <a:schemeClr val="tx1"/>
+            </a:solidFill>
+          </a:ln>
+        </p:spPr>
+        <p:style>
+          <a:lnRef idx="2">
+            <a:schemeClr val="accent1">
+              <a:shade val="15000"/>
+            </a:schemeClr>
+          </a:lnRef>
+          <a:fillRef idx="1">
+            <a:schemeClr val="accent1"/>
+          </a:fillRef>
+          <a:effectRef idx="0">
+            <a:schemeClr val="accent1"/>
+          </a:effectRef>
+          <a:fontRef idx="minor">
+            <a:schemeClr val="lt1"/>
+          </a:fontRef>
+        </p:style>
+        <p:txBody>
+          <a:bodyPr rtlCol="0" anchor="ctr"/>
+          <a:lstStyle/>
+          <a:p>
+            <a:pPr algn="ctr"/>
+            <a:r>
+              <a:rPr lang="en-US" sz="1100" dirty="0">
+                <a:solidFill>
+                  <a:sysClr val="windowText" lastClr="000000"/>
+                </a:solidFill>
+                <a:latin typeface="Times New Roman" panose="02020603050405020304" pitchFamily="18" charset="0"/>
+                <a:cs typeface="Times New Roman" panose="02020603050405020304" pitchFamily="18" charset="0"/>
+              </a:rPr>
+              <a:t>Label</a:t>
+            </a:r>
+            <a:endParaRPr lang="en-SG" sz="1100" dirty="0">
+              <a:solidFill>
+                <a:sysClr val="windowText" lastClr="000000"/>
+              </a:solidFill>
+              <a:latin typeface="Times New Roman" panose="02020603050405020304" pitchFamily="18" charset="0"/>
+              <a:cs typeface="Times New Roman" panose="02020603050405020304" pitchFamily="18" charset="0"/>
+            </a:endParaRPr>
+          </a:p>
+        </p:txBody>
+      </p:sp>
+      <p:sp>
+        <p:nvSpPr>
+          <p:cNvPr id="4" name="Rectangle 3">
+            <a:extLst>
+              <a:ext uri="{FF2B5EF4-FFF2-40B4-BE49-F238E27FC236}">
+                <a16:creationId xmlns:a16="http://schemas.microsoft.com/office/drawing/2014/main" id="{9D600F29-E346-2C2A-9EB6-2BB8AE52614A}"/>
+              </a:ext>
+            </a:extLst>
+          </p:cNvPr>
+          <p:cNvSpPr/>
+          <p:nvPr/>
+        </p:nvSpPr>
+        <p:spPr>
+          <a:xfrm>
+            <a:off x="531253" y="3535623"/>
+            <a:ext cx="1222508" cy="480629"/>
+          </a:xfrm>
+          <a:prstGeom prst="rect">
+            <a:avLst/>
+          </a:prstGeom>
+          <a:solidFill>
+            <a:schemeClr val="bg1"/>
+          </a:solidFill>
+          <a:ln>
+            <a:solidFill>
+              <a:schemeClr val="tx1"/>
+            </a:solidFill>
+          </a:ln>
+        </p:spPr>
+        <p:style>
+          <a:lnRef idx="2">
+            <a:schemeClr val="accent1">
+              <a:shade val="15000"/>
+            </a:schemeClr>
+          </a:lnRef>
+          <a:fillRef idx="1">
+            <a:schemeClr val="accent1"/>
+          </a:fillRef>
+          <a:effectRef idx="0">
+            <a:schemeClr val="accent1"/>
+          </a:effectRef>
+          <a:fontRef idx="minor">
+            <a:schemeClr val="lt1"/>
+          </a:fontRef>
+        </p:style>
+        <p:txBody>
+          <a:bodyPr rtlCol="0" anchor="ctr"/>
+          <a:lstStyle/>
+          <a:p>
+            <a:pPr algn="ctr"/>
+            <a:r>
+              <a:rPr lang="en-US" sz="1100" dirty="0">
+                <a:solidFill>
+                  <a:sysClr val="windowText" lastClr="000000"/>
+                </a:solidFill>
+                <a:latin typeface="Times New Roman" panose="02020603050405020304" pitchFamily="18" charset="0"/>
+                <a:cs typeface="Times New Roman" panose="02020603050405020304" pitchFamily="18" charset="0"/>
+              </a:rPr>
+              <a:t>Sentences</a:t>
+            </a:r>
+            <a:endParaRPr lang="en-SG" sz="1100" dirty="0">
+              <a:solidFill>
+                <a:sysClr val="windowText" lastClr="000000"/>
+              </a:solidFill>
+              <a:latin typeface="Times New Roman" panose="02020603050405020304" pitchFamily="18" charset="0"/>
+              <a:cs typeface="Times New Roman" panose="02020603050405020304" pitchFamily="18" charset="0"/>
+            </a:endParaRPr>
+          </a:p>
+        </p:txBody>
+      </p:sp>
+      <p:sp>
+        <p:nvSpPr>
+          <p:cNvPr id="10" name="Rectangle 9">
+            <a:extLst>
+              <a:ext uri="{FF2B5EF4-FFF2-40B4-BE49-F238E27FC236}">
+                <a16:creationId xmlns:a16="http://schemas.microsoft.com/office/drawing/2014/main" id="{5A92E93C-BAFF-4506-CA54-2DE363E9878E}"/>
+              </a:ext>
+            </a:extLst>
+          </p:cNvPr>
+          <p:cNvSpPr/>
+          <p:nvPr/>
+        </p:nvSpPr>
+        <p:spPr>
+          <a:xfrm>
+            <a:off x="531253" y="2309519"/>
+            <a:ext cx="1222508" cy="480629"/>
+          </a:xfrm>
+          <a:prstGeom prst="rect">
+            <a:avLst/>
+          </a:prstGeom>
+          <a:solidFill>
+            <a:schemeClr val="bg1"/>
+          </a:solidFill>
+          <a:ln>
+            <a:solidFill>
+              <a:schemeClr val="tx1"/>
+            </a:solidFill>
+          </a:ln>
+        </p:spPr>
+        <p:style>
+          <a:lnRef idx="2">
+            <a:schemeClr val="accent1">
+              <a:shade val="15000"/>
+            </a:schemeClr>
+          </a:lnRef>
+          <a:fillRef idx="1">
+            <a:schemeClr val="accent1"/>
+          </a:fillRef>
+          <a:effectRef idx="0">
+            <a:schemeClr val="accent1"/>
+          </a:effectRef>
+          <a:fontRef idx="minor">
+            <a:schemeClr val="lt1"/>
+          </a:fontRef>
+        </p:style>
+        <p:txBody>
+          <a:bodyPr rtlCol="0" anchor="ctr"/>
+          <a:lstStyle/>
+          <a:p>
+            <a:pPr algn="ctr"/>
+            <a:r>
+              <a:rPr lang="en-US" sz="1100" dirty="0">
+                <a:solidFill>
+                  <a:sysClr val="windowText" lastClr="000000"/>
+                </a:solidFill>
+                <a:latin typeface="Times New Roman" panose="02020603050405020304" pitchFamily="18" charset="0"/>
+                <a:cs typeface="Times New Roman" panose="02020603050405020304" pitchFamily="18" charset="0"/>
+              </a:rPr>
+              <a:t>Image</a:t>
+            </a:r>
+            <a:endParaRPr lang="en-SG" sz="1100" dirty="0">
+              <a:solidFill>
+                <a:sysClr val="windowText" lastClr="000000"/>
+              </a:solidFill>
+              <a:latin typeface="Times New Roman" panose="02020603050405020304" pitchFamily="18" charset="0"/>
+              <a:cs typeface="Times New Roman" panose="02020603050405020304" pitchFamily="18" charset="0"/>
+            </a:endParaRPr>
+          </a:p>
+        </p:txBody>
+      </p:sp>
+      <p:sp>
+        <p:nvSpPr>
+          <p:cNvPr id="13" name="Rectangle 12">
+            <a:extLst>
+              <a:ext uri="{FF2B5EF4-FFF2-40B4-BE49-F238E27FC236}">
+                <a16:creationId xmlns:a16="http://schemas.microsoft.com/office/drawing/2014/main" id="{04EDB6A8-A4F6-3DFA-7D67-7DA9DCCF9771}"/>
+              </a:ext>
+            </a:extLst>
+          </p:cNvPr>
+          <p:cNvSpPr/>
+          <p:nvPr/>
+        </p:nvSpPr>
+        <p:spPr>
+          <a:xfrm>
+            <a:off x="531253" y="4142503"/>
+            <a:ext cx="1222508" cy="480629"/>
+          </a:xfrm>
+          <a:prstGeom prst="rect">
+            <a:avLst/>
+          </a:prstGeom>
+          <a:solidFill>
+            <a:schemeClr val="bg1"/>
+          </a:solidFill>
+          <a:ln>
+            <a:solidFill>
+              <a:schemeClr val="tx1"/>
+            </a:solidFill>
+          </a:ln>
+        </p:spPr>
+        <p:style>
+          <a:lnRef idx="2">
+            <a:schemeClr val="accent1">
+              <a:shade val="15000"/>
+            </a:schemeClr>
+          </a:lnRef>
+          <a:fillRef idx="1">
+            <a:schemeClr val="accent1"/>
+          </a:fillRef>
+          <a:effectRef idx="0">
+            <a:schemeClr val="accent1"/>
+          </a:effectRef>
+          <a:fontRef idx="minor">
+            <a:schemeClr val="lt1"/>
+          </a:fontRef>
+        </p:style>
+        <p:txBody>
+          <a:bodyPr rtlCol="0" anchor="ctr"/>
+          <a:lstStyle/>
+          <a:p>
+            <a:pPr algn="ctr"/>
+            <a:r>
+              <a:rPr lang="en-US" sz="1100" dirty="0">
+                <a:solidFill>
+                  <a:sysClr val="windowText" lastClr="000000"/>
+                </a:solidFill>
+                <a:latin typeface="Times New Roman" panose="02020603050405020304" pitchFamily="18" charset="0"/>
+                <a:cs typeface="Times New Roman" panose="02020603050405020304" pitchFamily="18" charset="0"/>
+              </a:rPr>
+              <a:t>Ref_bbox</a:t>
+            </a:r>
+            <a:endParaRPr lang="en-SG" sz="1100" dirty="0">
+              <a:solidFill>
+                <a:sysClr val="windowText" lastClr="000000"/>
+              </a:solidFill>
+              <a:latin typeface="Times New Roman" panose="02020603050405020304" pitchFamily="18" charset="0"/>
+              <a:cs typeface="Times New Roman" panose="02020603050405020304" pitchFamily="18" charset="0"/>
+            </a:endParaRPr>
+          </a:p>
+        </p:txBody>
+      </p:sp>
+      <p:cxnSp>
+        <p:nvCxnSpPr>
+          <p:cNvPr id="12" name="Connector: Elbow 11">
+            <a:extLst>
+              <a:ext uri="{FF2B5EF4-FFF2-40B4-BE49-F238E27FC236}">
+                <a16:creationId xmlns:a16="http://schemas.microsoft.com/office/drawing/2014/main" id="{20B76AC2-BCC6-5452-C2E5-429EDBCE9EA8}"/>
+              </a:ext>
+            </a:extLst>
+          </p:cNvPr>
+          <p:cNvCxnSpPr>
+            <a:cxnSpLocks/>
+            <a:stCxn id="10" idx="3"/>
+            <a:endCxn id="5" idx="0"/>
+          </p:cNvCxnSpPr>
+          <p:nvPr/>
+        </p:nvCxnSpPr>
+        <p:spPr>
+          <a:xfrm>
+            <a:off x="1753761" y="2549834"/>
+            <a:ext cx="1556962" cy="253025"/>
+          </a:xfrm>
+          <a:prstGeom prst="bentConnector2">
+            <a:avLst/>
+          </a:prstGeom>
+          <a:ln>
+            <a:solidFill>
+              <a:schemeClr val="tx1"/>
+            </a:solidFill>
+            <a:tailEnd type="triangle"/>
+          </a:ln>
+        </p:spPr>
+        <p:style>
+          <a:lnRef idx="1">
+            <a:schemeClr val="accent1"/>
+          </a:lnRef>
+          <a:fillRef idx="0">
+            <a:schemeClr val="accent1"/>
+          </a:fillRef>
+          <a:effectRef idx="0">
+            <a:schemeClr val="accent1"/>
+          </a:effectRef>
+          <a:fontRef idx="minor">
+            <a:schemeClr val="tx1"/>
+          </a:fontRef>
+        </p:style>
+      </p:cxnSp>
+      <p:cxnSp>
+        <p:nvCxnSpPr>
+          <p:cNvPr id="20" name="Connector: Elbow 19">
+            <a:extLst>
+              <a:ext uri="{FF2B5EF4-FFF2-40B4-BE49-F238E27FC236}">
+                <a16:creationId xmlns:a16="http://schemas.microsoft.com/office/drawing/2014/main" id="{18A00980-4004-123B-5E2D-2EAC2C57EABE}"/>
+              </a:ext>
+            </a:extLst>
+          </p:cNvPr>
+          <p:cNvCxnSpPr>
+            <a:cxnSpLocks/>
+            <a:stCxn id="4" idx="3"/>
+            <a:endCxn id="6" idx="2"/>
+          </p:cNvCxnSpPr>
+          <p:nvPr/>
+        </p:nvCxnSpPr>
+        <p:spPr>
+          <a:xfrm flipV="1">
+            <a:off x="1753761" y="3512921"/>
+            <a:ext cx="6986654" cy="263017"/>
+          </a:xfrm>
+          <a:prstGeom prst="bentConnector2">
+            <a:avLst/>
+          </a:prstGeom>
+          <a:ln>
+            <a:solidFill>
+              <a:schemeClr val="tx1"/>
+            </a:solidFill>
+            <a:tailEnd type="triangle"/>
+          </a:ln>
+        </p:spPr>
+        <p:style>
+          <a:lnRef idx="1">
+            <a:schemeClr val="accent1"/>
+          </a:lnRef>
+          <a:fillRef idx="0">
+            <a:schemeClr val="accent1"/>
+          </a:fillRef>
+          <a:effectRef idx="0">
+            <a:schemeClr val="accent1"/>
+          </a:effectRef>
+          <a:fontRef idx="minor">
+            <a:schemeClr val="tx1"/>
+          </a:fontRef>
+        </p:style>
+      </p:cxnSp>
+      <p:cxnSp>
+        <p:nvCxnSpPr>
+          <p:cNvPr id="30" name="Straight Arrow Connector 29">
+            <a:extLst>
+              <a:ext uri="{FF2B5EF4-FFF2-40B4-BE49-F238E27FC236}">
+                <a16:creationId xmlns:a16="http://schemas.microsoft.com/office/drawing/2014/main" id="{3674E190-05E2-C8F6-856E-0B4D8EDD3A05}"/>
+              </a:ext>
+            </a:extLst>
+          </p:cNvPr>
+          <p:cNvCxnSpPr>
+            <a:cxnSpLocks/>
+            <a:stCxn id="3" idx="3"/>
+            <a:endCxn id="5" idx="1"/>
+          </p:cNvCxnSpPr>
+          <p:nvPr/>
+        </p:nvCxnSpPr>
+        <p:spPr>
+          <a:xfrm>
+            <a:off x="1753761" y="3164035"/>
+            <a:ext cx="920235" cy="1603"/>
+          </a:xfrm>
+          <a:prstGeom prst="straightConnector1">
+            <a:avLst/>
+          </a:prstGeom>
+          <a:ln>
+            <a:solidFill>
+              <a:schemeClr val="tx1"/>
+            </a:solidFill>
+            <a:tailEnd type="triangle"/>
+          </a:ln>
+        </p:spPr>
+        <p:style>
+          <a:lnRef idx="1">
+            <a:schemeClr val="accent1"/>
+          </a:lnRef>
+          <a:fillRef idx="0">
+            <a:schemeClr val="accent1"/>
+          </a:fillRef>
+          <a:effectRef idx="0">
+            <a:schemeClr val="accent1"/>
+          </a:effectRef>
+          <a:fontRef idx="minor">
+            <a:schemeClr val="tx1"/>
+          </a:fontRef>
+        </p:style>
+      </p:cxnSp>
+      <p:cxnSp>
+        <p:nvCxnSpPr>
+          <p:cNvPr id="42" name="Connector: Elbow 41">
+            <a:extLst>
+              <a:ext uri="{FF2B5EF4-FFF2-40B4-BE49-F238E27FC236}">
+                <a16:creationId xmlns:a16="http://schemas.microsoft.com/office/drawing/2014/main" id="{ADFD0359-52A8-F14D-D4CC-973E3BD897EC}"/>
+              </a:ext>
+            </a:extLst>
+          </p:cNvPr>
+          <p:cNvCxnSpPr>
+            <a:cxnSpLocks/>
+            <a:stCxn id="13" idx="3"/>
+            <a:endCxn id="37" idx="2"/>
+          </p:cNvCxnSpPr>
+          <p:nvPr/>
+        </p:nvCxnSpPr>
+        <p:spPr>
+          <a:xfrm flipV="1">
+            <a:off x="1753761" y="3528415"/>
+            <a:ext cx="8514493" cy="854403"/>
+          </a:xfrm>
+          <a:prstGeom prst="bentConnector2">
+            <a:avLst/>
+          </a:prstGeom>
+          <a:ln>
+            <a:solidFill>
+              <a:schemeClr val="tx1"/>
+            </a:solidFill>
+            <a:tailEnd type="triangle"/>
+          </a:ln>
+        </p:spPr>
+        <p:style>
+          <a:lnRef idx="1">
+            <a:schemeClr val="accent1"/>
+          </a:lnRef>
+          <a:fillRef idx="0">
+            <a:schemeClr val="accent1"/>
+          </a:fillRef>
+          <a:effectRef idx="0">
+            <a:schemeClr val="accent1"/>
+          </a:effectRef>
+          <a:fontRef idx="minor">
+            <a:schemeClr val="tx1"/>
+          </a:fontRef>
+        </p:style>
+      </p:cxnSp>
+      <p:sp>
+        <p:nvSpPr>
+          <p:cNvPr id="45" name="Rectangle 44">
+            <a:extLst>
+              <a:ext uri="{FF2B5EF4-FFF2-40B4-BE49-F238E27FC236}">
+                <a16:creationId xmlns:a16="http://schemas.microsoft.com/office/drawing/2014/main" id="{C349EC9F-5142-5830-1DEF-53FD964E2A1B}"/>
+              </a:ext>
+            </a:extLst>
+          </p:cNvPr>
+          <p:cNvSpPr/>
+          <p:nvPr/>
+        </p:nvSpPr>
+        <p:spPr>
+          <a:xfrm>
+            <a:off x="10990026" y="2803332"/>
+            <a:ext cx="857562" cy="725557"/>
+          </a:xfrm>
+          <a:prstGeom prst="rect">
+            <a:avLst/>
+          </a:prstGeom>
+          <a:noFill/>
+          <a:ln>
+            <a:noFill/>
+          </a:ln>
+        </p:spPr>
+        <p:style>
+          <a:lnRef idx="2">
+            <a:schemeClr val="accent1">
+              <a:shade val="15000"/>
+            </a:schemeClr>
+          </a:lnRef>
+          <a:fillRef idx="1">
+            <a:schemeClr val="accent1"/>
+          </a:fillRef>
+          <a:effectRef idx="0">
+            <a:schemeClr val="accent1"/>
+          </a:effectRef>
+          <a:fontRef idx="minor">
+            <a:schemeClr val="lt1"/>
+          </a:fontRef>
+        </p:style>
+        <p:txBody>
+          <a:bodyPr rtlCol="0" anchor="ctr"/>
+          <a:lstStyle/>
+          <a:p>
+            <a:pPr algn="ctr"/>
+            <a:r>
+              <a:rPr lang="en-US" sz="1200" b="1" dirty="0">
+                <a:solidFill>
+                  <a:sysClr val="windowText" lastClr="000000"/>
+                </a:solidFill>
+                <a:latin typeface="Times New Roman" panose="02020603050405020304" pitchFamily="18" charset="0"/>
+                <a:cs typeface="Times New Roman" panose="02020603050405020304" pitchFamily="18" charset="0"/>
+              </a:rPr>
+              <a:t>IoU Score</a:t>
+            </a:r>
+            <a:endParaRPr lang="en-SG" sz="1200" b="1" dirty="0">
+              <a:solidFill>
+                <a:sysClr val="windowText" lastClr="000000"/>
+              </a:solidFill>
+              <a:latin typeface="Times New Roman" panose="02020603050405020304" pitchFamily="18" charset="0"/>
+              <a:cs typeface="Times New Roman" panose="02020603050405020304" pitchFamily="18" charset="0"/>
+            </a:endParaRPr>
+          </a:p>
+        </p:txBody>
+      </p:sp>
+      <p:cxnSp>
+        <p:nvCxnSpPr>
+          <p:cNvPr id="46" name="Straight Arrow Connector 45">
+            <a:extLst>
+              <a:ext uri="{FF2B5EF4-FFF2-40B4-BE49-F238E27FC236}">
+                <a16:creationId xmlns:a16="http://schemas.microsoft.com/office/drawing/2014/main" id="{5E2E104D-E6A9-179F-18D3-FFA94E1B76AD}"/>
+              </a:ext>
+            </a:extLst>
+          </p:cNvPr>
+          <p:cNvCxnSpPr>
+            <a:cxnSpLocks/>
+            <a:stCxn id="37" idx="3"/>
+            <a:endCxn id="45" idx="1"/>
+          </p:cNvCxnSpPr>
+          <p:nvPr/>
+        </p:nvCxnSpPr>
+        <p:spPr>
+          <a:xfrm>
+            <a:off x="10697035" y="3165637"/>
+            <a:ext cx="292991" cy="474"/>
+          </a:xfrm>
+          <a:prstGeom prst="straightConnector1">
+            <a:avLst/>
+          </a:prstGeom>
+          <a:ln>
+            <a:solidFill>
+              <a:schemeClr val="tx1"/>
+            </a:solidFill>
+            <a:tailEnd type="triangle"/>
+          </a:ln>
+        </p:spPr>
+        <p:style>
+          <a:lnRef idx="1">
+            <a:schemeClr val="accent1"/>
+          </a:lnRef>
+          <a:fillRef idx="0">
+            <a:schemeClr val="accent1"/>
+          </a:fillRef>
+          <a:effectRef idx="0">
+            <a:schemeClr val="accent1"/>
+          </a:effectRef>
+          <a:fontRef idx="minor">
+            <a:schemeClr val="tx1"/>
+          </a:fontRef>
+        </p:style>
+      </p:cxnSp>
+    </p:spTree>
+    <p:extLst>
+      <p:ext uri="{BB962C8B-B14F-4D97-AF65-F5344CB8AC3E}">
+        <p14:creationId xmlns:p14="http://schemas.microsoft.com/office/powerpoint/2010/main" val="82365901"/>
       </p:ext>
     </p:extLst>
   </p:cSld>
